--- a/ЖуковМП3120.pptx
+++ b/ЖуковМП3120.pptx
@@ -2,16 +2,27 @@
 <file path=ppt/presentation.xml><?xml version="1.0" encoding="utf-8"?>
 <p:presentation xmlns:a="http://schemas.openxmlformats.org/drawingml/2006/main" xmlns:r="http://schemas.openxmlformats.org/officeDocument/2006/relationships" xmlns:p="http://schemas.openxmlformats.org/presentationml/2006/main" showSpecialPlsOnTitleSld="0" saveSubsetFonts="1">
   <p:sldMasterIdLst>
-    <p:sldMasterId id="2147483693" r:id="rId1"/>
+    <p:sldMasterId id="2147483729" r:id="rId1"/>
   </p:sldMasterIdLst>
   <p:notesMasterIdLst>
-    <p:notesMasterId r:id="rId6"/>
+    <p:notesMasterId r:id="rId17"/>
   </p:notesMasterIdLst>
   <p:sldIdLst>
     <p:sldId id="256" r:id="rId2"/>
-    <p:sldId id="257" r:id="rId3"/>
-    <p:sldId id="258" r:id="rId4"/>
-    <p:sldId id="259" r:id="rId5"/>
+    <p:sldId id="259" r:id="rId3"/>
+    <p:sldId id="260" r:id="rId4"/>
+    <p:sldId id="261" r:id="rId5"/>
+    <p:sldId id="262" r:id="rId6"/>
+    <p:sldId id="263" r:id="rId7"/>
+    <p:sldId id="264" r:id="rId8"/>
+    <p:sldId id="265" r:id="rId9"/>
+    <p:sldId id="266" r:id="rId10"/>
+    <p:sldId id="267" r:id="rId11"/>
+    <p:sldId id="268" r:id="rId12"/>
+    <p:sldId id="269" r:id="rId13"/>
+    <p:sldId id="270" r:id="rId14"/>
+    <p:sldId id="271" r:id="rId15"/>
+    <p:sldId id="272" r:id="rId16"/>
   </p:sldIdLst>
   <p:sldSz cx="12192000" cy="6858000"/>
   <p:notesSz cx="6858000" cy="9144000"/>
@@ -211,7 +222,8 @@
           <a:p>
             <a:fld id="{AC0B04B9-7E19-44F6-A482-FEE8AC770207}" type="datetimeFigureOut">
               <a:rPr lang="ru-RU" smtClean="0"/>
-              <a:t>01.03.2023</a:t>
+              <a:pPr/>
+              <a:t>05.03.2023</a:t>
             </a:fld>
             <a:endParaRPr lang="ru-RU"/>
           </a:p>
@@ -369,6 +381,7 @@
           <a:p>
             <a:fld id="{FD45075F-8483-4D28-BA4C-9F0BF357CE7B}" type="slidenum">
               <a:rPr lang="ru-RU" smtClean="0"/>
+              <a:pPr/>
               <a:t>‹#›</a:t>
             </a:fld>
             <a:endParaRPr lang="ru-RU"/>
@@ -543,6 +556,7 @@
           <a:p>
             <a:fld id="{FD45075F-8483-4D28-BA4C-9F0BF357CE7B}" type="slidenum">
               <a:rPr lang="ru-RU" smtClean="0"/>
+              <a:pPr/>
               <a:t>1</a:t>
             </a:fld>
             <a:endParaRPr lang="ru-RU"/>
@@ -581,7 +595,13 @@
       </p:grpSpPr>
       <p:sp>
         <p:nvSpPr>
-          <p:cNvPr id="2" name="Заголовок 1"/>
+          <p:cNvPr id="2" name="Заголовок 1">
+            <a:extLst>
+              <a:ext uri="{FF2B5EF4-FFF2-40B4-BE49-F238E27FC236}">
+                <a16:creationId xmlns:a16="http://schemas.microsoft.com/office/drawing/2014/main" id="{765E1B7E-138C-424B-A8F8-276EE03A4FCB}"/>
+              </a:ext>
+            </a:extLst>
+          </p:cNvPr>
           <p:cNvSpPr>
             <a:spLocks noGrp="1"/>
           </p:cNvSpPr>
@@ -612,7 +632,13 @@
       </p:sp>
       <p:sp>
         <p:nvSpPr>
-          <p:cNvPr id="3" name="Подзаголовок 2"/>
+          <p:cNvPr id="3" name="Подзаголовок 2">
+            <a:extLst>
+              <a:ext uri="{FF2B5EF4-FFF2-40B4-BE49-F238E27FC236}">
+                <a16:creationId xmlns:a16="http://schemas.microsoft.com/office/drawing/2014/main" id="{59E602DE-ACD3-4529-ADF5-F624EF43A82A}"/>
+              </a:ext>
+            </a:extLst>
+          </p:cNvPr>
           <p:cNvSpPr>
             <a:spLocks noGrp="1"/>
           </p:cNvSpPr>
@@ -676,7 +702,13 @@
       </p:sp>
       <p:sp>
         <p:nvSpPr>
-          <p:cNvPr id="4" name="Дата 3"/>
+          <p:cNvPr id="4" name="Дата 3">
+            <a:extLst>
+              <a:ext uri="{FF2B5EF4-FFF2-40B4-BE49-F238E27FC236}">
+                <a16:creationId xmlns:a16="http://schemas.microsoft.com/office/drawing/2014/main" id="{C00C2E30-DE40-478B-A302-52FD18E80DB5}"/>
+              </a:ext>
+            </a:extLst>
+          </p:cNvPr>
           <p:cNvSpPr>
             <a:spLocks noGrp="1"/>
           </p:cNvSpPr>
@@ -691,7 +723,8 @@
           <a:p>
             <a:fld id="{4FBF5879-926A-468D-B5DF-1FCEC32402E4}" type="datetime1">
               <a:rPr lang="ru-RU" smtClean="0"/>
-              <a:t>01.03.2023</a:t>
+              <a:pPr/>
+              <a:t>05.03.2023</a:t>
             </a:fld>
             <a:endParaRPr lang="ru-RU"/>
           </a:p>
@@ -699,7 +732,13 @@
       </p:sp>
       <p:sp>
         <p:nvSpPr>
-          <p:cNvPr id="5" name="Нижний колонтитул 4"/>
+          <p:cNvPr id="5" name="Нижний колонтитул 4">
+            <a:extLst>
+              <a:ext uri="{FF2B5EF4-FFF2-40B4-BE49-F238E27FC236}">
+                <a16:creationId xmlns:a16="http://schemas.microsoft.com/office/drawing/2014/main" id="{3E7C56DF-A8DC-49D3-9687-2F8CD83381B8}"/>
+              </a:ext>
+            </a:extLst>
+          </p:cNvPr>
           <p:cNvSpPr>
             <a:spLocks noGrp="1"/>
           </p:cNvSpPr>
@@ -718,7 +757,13 @@
       </p:sp>
       <p:sp>
         <p:nvSpPr>
-          <p:cNvPr id="6" name="Номер слайда 5"/>
+          <p:cNvPr id="6" name="Номер слайда 5">
+            <a:extLst>
+              <a:ext uri="{FF2B5EF4-FFF2-40B4-BE49-F238E27FC236}">
+                <a16:creationId xmlns:a16="http://schemas.microsoft.com/office/drawing/2014/main" id="{C9200E85-4D79-4254-8495-248E4C521DCE}"/>
+              </a:ext>
+            </a:extLst>
+          </p:cNvPr>
           <p:cNvSpPr>
             <a:spLocks noGrp="1"/>
           </p:cNvSpPr>
@@ -733,6 +778,7 @@
           <a:p>
             <a:fld id="{FC627450-83D9-4009-B099-16FAB8836B44}" type="slidenum">
               <a:rPr lang="ru-RU" smtClean="0"/>
+              <a:pPr/>
               <a:t>‹#›</a:t>
             </a:fld>
             <a:endParaRPr lang="ru-RU"/>
@@ -742,7 +788,7 @@
     </p:spTree>
     <p:extLst>
       <p:ext uri="{BB962C8B-B14F-4D97-AF65-F5344CB8AC3E}">
-        <p14:creationId xmlns:p14="http://schemas.microsoft.com/office/powerpoint/2010/main" val="3220420854"/>
+        <p14:creationId xmlns:p14="http://schemas.microsoft.com/office/powerpoint/2010/main" val="157457404"/>
       </p:ext>
     </p:extLst>
   </p:cSld>
@@ -771,7 +817,13 @@
       </p:grpSpPr>
       <p:sp>
         <p:nvSpPr>
-          <p:cNvPr id="2" name="Заголовок 1"/>
+          <p:cNvPr id="2" name="Заголовок 1">
+            <a:extLst>
+              <a:ext uri="{FF2B5EF4-FFF2-40B4-BE49-F238E27FC236}">
+                <a16:creationId xmlns:a16="http://schemas.microsoft.com/office/drawing/2014/main" id="{C47B17B9-E61B-4AFC-838F-5C57CE6DBB54}"/>
+              </a:ext>
+            </a:extLst>
+          </p:cNvPr>
           <p:cNvSpPr>
             <a:spLocks noGrp="1"/>
           </p:cNvSpPr>
@@ -793,7 +845,13 @@
       </p:sp>
       <p:sp>
         <p:nvSpPr>
-          <p:cNvPr id="3" name="Вертикальный текст 2"/>
+          <p:cNvPr id="3" name="Вертикальный текст 2">
+            <a:extLst>
+              <a:ext uri="{FF2B5EF4-FFF2-40B4-BE49-F238E27FC236}">
+                <a16:creationId xmlns:a16="http://schemas.microsoft.com/office/drawing/2014/main" id="{3B6AF216-916B-4DCF-BDDA-739E534A2904}"/>
+              </a:ext>
+            </a:extLst>
+          </p:cNvPr>
           <p:cNvSpPr>
             <a:spLocks noGrp="1"/>
           </p:cNvSpPr>
@@ -844,7 +902,13 @@
       </p:sp>
       <p:sp>
         <p:nvSpPr>
-          <p:cNvPr id="4" name="Дата 3"/>
+          <p:cNvPr id="4" name="Дата 3">
+            <a:extLst>
+              <a:ext uri="{FF2B5EF4-FFF2-40B4-BE49-F238E27FC236}">
+                <a16:creationId xmlns:a16="http://schemas.microsoft.com/office/drawing/2014/main" id="{C3DF7D13-91C5-425C-8B6A-B20CF3AEAC7F}"/>
+              </a:ext>
+            </a:extLst>
+          </p:cNvPr>
           <p:cNvSpPr>
             <a:spLocks noGrp="1"/>
           </p:cNvSpPr>
@@ -859,7 +923,8 @@
           <a:p>
             <a:fld id="{5801A138-901F-4AFA-8068-25FE921A8F58}" type="datetime1">
               <a:rPr lang="ru-RU" smtClean="0"/>
-              <a:t>01.03.2023</a:t>
+              <a:pPr/>
+              <a:t>05.03.2023</a:t>
             </a:fld>
             <a:endParaRPr lang="ru-RU"/>
           </a:p>
@@ -867,7 +932,13 @@
       </p:sp>
       <p:sp>
         <p:nvSpPr>
-          <p:cNvPr id="5" name="Нижний колонтитул 4"/>
+          <p:cNvPr id="5" name="Нижний колонтитул 4">
+            <a:extLst>
+              <a:ext uri="{FF2B5EF4-FFF2-40B4-BE49-F238E27FC236}">
+                <a16:creationId xmlns:a16="http://schemas.microsoft.com/office/drawing/2014/main" id="{5ACEF4BD-09B6-4A9D-88F1-C0B55DC65DB3}"/>
+              </a:ext>
+            </a:extLst>
+          </p:cNvPr>
           <p:cNvSpPr>
             <a:spLocks noGrp="1"/>
           </p:cNvSpPr>
@@ -886,7 +957,13 @@
       </p:sp>
       <p:sp>
         <p:nvSpPr>
-          <p:cNvPr id="6" name="Номер слайда 5"/>
+          <p:cNvPr id="6" name="Номер слайда 5">
+            <a:extLst>
+              <a:ext uri="{FF2B5EF4-FFF2-40B4-BE49-F238E27FC236}">
+                <a16:creationId xmlns:a16="http://schemas.microsoft.com/office/drawing/2014/main" id="{57639975-55DA-4C93-BFC7-8BF7DBF584D3}"/>
+              </a:ext>
+            </a:extLst>
+          </p:cNvPr>
           <p:cNvSpPr>
             <a:spLocks noGrp="1"/>
           </p:cNvSpPr>
@@ -901,6 +978,7 @@
           <a:p>
             <a:fld id="{FC627450-83D9-4009-B099-16FAB8836B44}" type="slidenum">
               <a:rPr lang="ru-RU" smtClean="0"/>
+              <a:pPr/>
               <a:t>‹#›</a:t>
             </a:fld>
             <a:endParaRPr lang="ru-RU"/>
@@ -910,7 +988,7 @@
     </p:spTree>
     <p:extLst>
       <p:ext uri="{BB962C8B-B14F-4D97-AF65-F5344CB8AC3E}">
-        <p14:creationId xmlns:p14="http://schemas.microsoft.com/office/powerpoint/2010/main" val="832389815"/>
+        <p14:creationId xmlns:p14="http://schemas.microsoft.com/office/powerpoint/2010/main" val="2815819611"/>
       </p:ext>
     </p:extLst>
   </p:cSld>
@@ -939,7 +1017,13 @@
       </p:grpSpPr>
       <p:sp>
         <p:nvSpPr>
-          <p:cNvPr id="2" name="Вертикальный заголовок 1"/>
+          <p:cNvPr id="2" name="Вертикальный заголовок 1">
+            <a:extLst>
+              <a:ext uri="{FF2B5EF4-FFF2-40B4-BE49-F238E27FC236}">
+                <a16:creationId xmlns:a16="http://schemas.microsoft.com/office/drawing/2014/main" id="{6A913F71-5953-41AC-888B-F47A9F97B5CB}"/>
+              </a:ext>
+            </a:extLst>
+          </p:cNvPr>
           <p:cNvSpPr>
             <a:spLocks noGrp="1"/>
           </p:cNvSpPr>
@@ -966,7 +1050,13 @@
       </p:sp>
       <p:sp>
         <p:nvSpPr>
-          <p:cNvPr id="3" name="Вертикальный текст 2"/>
+          <p:cNvPr id="3" name="Вертикальный текст 2">
+            <a:extLst>
+              <a:ext uri="{FF2B5EF4-FFF2-40B4-BE49-F238E27FC236}">
+                <a16:creationId xmlns:a16="http://schemas.microsoft.com/office/drawing/2014/main" id="{85547E1B-D62B-4CFA-A96C-6E782F7D54F6}"/>
+              </a:ext>
+            </a:extLst>
+          </p:cNvPr>
           <p:cNvSpPr>
             <a:spLocks noGrp="1"/>
           </p:cNvSpPr>
@@ -1022,7 +1112,13 @@
       </p:sp>
       <p:sp>
         <p:nvSpPr>
-          <p:cNvPr id="4" name="Дата 3"/>
+          <p:cNvPr id="4" name="Дата 3">
+            <a:extLst>
+              <a:ext uri="{FF2B5EF4-FFF2-40B4-BE49-F238E27FC236}">
+                <a16:creationId xmlns:a16="http://schemas.microsoft.com/office/drawing/2014/main" id="{9735BF53-CC0C-45F6-99F7-FC9984F95C35}"/>
+              </a:ext>
+            </a:extLst>
+          </p:cNvPr>
           <p:cNvSpPr>
             <a:spLocks noGrp="1"/>
           </p:cNvSpPr>
@@ -1037,7 +1133,8 @@
           <a:p>
             <a:fld id="{D7058E13-17F1-4B2F-B818-B29465CC7F92}" type="datetime1">
               <a:rPr lang="ru-RU" smtClean="0"/>
-              <a:t>01.03.2023</a:t>
+              <a:pPr/>
+              <a:t>05.03.2023</a:t>
             </a:fld>
             <a:endParaRPr lang="ru-RU"/>
           </a:p>
@@ -1045,7 +1142,13 @@
       </p:sp>
       <p:sp>
         <p:nvSpPr>
-          <p:cNvPr id="5" name="Нижний колонтитул 4"/>
+          <p:cNvPr id="5" name="Нижний колонтитул 4">
+            <a:extLst>
+              <a:ext uri="{FF2B5EF4-FFF2-40B4-BE49-F238E27FC236}">
+                <a16:creationId xmlns:a16="http://schemas.microsoft.com/office/drawing/2014/main" id="{1025EDA3-370D-4468-A97D-77663C9AEC4B}"/>
+              </a:ext>
+            </a:extLst>
+          </p:cNvPr>
           <p:cNvSpPr>
             <a:spLocks noGrp="1"/>
           </p:cNvSpPr>
@@ -1064,7 +1167,13 @@
       </p:sp>
       <p:sp>
         <p:nvSpPr>
-          <p:cNvPr id="6" name="Номер слайда 5"/>
+          <p:cNvPr id="6" name="Номер слайда 5">
+            <a:extLst>
+              <a:ext uri="{FF2B5EF4-FFF2-40B4-BE49-F238E27FC236}">
+                <a16:creationId xmlns:a16="http://schemas.microsoft.com/office/drawing/2014/main" id="{61CCCD5A-C794-4F41-B5D3-93F4E34C8FD9}"/>
+              </a:ext>
+            </a:extLst>
+          </p:cNvPr>
           <p:cNvSpPr>
             <a:spLocks noGrp="1"/>
           </p:cNvSpPr>
@@ -1079,6 +1188,7 @@
           <a:p>
             <a:fld id="{FC627450-83D9-4009-B099-16FAB8836B44}" type="slidenum">
               <a:rPr lang="ru-RU" smtClean="0"/>
+              <a:pPr/>
               <a:t>‹#›</a:t>
             </a:fld>
             <a:endParaRPr lang="ru-RU"/>
@@ -1088,7 +1198,7 @@
     </p:spTree>
     <p:extLst>
       <p:ext uri="{BB962C8B-B14F-4D97-AF65-F5344CB8AC3E}">
-        <p14:creationId xmlns:p14="http://schemas.microsoft.com/office/powerpoint/2010/main" val="4200289164"/>
+        <p14:creationId xmlns:p14="http://schemas.microsoft.com/office/powerpoint/2010/main" val="1706587425"/>
       </p:ext>
     </p:extLst>
   </p:cSld>
@@ -1117,7 +1227,13 @@
       </p:grpSpPr>
       <p:sp>
         <p:nvSpPr>
-          <p:cNvPr id="2" name="Заголовок 1"/>
+          <p:cNvPr id="2" name="Заголовок 1">
+            <a:extLst>
+              <a:ext uri="{FF2B5EF4-FFF2-40B4-BE49-F238E27FC236}">
+                <a16:creationId xmlns:a16="http://schemas.microsoft.com/office/drawing/2014/main" id="{B7B3F5DD-DEC2-43A3-9F2A-75613E403BC2}"/>
+              </a:ext>
+            </a:extLst>
+          </p:cNvPr>
           <p:cNvSpPr>
             <a:spLocks noGrp="1"/>
           </p:cNvSpPr>
@@ -1139,7 +1255,13 @@
       </p:sp>
       <p:sp>
         <p:nvSpPr>
-          <p:cNvPr id="3" name="Объект 2"/>
+          <p:cNvPr id="3" name="Объект 2">
+            <a:extLst>
+              <a:ext uri="{FF2B5EF4-FFF2-40B4-BE49-F238E27FC236}">
+                <a16:creationId xmlns:a16="http://schemas.microsoft.com/office/drawing/2014/main" id="{81A782E3-7812-4F8A-A8CD-350C627A862F}"/>
+              </a:ext>
+            </a:extLst>
+          </p:cNvPr>
           <p:cNvSpPr>
             <a:spLocks noGrp="1"/>
           </p:cNvSpPr>
@@ -1190,7 +1312,13 @@
       </p:sp>
       <p:sp>
         <p:nvSpPr>
-          <p:cNvPr id="4" name="Дата 3"/>
+          <p:cNvPr id="4" name="Дата 3">
+            <a:extLst>
+              <a:ext uri="{FF2B5EF4-FFF2-40B4-BE49-F238E27FC236}">
+                <a16:creationId xmlns:a16="http://schemas.microsoft.com/office/drawing/2014/main" id="{55D1EEEF-1C66-4ED0-90A4-AC66629A4CA1}"/>
+              </a:ext>
+            </a:extLst>
+          </p:cNvPr>
           <p:cNvSpPr>
             <a:spLocks noGrp="1"/>
           </p:cNvSpPr>
@@ -1205,7 +1333,8 @@
           <a:p>
             <a:fld id="{8C0B47F1-816A-4390-8DB6-0F23E5BB4984}" type="datetime1">
               <a:rPr lang="ru-RU" smtClean="0"/>
-              <a:t>01.03.2023</a:t>
+              <a:pPr/>
+              <a:t>05.03.2023</a:t>
             </a:fld>
             <a:endParaRPr lang="ru-RU"/>
           </a:p>
@@ -1213,7 +1342,13 @@
       </p:sp>
       <p:sp>
         <p:nvSpPr>
-          <p:cNvPr id="5" name="Нижний колонтитул 4"/>
+          <p:cNvPr id="5" name="Нижний колонтитул 4">
+            <a:extLst>
+              <a:ext uri="{FF2B5EF4-FFF2-40B4-BE49-F238E27FC236}">
+                <a16:creationId xmlns:a16="http://schemas.microsoft.com/office/drawing/2014/main" id="{7200A82B-B190-4D5A-9EA7-B2D857C7F91B}"/>
+              </a:ext>
+            </a:extLst>
+          </p:cNvPr>
           <p:cNvSpPr>
             <a:spLocks noGrp="1"/>
           </p:cNvSpPr>
@@ -1232,7 +1367,13 @@
       </p:sp>
       <p:sp>
         <p:nvSpPr>
-          <p:cNvPr id="6" name="Номер слайда 5"/>
+          <p:cNvPr id="6" name="Номер слайда 5">
+            <a:extLst>
+              <a:ext uri="{FF2B5EF4-FFF2-40B4-BE49-F238E27FC236}">
+                <a16:creationId xmlns:a16="http://schemas.microsoft.com/office/drawing/2014/main" id="{923030C9-6044-4E36-ABA2-341A91D04B65}"/>
+              </a:ext>
+            </a:extLst>
+          </p:cNvPr>
           <p:cNvSpPr>
             <a:spLocks noGrp="1"/>
           </p:cNvSpPr>
@@ -1247,6 +1388,7 @@
           <a:p>
             <a:fld id="{FC627450-83D9-4009-B099-16FAB8836B44}" type="slidenum">
               <a:rPr lang="ru-RU" smtClean="0"/>
+              <a:pPr/>
               <a:t>‹#›</a:t>
             </a:fld>
             <a:endParaRPr lang="ru-RU"/>
@@ -1256,7 +1398,7 @@
     </p:spTree>
     <p:extLst>
       <p:ext uri="{BB962C8B-B14F-4D97-AF65-F5344CB8AC3E}">
-        <p14:creationId xmlns:p14="http://schemas.microsoft.com/office/powerpoint/2010/main" val="3855194506"/>
+        <p14:creationId xmlns:p14="http://schemas.microsoft.com/office/powerpoint/2010/main" val="972269415"/>
       </p:ext>
     </p:extLst>
   </p:cSld>
@@ -1285,7 +1427,13 @@
       </p:grpSpPr>
       <p:sp>
         <p:nvSpPr>
-          <p:cNvPr id="2" name="Заголовок 1"/>
+          <p:cNvPr id="2" name="Заголовок 1">
+            <a:extLst>
+              <a:ext uri="{FF2B5EF4-FFF2-40B4-BE49-F238E27FC236}">
+                <a16:creationId xmlns:a16="http://schemas.microsoft.com/office/drawing/2014/main" id="{BD0FD61E-B3B3-433E-B86E-BE2A0B82F24D}"/>
+              </a:ext>
+            </a:extLst>
+          </p:cNvPr>
           <p:cNvSpPr>
             <a:spLocks noGrp="1"/>
           </p:cNvSpPr>
@@ -1316,7 +1464,13 @@
       </p:sp>
       <p:sp>
         <p:nvSpPr>
-          <p:cNvPr id="3" name="Текст 2"/>
+          <p:cNvPr id="3" name="Текст 2">
+            <a:extLst>
+              <a:ext uri="{FF2B5EF4-FFF2-40B4-BE49-F238E27FC236}">
+                <a16:creationId xmlns:a16="http://schemas.microsoft.com/office/drawing/2014/main" id="{942CD1F3-6722-466A-9D14-51BE33524B5A}"/>
+              </a:ext>
+            </a:extLst>
+          </p:cNvPr>
           <p:cNvSpPr>
             <a:spLocks noGrp="1"/>
           </p:cNvSpPr>
@@ -1435,7 +1589,13 @@
       </p:sp>
       <p:sp>
         <p:nvSpPr>
-          <p:cNvPr id="4" name="Дата 3"/>
+          <p:cNvPr id="4" name="Дата 3">
+            <a:extLst>
+              <a:ext uri="{FF2B5EF4-FFF2-40B4-BE49-F238E27FC236}">
+                <a16:creationId xmlns:a16="http://schemas.microsoft.com/office/drawing/2014/main" id="{5D19F2CD-E546-4C6F-A4FE-D2EC8FCB1E36}"/>
+              </a:ext>
+            </a:extLst>
+          </p:cNvPr>
           <p:cNvSpPr>
             <a:spLocks noGrp="1"/>
           </p:cNvSpPr>
@@ -1450,7 +1610,8 @@
           <a:p>
             <a:fld id="{16423D79-F77D-4FF3-B6DF-8B8C61AE692B}" type="datetime1">
               <a:rPr lang="ru-RU" smtClean="0"/>
-              <a:t>01.03.2023</a:t>
+              <a:pPr/>
+              <a:t>05.03.2023</a:t>
             </a:fld>
             <a:endParaRPr lang="ru-RU"/>
           </a:p>
@@ -1458,7 +1619,13 @@
       </p:sp>
       <p:sp>
         <p:nvSpPr>
-          <p:cNvPr id="5" name="Нижний колонтитул 4"/>
+          <p:cNvPr id="5" name="Нижний колонтитул 4">
+            <a:extLst>
+              <a:ext uri="{FF2B5EF4-FFF2-40B4-BE49-F238E27FC236}">
+                <a16:creationId xmlns:a16="http://schemas.microsoft.com/office/drawing/2014/main" id="{45588C0F-CEA6-4EC4-9258-A05007DC9698}"/>
+              </a:ext>
+            </a:extLst>
+          </p:cNvPr>
           <p:cNvSpPr>
             <a:spLocks noGrp="1"/>
           </p:cNvSpPr>
@@ -1477,7 +1644,13 @@
       </p:sp>
       <p:sp>
         <p:nvSpPr>
-          <p:cNvPr id="6" name="Номер слайда 5"/>
+          <p:cNvPr id="6" name="Номер слайда 5">
+            <a:extLst>
+              <a:ext uri="{FF2B5EF4-FFF2-40B4-BE49-F238E27FC236}">
+                <a16:creationId xmlns:a16="http://schemas.microsoft.com/office/drawing/2014/main" id="{C74C242B-A91A-40A2-A614-62928C8A7BF2}"/>
+              </a:ext>
+            </a:extLst>
+          </p:cNvPr>
           <p:cNvSpPr>
             <a:spLocks noGrp="1"/>
           </p:cNvSpPr>
@@ -1492,6 +1665,7 @@
           <a:p>
             <a:fld id="{FC627450-83D9-4009-B099-16FAB8836B44}" type="slidenum">
               <a:rPr lang="ru-RU" smtClean="0"/>
+              <a:pPr/>
               <a:t>‹#›</a:t>
             </a:fld>
             <a:endParaRPr lang="ru-RU"/>
@@ -1501,7 +1675,7 @@
     </p:spTree>
     <p:extLst>
       <p:ext uri="{BB962C8B-B14F-4D97-AF65-F5344CB8AC3E}">
-        <p14:creationId xmlns:p14="http://schemas.microsoft.com/office/powerpoint/2010/main" val="2791159072"/>
+        <p14:creationId xmlns:p14="http://schemas.microsoft.com/office/powerpoint/2010/main" val="2035865378"/>
       </p:ext>
     </p:extLst>
   </p:cSld>
@@ -1530,7 +1704,13 @@
       </p:grpSpPr>
       <p:sp>
         <p:nvSpPr>
-          <p:cNvPr id="2" name="Заголовок 1"/>
+          <p:cNvPr id="2" name="Заголовок 1">
+            <a:extLst>
+              <a:ext uri="{FF2B5EF4-FFF2-40B4-BE49-F238E27FC236}">
+                <a16:creationId xmlns:a16="http://schemas.microsoft.com/office/drawing/2014/main" id="{27D7D373-9BF5-4E5D-BAA4-C5AE0D316E9F}"/>
+              </a:ext>
+            </a:extLst>
+          </p:cNvPr>
           <p:cNvSpPr>
             <a:spLocks noGrp="1"/>
           </p:cNvSpPr>
@@ -1552,7 +1732,13 @@
       </p:sp>
       <p:sp>
         <p:nvSpPr>
-          <p:cNvPr id="3" name="Объект 2"/>
+          <p:cNvPr id="3" name="Объект 2">
+            <a:extLst>
+              <a:ext uri="{FF2B5EF4-FFF2-40B4-BE49-F238E27FC236}">
+                <a16:creationId xmlns:a16="http://schemas.microsoft.com/office/drawing/2014/main" id="{6187DBEA-CBC7-428B-B7CF-419E1E1FD9AA}"/>
+              </a:ext>
+            </a:extLst>
+          </p:cNvPr>
           <p:cNvSpPr>
             <a:spLocks noGrp="1"/>
           </p:cNvSpPr>
@@ -1608,7 +1794,13 @@
       </p:sp>
       <p:sp>
         <p:nvSpPr>
-          <p:cNvPr id="4" name="Объект 3"/>
+          <p:cNvPr id="4" name="Объект 3">
+            <a:extLst>
+              <a:ext uri="{FF2B5EF4-FFF2-40B4-BE49-F238E27FC236}">
+                <a16:creationId xmlns:a16="http://schemas.microsoft.com/office/drawing/2014/main" id="{D83347F2-0707-4169-95D4-02A3FAE4CFB3}"/>
+              </a:ext>
+            </a:extLst>
+          </p:cNvPr>
           <p:cNvSpPr>
             <a:spLocks noGrp="1"/>
           </p:cNvSpPr>
@@ -1664,7 +1856,13 @@
       </p:sp>
       <p:sp>
         <p:nvSpPr>
-          <p:cNvPr id="5" name="Дата 4"/>
+          <p:cNvPr id="5" name="Дата 4">
+            <a:extLst>
+              <a:ext uri="{FF2B5EF4-FFF2-40B4-BE49-F238E27FC236}">
+                <a16:creationId xmlns:a16="http://schemas.microsoft.com/office/drawing/2014/main" id="{E052BD38-CB62-400A-B5FA-A5A0647E9EFF}"/>
+              </a:ext>
+            </a:extLst>
+          </p:cNvPr>
           <p:cNvSpPr>
             <a:spLocks noGrp="1"/>
           </p:cNvSpPr>
@@ -1679,7 +1877,8 @@
           <a:p>
             <a:fld id="{23F1EE84-68BE-443A-B4F9-8951553A4614}" type="datetime1">
               <a:rPr lang="ru-RU" smtClean="0"/>
-              <a:t>01.03.2023</a:t>
+              <a:pPr/>
+              <a:t>05.03.2023</a:t>
             </a:fld>
             <a:endParaRPr lang="ru-RU"/>
           </a:p>
@@ -1687,7 +1886,13 @@
       </p:sp>
       <p:sp>
         <p:nvSpPr>
-          <p:cNvPr id="6" name="Нижний колонтитул 5"/>
+          <p:cNvPr id="6" name="Нижний колонтитул 5">
+            <a:extLst>
+              <a:ext uri="{FF2B5EF4-FFF2-40B4-BE49-F238E27FC236}">
+                <a16:creationId xmlns:a16="http://schemas.microsoft.com/office/drawing/2014/main" id="{C2C7510E-FC22-4225-93FE-35541E3B5B5C}"/>
+              </a:ext>
+            </a:extLst>
+          </p:cNvPr>
           <p:cNvSpPr>
             <a:spLocks noGrp="1"/>
           </p:cNvSpPr>
@@ -1706,7 +1911,13 @@
       </p:sp>
       <p:sp>
         <p:nvSpPr>
-          <p:cNvPr id="7" name="Номер слайда 6"/>
+          <p:cNvPr id="7" name="Номер слайда 6">
+            <a:extLst>
+              <a:ext uri="{FF2B5EF4-FFF2-40B4-BE49-F238E27FC236}">
+                <a16:creationId xmlns:a16="http://schemas.microsoft.com/office/drawing/2014/main" id="{F47487B1-FB14-4B72-8ACD-169518F71423}"/>
+              </a:ext>
+            </a:extLst>
+          </p:cNvPr>
           <p:cNvSpPr>
             <a:spLocks noGrp="1"/>
           </p:cNvSpPr>
@@ -1721,6 +1932,7 @@
           <a:p>
             <a:fld id="{FC627450-83D9-4009-B099-16FAB8836B44}" type="slidenum">
               <a:rPr lang="ru-RU" smtClean="0"/>
+              <a:pPr/>
               <a:t>‹#›</a:t>
             </a:fld>
             <a:endParaRPr lang="ru-RU"/>
@@ -1730,7 +1942,7 @@
     </p:spTree>
     <p:extLst>
       <p:ext uri="{BB962C8B-B14F-4D97-AF65-F5344CB8AC3E}">
-        <p14:creationId xmlns:p14="http://schemas.microsoft.com/office/powerpoint/2010/main" val="1299517182"/>
+        <p14:creationId xmlns:p14="http://schemas.microsoft.com/office/powerpoint/2010/main" val="2534458533"/>
       </p:ext>
     </p:extLst>
   </p:cSld>
@@ -1759,7 +1971,13 @@
       </p:grpSpPr>
       <p:sp>
         <p:nvSpPr>
-          <p:cNvPr id="2" name="Заголовок 1"/>
+          <p:cNvPr id="2" name="Заголовок 1">
+            <a:extLst>
+              <a:ext uri="{FF2B5EF4-FFF2-40B4-BE49-F238E27FC236}">
+                <a16:creationId xmlns:a16="http://schemas.microsoft.com/office/drawing/2014/main" id="{150070E4-2CAD-4F26-AF80-EE60E389FA27}"/>
+              </a:ext>
+            </a:extLst>
+          </p:cNvPr>
           <p:cNvSpPr>
             <a:spLocks noGrp="1"/>
           </p:cNvSpPr>
@@ -1786,7 +2004,13 @@
       </p:sp>
       <p:sp>
         <p:nvSpPr>
-          <p:cNvPr id="3" name="Текст 2"/>
+          <p:cNvPr id="3" name="Текст 2">
+            <a:extLst>
+              <a:ext uri="{FF2B5EF4-FFF2-40B4-BE49-F238E27FC236}">
+                <a16:creationId xmlns:a16="http://schemas.microsoft.com/office/drawing/2014/main" id="{6E3B0971-9833-476D-A247-E47D8B5295D5}"/>
+              </a:ext>
+            </a:extLst>
+          </p:cNvPr>
           <p:cNvSpPr>
             <a:spLocks noGrp="1"/>
           </p:cNvSpPr>
@@ -1851,7 +2075,13 @@
       </p:sp>
       <p:sp>
         <p:nvSpPr>
-          <p:cNvPr id="4" name="Объект 3"/>
+          <p:cNvPr id="4" name="Объект 3">
+            <a:extLst>
+              <a:ext uri="{FF2B5EF4-FFF2-40B4-BE49-F238E27FC236}">
+                <a16:creationId xmlns:a16="http://schemas.microsoft.com/office/drawing/2014/main" id="{F45984E7-794E-4A8B-805A-FDB5AE9A74D4}"/>
+              </a:ext>
+            </a:extLst>
+          </p:cNvPr>
           <p:cNvSpPr>
             <a:spLocks noGrp="1"/>
           </p:cNvSpPr>
@@ -1907,7 +2137,13 @@
       </p:sp>
       <p:sp>
         <p:nvSpPr>
-          <p:cNvPr id="5" name="Текст 4"/>
+          <p:cNvPr id="5" name="Текст 4">
+            <a:extLst>
+              <a:ext uri="{FF2B5EF4-FFF2-40B4-BE49-F238E27FC236}">
+                <a16:creationId xmlns:a16="http://schemas.microsoft.com/office/drawing/2014/main" id="{56A31DC3-FE1C-4F68-9874-70D089BF9E1C}"/>
+              </a:ext>
+            </a:extLst>
+          </p:cNvPr>
           <p:cNvSpPr>
             <a:spLocks noGrp="1"/>
           </p:cNvSpPr>
@@ -1972,7 +2208,13 @@
       </p:sp>
       <p:sp>
         <p:nvSpPr>
-          <p:cNvPr id="6" name="Объект 5"/>
+          <p:cNvPr id="6" name="Объект 5">
+            <a:extLst>
+              <a:ext uri="{FF2B5EF4-FFF2-40B4-BE49-F238E27FC236}">
+                <a16:creationId xmlns:a16="http://schemas.microsoft.com/office/drawing/2014/main" id="{F1609112-7B6A-4803-BED9-0628D7858641}"/>
+              </a:ext>
+            </a:extLst>
+          </p:cNvPr>
           <p:cNvSpPr>
             <a:spLocks noGrp="1"/>
           </p:cNvSpPr>
@@ -2028,7 +2270,13 @@
       </p:sp>
       <p:sp>
         <p:nvSpPr>
-          <p:cNvPr id="7" name="Дата 6"/>
+          <p:cNvPr id="7" name="Дата 6">
+            <a:extLst>
+              <a:ext uri="{FF2B5EF4-FFF2-40B4-BE49-F238E27FC236}">
+                <a16:creationId xmlns:a16="http://schemas.microsoft.com/office/drawing/2014/main" id="{8602ECAD-13FC-4D6C-9D2D-8B5DB668825E}"/>
+              </a:ext>
+            </a:extLst>
+          </p:cNvPr>
           <p:cNvSpPr>
             <a:spLocks noGrp="1"/>
           </p:cNvSpPr>
@@ -2043,7 +2291,8 @@
           <a:p>
             <a:fld id="{ADC70E1C-0BD7-4D70-9B41-A12B97F9B7C5}" type="datetime1">
               <a:rPr lang="ru-RU" smtClean="0"/>
-              <a:t>01.03.2023</a:t>
+              <a:pPr/>
+              <a:t>05.03.2023</a:t>
             </a:fld>
             <a:endParaRPr lang="ru-RU"/>
           </a:p>
@@ -2051,7 +2300,13 @@
       </p:sp>
       <p:sp>
         <p:nvSpPr>
-          <p:cNvPr id="8" name="Нижний колонтитул 7"/>
+          <p:cNvPr id="8" name="Нижний колонтитул 7">
+            <a:extLst>
+              <a:ext uri="{FF2B5EF4-FFF2-40B4-BE49-F238E27FC236}">
+                <a16:creationId xmlns:a16="http://schemas.microsoft.com/office/drawing/2014/main" id="{104B7B6E-2626-434D-B2C6-29AC0474FF75}"/>
+              </a:ext>
+            </a:extLst>
+          </p:cNvPr>
           <p:cNvSpPr>
             <a:spLocks noGrp="1"/>
           </p:cNvSpPr>
@@ -2070,7 +2325,13 @@
       </p:sp>
       <p:sp>
         <p:nvSpPr>
-          <p:cNvPr id="9" name="Номер слайда 8"/>
+          <p:cNvPr id="9" name="Номер слайда 8">
+            <a:extLst>
+              <a:ext uri="{FF2B5EF4-FFF2-40B4-BE49-F238E27FC236}">
+                <a16:creationId xmlns:a16="http://schemas.microsoft.com/office/drawing/2014/main" id="{6B68BB7F-E6EE-49BC-875B-F19EAEAA864A}"/>
+              </a:ext>
+            </a:extLst>
+          </p:cNvPr>
           <p:cNvSpPr>
             <a:spLocks noGrp="1"/>
           </p:cNvSpPr>
@@ -2085,6 +2346,7 @@
           <a:p>
             <a:fld id="{FC627450-83D9-4009-B099-16FAB8836B44}" type="slidenum">
               <a:rPr lang="ru-RU" smtClean="0"/>
+              <a:pPr/>
               <a:t>‹#›</a:t>
             </a:fld>
             <a:endParaRPr lang="ru-RU"/>
@@ -2094,7 +2356,7 @@
     </p:spTree>
     <p:extLst>
       <p:ext uri="{BB962C8B-B14F-4D97-AF65-F5344CB8AC3E}">
-        <p14:creationId xmlns:p14="http://schemas.microsoft.com/office/powerpoint/2010/main" val="3653967542"/>
+        <p14:creationId xmlns:p14="http://schemas.microsoft.com/office/powerpoint/2010/main" val="1199873169"/>
       </p:ext>
     </p:extLst>
   </p:cSld>
@@ -2123,7 +2385,13 @@
       </p:grpSpPr>
       <p:sp>
         <p:nvSpPr>
-          <p:cNvPr id="2" name="Заголовок 1"/>
+          <p:cNvPr id="2" name="Заголовок 1">
+            <a:extLst>
+              <a:ext uri="{FF2B5EF4-FFF2-40B4-BE49-F238E27FC236}">
+                <a16:creationId xmlns:a16="http://schemas.microsoft.com/office/drawing/2014/main" id="{4056B5BC-03AC-4340-BB5A-5DCE22DB9269}"/>
+              </a:ext>
+            </a:extLst>
+          </p:cNvPr>
           <p:cNvSpPr>
             <a:spLocks noGrp="1"/>
           </p:cNvSpPr>
@@ -2145,7 +2413,13 @@
       </p:sp>
       <p:sp>
         <p:nvSpPr>
-          <p:cNvPr id="3" name="Дата 2"/>
+          <p:cNvPr id="3" name="Дата 2">
+            <a:extLst>
+              <a:ext uri="{FF2B5EF4-FFF2-40B4-BE49-F238E27FC236}">
+                <a16:creationId xmlns:a16="http://schemas.microsoft.com/office/drawing/2014/main" id="{D7D0CB76-E854-4940-A423-3CC834950811}"/>
+              </a:ext>
+            </a:extLst>
+          </p:cNvPr>
           <p:cNvSpPr>
             <a:spLocks noGrp="1"/>
           </p:cNvSpPr>
@@ -2160,7 +2434,8 @@
           <a:p>
             <a:fld id="{F0C2DEE8-42F8-47B6-A362-E77AD74AB484}" type="datetime1">
               <a:rPr lang="ru-RU" smtClean="0"/>
-              <a:t>01.03.2023</a:t>
+              <a:pPr/>
+              <a:t>05.03.2023</a:t>
             </a:fld>
             <a:endParaRPr lang="ru-RU"/>
           </a:p>
@@ -2168,7 +2443,13 @@
       </p:sp>
       <p:sp>
         <p:nvSpPr>
-          <p:cNvPr id="4" name="Нижний колонтитул 3"/>
+          <p:cNvPr id="4" name="Нижний колонтитул 3">
+            <a:extLst>
+              <a:ext uri="{FF2B5EF4-FFF2-40B4-BE49-F238E27FC236}">
+                <a16:creationId xmlns:a16="http://schemas.microsoft.com/office/drawing/2014/main" id="{6E9B105C-F606-42BD-A6C3-C7547B79D888}"/>
+              </a:ext>
+            </a:extLst>
+          </p:cNvPr>
           <p:cNvSpPr>
             <a:spLocks noGrp="1"/>
           </p:cNvSpPr>
@@ -2187,7 +2468,13 @@
       </p:sp>
       <p:sp>
         <p:nvSpPr>
-          <p:cNvPr id="5" name="Номер слайда 4"/>
+          <p:cNvPr id="5" name="Номер слайда 4">
+            <a:extLst>
+              <a:ext uri="{FF2B5EF4-FFF2-40B4-BE49-F238E27FC236}">
+                <a16:creationId xmlns:a16="http://schemas.microsoft.com/office/drawing/2014/main" id="{F7540BBD-B2BC-4404-BA0B-A0504723FEE3}"/>
+              </a:ext>
+            </a:extLst>
+          </p:cNvPr>
           <p:cNvSpPr>
             <a:spLocks noGrp="1"/>
           </p:cNvSpPr>
@@ -2202,6 +2489,7 @@
           <a:p>
             <a:fld id="{FC627450-83D9-4009-B099-16FAB8836B44}" type="slidenum">
               <a:rPr lang="ru-RU" smtClean="0"/>
+              <a:pPr/>
               <a:t>‹#›</a:t>
             </a:fld>
             <a:endParaRPr lang="ru-RU"/>
@@ -2211,7 +2499,7 @@
     </p:spTree>
     <p:extLst>
       <p:ext uri="{BB962C8B-B14F-4D97-AF65-F5344CB8AC3E}">
-        <p14:creationId xmlns:p14="http://schemas.microsoft.com/office/powerpoint/2010/main" val="1293816975"/>
+        <p14:creationId xmlns:p14="http://schemas.microsoft.com/office/powerpoint/2010/main" val="1326645185"/>
       </p:ext>
     </p:extLst>
   </p:cSld>
@@ -2240,7 +2528,13 @@
       </p:grpSpPr>
       <p:sp>
         <p:nvSpPr>
-          <p:cNvPr id="2" name="Дата 1"/>
+          <p:cNvPr id="2" name="Дата 1">
+            <a:extLst>
+              <a:ext uri="{FF2B5EF4-FFF2-40B4-BE49-F238E27FC236}">
+                <a16:creationId xmlns:a16="http://schemas.microsoft.com/office/drawing/2014/main" id="{9DFFADC2-EE75-436F-8FB9-7A054517FAC3}"/>
+              </a:ext>
+            </a:extLst>
+          </p:cNvPr>
           <p:cNvSpPr>
             <a:spLocks noGrp="1"/>
           </p:cNvSpPr>
@@ -2255,7 +2549,8 @@
           <a:p>
             <a:fld id="{7E1C6AD2-B0FC-4759-B946-DEE7BF640FE9}" type="datetime1">
               <a:rPr lang="ru-RU" smtClean="0"/>
-              <a:t>01.03.2023</a:t>
+              <a:pPr/>
+              <a:t>05.03.2023</a:t>
             </a:fld>
             <a:endParaRPr lang="ru-RU"/>
           </a:p>
@@ -2263,7 +2558,13 @@
       </p:sp>
       <p:sp>
         <p:nvSpPr>
-          <p:cNvPr id="3" name="Нижний колонтитул 2"/>
+          <p:cNvPr id="3" name="Нижний колонтитул 2">
+            <a:extLst>
+              <a:ext uri="{FF2B5EF4-FFF2-40B4-BE49-F238E27FC236}">
+                <a16:creationId xmlns:a16="http://schemas.microsoft.com/office/drawing/2014/main" id="{7ADF4A8D-FB80-4758-AD8A-25BD2AEE0339}"/>
+              </a:ext>
+            </a:extLst>
+          </p:cNvPr>
           <p:cNvSpPr>
             <a:spLocks noGrp="1"/>
           </p:cNvSpPr>
@@ -2282,7 +2583,13 @@
       </p:sp>
       <p:sp>
         <p:nvSpPr>
-          <p:cNvPr id="4" name="Номер слайда 3"/>
+          <p:cNvPr id="4" name="Номер слайда 3">
+            <a:extLst>
+              <a:ext uri="{FF2B5EF4-FFF2-40B4-BE49-F238E27FC236}">
+                <a16:creationId xmlns:a16="http://schemas.microsoft.com/office/drawing/2014/main" id="{67B9C1CB-B0D6-4FDA-A08A-B80F2CFA794A}"/>
+              </a:ext>
+            </a:extLst>
+          </p:cNvPr>
           <p:cNvSpPr>
             <a:spLocks noGrp="1"/>
           </p:cNvSpPr>
@@ -2297,6 +2604,7 @@
           <a:p>
             <a:fld id="{FC627450-83D9-4009-B099-16FAB8836B44}" type="slidenum">
               <a:rPr lang="ru-RU" smtClean="0"/>
+              <a:pPr/>
               <a:t>‹#›</a:t>
             </a:fld>
             <a:endParaRPr lang="ru-RU"/>
@@ -2306,7 +2614,7 @@
     </p:spTree>
     <p:extLst>
       <p:ext uri="{BB962C8B-B14F-4D97-AF65-F5344CB8AC3E}">
-        <p14:creationId xmlns:p14="http://schemas.microsoft.com/office/powerpoint/2010/main" val="316497705"/>
+        <p14:creationId xmlns:p14="http://schemas.microsoft.com/office/powerpoint/2010/main" val="3431756149"/>
       </p:ext>
     </p:extLst>
   </p:cSld>
@@ -2335,7 +2643,13 @@
       </p:grpSpPr>
       <p:sp>
         <p:nvSpPr>
-          <p:cNvPr id="2" name="Заголовок 1"/>
+          <p:cNvPr id="2" name="Заголовок 1">
+            <a:extLst>
+              <a:ext uri="{FF2B5EF4-FFF2-40B4-BE49-F238E27FC236}">
+                <a16:creationId xmlns:a16="http://schemas.microsoft.com/office/drawing/2014/main" id="{BC3AEC05-3DBC-4538-8D38-FD3B0FA5D2B9}"/>
+              </a:ext>
+            </a:extLst>
+          </p:cNvPr>
           <p:cNvSpPr>
             <a:spLocks noGrp="1"/>
           </p:cNvSpPr>
@@ -2366,7 +2680,13 @@
       </p:sp>
       <p:sp>
         <p:nvSpPr>
-          <p:cNvPr id="3" name="Объект 2"/>
+          <p:cNvPr id="3" name="Объект 2">
+            <a:extLst>
+              <a:ext uri="{FF2B5EF4-FFF2-40B4-BE49-F238E27FC236}">
+                <a16:creationId xmlns:a16="http://schemas.microsoft.com/office/drawing/2014/main" id="{16F75285-BCD5-43F4-8DE6-8F4C36D5DD71}"/>
+              </a:ext>
+            </a:extLst>
+          </p:cNvPr>
           <p:cNvSpPr>
             <a:spLocks noGrp="1"/>
           </p:cNvSpPr>
@@ -2450,7 +2770,13 @@
       </p:sp>
       <p:sp>
         <p:nvSpPr>
-          <p:cNvPr id="4" name="Текст 3"/>
+          <p:cNvPr id="4" name="Текст 3">
+            <a:extLst>
+              <a:ext uri="{FF2B5EF4-FFF2-40B4-BE49-F238E27FC236}">
+                <a16:creationId xmlns:a16="http://schemas.microsoft.com/office/drawing/2014/main" id="{441D45BA-1A2B-4708-813E-C1C8D2C028AC}"/>
+              </a:ext>
+            </a:extLst>
+          </p:cNvPr>
           <p:cNvSpPr>
             <a:spLocks noGrp="1"/>
           </p:cNvSpPr>
@@ -2515,7 +2841,13 @@
       </p:sp>
       <p:sp>
         <p:nvSpPr>
-          <p:cNvPr id="5" name="Дата 4"/>
+          <p:cNvPr id="5" name="Дата 4">
+            <a:extLst>
+              <a:ext uri="{FF2B5EF4-FFF2-40B4-BE49-F238E27FC236}">
+                <a16:creationId xmlns:a16="http://schemas.microsoft.com/office/drawing/2014/main" id="{2943D263-9D88-41D4-A45C-EB2632216B25}"/>
+              </a:ext>
+            </a:extLst>
+          </p:cNvPr>
           <p:cNvSpPr>
             <a:spLocks noGrp="1"/>
           </p:cNvSpPr>
@@ -2530,7 +2862,8 @@
           <a:p>
             <a:fld id="{D1CE9978-0ADE-41C0-8BF1-F9BDB71BAD01}" type="datetime1">
               <a:rPr lang="ru-RU" smtClean="0"/>
-              <a:t>01.03.2023</a:t>
+              <a:pPr/>
+              <a:t>05.03.2023</a:t>
             </a:fld>
             <a:endParaRPr lang="ru-RU"/>
           </a:p>
@@ -2538,7 +2871,13 @@
       </p:sp>
       <p:sp>
         <p:nvSpPr>
-          <p:cNvPr id="6" name="Нижний колонтитул 5"/>
+          <p:cNvPr id="6" name="Нижний колонтитул 5">
+            <a:extLst>
+              <a:ext uri="{FF2B5EF4-FFF2-40B4-BE49-F238E27FC236}">
+                <a16:creationId xmlns:a16="http://schemas.microsoft.com/office/drawing/2014/main" id="{B931A9E8-A797-43EF-ADF6-4EA72974AB43}"/>
+              </a:ext>
+            </a:extLst>
+          </p:cNvPr>
           <p:cNvSpPr>
             <a:spLocks noGrp="1"/>
           </p:cNvSpPr>
@@ -2557,7 +2896,13 @@
       </p:sp>
       <p:sp>
         <p:nvSpPr>
-          <p:cNvPr id="7" name="Номер слайда 6"/>
+          <p:cNvPr id="7" name="Номер слайда 6">
+            <a:extLst>
+              <a:ext uri="{FF2B5EF4-FFF2-40B4-BE49-F238E27FC236}">
+                <a16:creationId xmlns:a16="http://schemas.microsoft.com/office/drawing/2014/main" id="{CEE6D8FF-A953-4243-BA31-8B9CB3C900B3}"/>
+              </a:ext>
+            </a:extLst>
+          </p:cNvPr>
           <p:cNvSpPr>
             <a:spLocks noGrp="1"/>
           </p:cNvSpPr>
@@ -2572,6 +2917,7 @@
           <a:p>
             <a:fld id="{FC627450-83D9-4009-B099-16FAB8836B44}" type="slidenum">
               <a:rPr lang="ru-RU" smtClean="0"/>
+              <a:pPr/>
               <a:t>‹#›</a:t>
             </a:fld>
             <a:endParaRPr lang="ru-RU"/>
@@ -2581,7 +2927,7 @@
     </p:spTree>
     <p:extLst>
       <p:ext uri="{BB962C8B-B14F-4D97-AF65-F5344CB8AC3E}">
-        <p14:creationId xmlns:p14="http://schemas.microsoft.com/office/powerpoint/2010/main" val="2877440729"/>
+        <p14:creationId xmlns:p14="http://schemas.microsoft.com/office/powerpoint/2010/main" val="3976882659"/>
       </p:ext>
     </p:extLst>
   </p:cSld>
@@ -2610,7 +2956,13 @@
       </p:grpSpPr>
       <p:sp>
         <p:nvSpPr>
-          <p:cNvPr id="2" name="Заголовок 1"/>
+          <p:cNvPr id="2" name="Заголовок 1">
+            <a:extLst>
+              <a:ext uri="{FF2B5EF4-FFF2-40B4-BE49-F238E27FC236}">
+                <a16:creationId xmlns:a16="http://schemas.microsoft.com/office/drawing/2014/main" id="{A82219F9-F134-4BC2-95BD-2986A3C216A3}"/>
+              </a:ext>
+            </a:extLst>
+          </p:cNvPr>
           <p:cNvSpPr>
             <a:spLocks noGrp="1"/>
           </p:cNvSpPr>
@@ -2641,7 +2993,13 @@
       </p:sp>
       <p:sp>
         <p:nvSpPr>
-          <p:cNvPr id="3" name="Рисунок 2"/>
+          <p:cNvPr id="3" name="Рисунок 2">
+            <a:extLst>
+              <a:ext uri="{FF2B5EF4-FFF2-40B4-BE49-F238E27FC236}">
+                <a16:creationId xmlns:a16="http://schemas.microsoft.com/office/drawing/2014/main" id="{1C114535-6101-49D1-88C9-C0B140193A62}"/>
+              </a:ext>
+            </a:extLst>
+          </p:cNvPr>
           <p:cNvSpPr>
             <a:spLocks noGrp="1"/>
           </p:cNvSpPr>
@@ -2702,7 +3060,13 @@
       </p:sp>
       <p:sp>
         <p:nvSpPr>
-          <p:cNvPr id="4" name="Текст 3"/>
+          <p:cNvPr id="4" name="Текст 3">
+            <a:extLst>
+              <a:ext uri="{FF2B5EF4-FFF2-40B4-BE49-F238E27FC236}">
+                <a16:creationId xmlns:a16="http://schemas.microsoft.com/office/drawing/2014/main" id="{7F52B1E3-F3BB-48FB-91D6-D2FDF05A04C6}"/>
+              </a:ext>
+            </a:extLst>
+          </p:cNvPr>
           <p:cNvSpPr>
             <a:spLocks noGrp="1"/>
           </p:cNvSpPr>
@@ -2767,7 +3131,13 @@
       </p:sp>
       <p:sp>
         <p:nvSpPr>
-          <p:cNvPr id="5" name="Дата 4"/>
+          <p:cNvPr id="5" name="Дата 4">
+            <a:extLst>
+              <a:ext uri="{FF2B5EF4-FFF2-40B4-BE49-F238E27FC236}">
+                <a16:creationId xmlns:a16="http://schemas.microsoft.com/office/drawing/2014/main" id="{D26E61ED-FDD2-45D2-BDC0-C878F5D0727A}"/>
+              </a:ext>
+            </a:extLst>
+          </p:cNvPr>
           <p:cNvSpPr>
             <a:spLocks noGrp="1"/>
           </p:cNvSpPr>
@@ -2782,7 +3152,8 @@
           <a:p>
             <a:fld id="{21F0DC45-BB8D-429F-B5BB-6D251A4568E8}" type="datetime1">
               <a:rPr lang="ru-RU" smtClean="0"/>
-              <a:t>01.03.2023</a:t>
+              <a:pPr/>
+              <a:t>05.03.2023</a:t>
             </a:fld>
             <a:endParaRPr lang="ru-RU"/>
           </a:p>
@@ -2790,7 +3161,13 @@
       </p:sp>
       <p:sp>
         <p:nvSpPr>
-          <p:cNvPr id="6" name="Нижний колонтитул 5"/>
+          <p:cNvPr id="6" name="Нижний колонтитул 5">
+            <a:extLst>
+              <a:ext uri="{FF2B5EF4-FFF2-40B4-BE49-F238E27FC236}">
+                <a16:creationId xmlns:a16="http://schemas.microsoft.com/office/drawing/2014/main" id="{E6E53CB3-151B-4F36-8B9F-538B15F3C6B2}"/>
+              </a:ext>
+            </a:extLst>
+          </p:cNvPr>
           <p:cNvSpPr>
             <a:spLocks noGrp="1"/>
           </p:cNvSpPr>
@@ -2809,7 +3186,13 @@
       </p:sp>
       <p:sp>
         <p:nvSpPr>
-          <p:cNvPr id="7" name="Номер слайда 6"/>
+          <p:cNvPr id="7" name="Номер слайда 6">
+            <a:extLst>
+              <a:ext uri="{FF2B5EF4-FFF2-40B4-BE49-F238E27FC236}">
+                <a16:creationId xmlns:a16="http://schemas.microsoft.com/office/drawing/2014/main" id="{8815E098-BDDF-4699-8AB2-D3C40CA1F142}"/>
+              </a:ext>
+            </a:extLst>
+          </p:cNvPr>
           <p:cNvSpPr>
             <a:spLocks noGrp="1"/>
           </p:cNvSpPr>
@@ -2824,6 +3207,7 @@
           <a:p>
             <a:fld id="{FC627450-83D9-4009-B099-16FAB8836B44}" type="slidenum">
               <a:rPr lang="ru-RU" smtClean="0"/>
+              <a:pPr/>
               <a:t>‹#›</a:t>
             </a:fld>
             <a:endParaRPr lang="ru-RU"/>
@@ -2833,7 +3217,7 @@
     </p:spTree>
     <p:extLst>
       <p:ext uri="{BB962C8B-B14F-4D97-AF65-F5344CB8AC3E}">
-        <p14:creationId xmlns:p14="http://schemas.microsoft.com/office/powerpoint/2010/main" val="193958833"/>
+        <p14:creationId xmlns:p14="http://schemas.microsoft.com/office/powerpoint/2010/main" val="2726606048"/>
       </p:ext>
     </p:extLst>
   </p:cSld>
@@ -2867,7 +3251,13 @@
       </p:grpSpPr>
       <p:sp>
         <p:nvSpPr>
-          <p:cNvPr id="2" name="Заголовок 1"/>
+          <p:cNvPr id="2" name="Заголовок 1">
+            <a:extLst>
+              <a:ext uri="{FF2B5EF4-FFF2-40B4-BE49-F238E27FC236}">
+                <a16:creationId xmlns:a16="http://schemas.microsoft.com/office/drawing/2014/main" id="{DA5190CC-E4AF-4CFB-866A-10BB7E71666D}"/>
+              </a:ext>
+            </a:extLst>
+          </p:cNvPr>
           <p:cNvSpPr>
             <a:spLocks noGrp="1"/>
           </p:cNvSpPr>
@@ -2899,7 +3289,13 @@
       </p:sp>
       <p:sp>
         <p:nvSpPr>
-          <p:cNvPr id="3" name="Текст 2"/>
+          <p:cNvPr id="3" name="Текст 2">
+            <a:extLst>
+              <a:ext uri="{FF2B5EF4-FFF2-40B4-BE49-F238E27FC236}">
+                <a16:creationId xmlns:a16="http://schemas.microsoft.com/office/drawing/2014/main" id="{245BBE5B-7618-43E2-8DD7-F2D92E337EF8}"/>
+              </a:ext>
+            </a:extLst>
+          </p:cNvPr>
           <p:cNvSpPr>
             <a:spLocks noGrp="1"/>
           </p:cNvSpPr>
@@ -2960,7 +3356,13 @@
       </p:sp>
       <p:sp>
         <p:nvSpPr>
-          <p:cNvPr id="4" name="Дата 3"/>
+          <p:cNvPr id="4" name="Дата 3">
+            <a:extLst>
+              <a:ext uri="{FF2B5EF4-FFF2-40B4-BE49-F238E27FC236}">
+                <a16:creationId xmlns:a16="http://schemas.microsoft.com/office/drawing/2014/main" id="{664015E9-671E-4BB1-A950-B2499634CA19}"/>
+              </a:ext>
+            </a:extLst>
+          </p:cNvPr>
           <p:cNvSpPr>
             <a:spLocks noGrp="1"/>
           </p:cNvSpPr>
@@ -2993,7 +3395,8 @@
           <a:p>
             <a:fld id="{FEC196AF-8299-4364-A4F3-F086F6F8F2DE}" type="datetime1">
               <a:rPr lang="ru-RU" smtClean="0"/>
-              <a:t>01.03.2023</a:t>
+              <a:pPr/>
+              <a:t>05.03.2023</a:t>
             </a:fld>
             <a:endParaRPr lang="ru-RU"/>
           </a:p>
@@ -3001,7 +3404,13 @@
       </p:sp>
       <p:sp>
         <p:nvSpPr>
-          <p:cNvPr id="5" name="Нижний колонтитул 4"/>
+          <p:cNvPr id="5" name="Нижний колонтитул 4">
+            <a:extLst>
+              <a:ext uri="{FF2B5EF4-FFF2-40B4-BE49-F238E27FC236}">
+                <a16:creationId xmlns:a16="http://schemas.microsoft.com/office/drawing/2014/main" id="{873AB153-3027-4ACA-9B0C-2FD9FACDF5C0}"/>
+              </a:ext>
+            </a:extLst>
+          </p:cNvPr>
           <p:cNvSpPr>
             <a:spLocks noGrp="1"/>
           </p:cNvSpPr>
@@ -3038,7 +3447,13 @@
       </p:sp>
       <p:sp>
         <p:nvSpPr>
-          <p:cNvPr id="6" name="Номер слайда 5"/>
+          <p:cNvPr id="6" name="Номер слайда 5">
+            <a:extLst>
+              <a:ext uri="{FF2B5EF4-FFF2-40B4-BE49-F238E27FC236}">
+                <a16:creationId xmlns:a16="http://schemas.microsoft.com/office/drawing/2014/main" id="{BA5A7212-2C3F-4EFB-BEEE-00E136989E1C}"/>
+              </a:ext>
+            </a:extLst>
+          </p:cNvPr>
           <p:cNvSpPr>
             <a:spLocks noGrp="1"/>
           </p:cNvSpPr>
@@ -3071,6 +3486,7 @@
           <a:p>
             <a:fld id="{FC627450-83D9-4009-B099-16FAB8836B44}" type="slidenum">
               <a:rPr lang="ru-RU" smtClean="0"/>
+              <a:pPr/>
               <a:t>‹#›</a:t>
             </a:fld>
             <a:endParaRPr lang="ru-RU"/>
@@ -3080,23 +3496,23 @@
     </p:spTree>
     <p:extLst>
       <p:ext uri="{BB962C8B-B14F-4D97-AF65-F5344CB8AC3E}">
-        <p14:creationId xmlns:p14="http://schemas.microsoft.com/office/powerpoint/2010/main" val="2013311200"/>
+        <p14:creationId xmlns:p14="http://schemas.microsoft.com/office/powerpoint/2010/main" val="768131291"/>
       </p:ext>
     </p:extLst>
   </p:cSld>
   <p:clrMap bg1="lt1" tx1="dk1" bg2="lt2" tx2="dk2" accent1="accent1" accent2="accent2" accent3="accent3" accent4="accent4" accent5="accent5" accent6="accent6" hlink="hlink" folHlink="folHlink"/>
   <p:sldLayoutIdLst>
-    <p:sldLayoutId id="2147483694" r:id="rId1"/>
-    <p:sldLayoutId id="2147483695" r:id="rId2"/>
-    <p:sldLayoutId id="2147483696" r:id="rId3"/>
-    <p:sldLayoutId id="2147483697" r:id="rId4"/>
-    <p:sldLayoutId id="2147483698" r:id="rId5"/>
-    <p:sldLayoutId id="2147483699" r:id="rId6"/>
-    <p:sldLayoutId id="2147483700" r:id="rId7"/>
-    <p:sldLayoutId id="2147483701" r:id="rId8"/>
-    <p:sldLayoutId id="2147483702" r:id="rId9"/>
-    <p:sldLayoutId id="2147483703" r:id="rId10"/>
-    <p:sldLayoutId id="2147483704" r:id="rId11"/>
+    <p:sldLayoutId id="2147483730" r:id="rId1"/>
+    <p:sldLayoutId id="2147483731" r:id="rId2"/>
+    <p:sldLayoutId id="2147483732" r:id="rId3"/>
+    <p:sldLayoutId id="2147483733" r:id="rId4"/>
+    <p:sldLayoutId id="2147483734" r:id="rId5"/>
+    <p:sldLayoutId id="2147483735" r:id="rId6"/>
+    <p:sldLayoutId id="2147483736" r:id="rId7"/>
+    <p:sldLayoutId id="2147483737" r:id="rId8"/>
+    <p:sldLayoutId id="2147483738" r:id="rId9"/>
+    <p:sldLayoutId id="2147483739" r:id="rId10"/>
+    <p:sldLayoutId id="2147483740" r:id="rId11"/>
   </p:sldLayoutIdLst>
   <p:hf hdr="0" ftr="0" dt="0"/>
   <p:txStyles>
@@ -3422,17 +3838,18 @@
           <a:p>
             <a:pPr algn="ctr"/>
             <a:r>
-              <a:rPr lang="ru-RU" sz="1600" dirty="0"/>
+              <a:rPr lang="ru-RU" sz="1600" dirty="0">
+                <a:latin typeface="Times New Roman" panose="02020603050405020304" pitchFamily="18" charset="0"/>
+                <a:cs typeface="Times New Roman" panose="02020603050405020304" pitchFamily="18" charset="0"/>
+              </a:rPr>
               <a:t> </a:t>
             </a:r>
-            <a:endParaRPr lang="ru-RU" sz="1600" dirty="0">
-              <a:cs typeface="Times New Roman" panose="02020603050405020304" pitchFamily="18" charset="0"/>
-            </a:endParaRPr>
           </a:p>
           <a:p>
             <a:pPr algn="ctr"/>
             <a:r>
               <a:rPr lang="ru-RU" sz="1600" dirty="0">
+                <a:latin typeface="Times New Roman" panose="02020603050405020304" pitchFamily="18" charset="0"/>
                 <a:cs typeface="Times New Roman" panose="02020603050405020304" pitchFamily="18" charset="0"/>
               </a:rPr>
               <a:t>МИНИСТЕРСТВО НАУКИ И ВЫСШЕГО ОБРАЗОВАНИЯ РОССИЙСКОЙ ФЕДЕРАЦИИ</a:t>
@@ -3442,6 +3859,7 @@
             <a:pPr algn="ctr"/>
             <a:r>
               <a:rPr lang="ru-RU" sz="1600" dirty="0">
+                <a:latin typeface="Times New Roman" panose="02020603050405020304" pitchFamily="18" charset="0"/>
                 <a:cs typeface="Times New Roman" panose="02020603050405020304" pitchFamily="18" charset="0"/>
               </a:rPr>
               <a:t>ФЕДЕРАЛЬНОЕ ГОСУДАРСТВЕННОЕ БЮДЖЕТНОЕ ОБРАЗОВАТЕЛЬНОЕ</a:t>
@@ -3451,6 +3869,7 @@
             <a:pPr algn="ctr"/>
             <a:r>
               <a:rPr lang="ru-RU" sz="1600" dirty="0">
+                <a:latin typeface="Times New Roman" panose="02020603050405020304" pitchFamily="18" charset="0"/>
                 <a:cs typeface="Times New Roman" panose="02020603050405020304" pitchFamily="18" charset="0"/>
               </a:rPr>
               <a:t>УЧРЕЖДЕНИЕ ВЫСШЕГО ОБРАЗОВАНИЯ</a:t>
@@ -3460,6 +3879,7 @@
             <a:pPr algn="ctr"/>
             <a:r>
               <a:rPr lang="ru-RU" sz="1600" dirty="0">
+                <a:latin typeface="Times New Roman" panose="02020603050405020304" pitchFamily="18" charset="0"/>
                 <a:cs typeface="Times New Roman" panose="02020603050405020304" pitchFamily="18" charset="0"/>
               </a:rPr>
               <a:t>«МОСКОВСКИЙ АВИАЦИОННЫЙ ИНСТИТУТ</a:t>
@@ -3469,6 +3889,7 @@
             <a:pPr algn="ctr"/>
             <a:r>
               <a:rPr lang="ru-RU" sz="1600" dirty="0">
+                <a:latin typeface="Times New Roman" panose="02020603050405020304" pitchFamily="18" charset="0"/>
                 <a:cs typeface="Times New Roman" panose="02020603050405020304" pitchFamily="18" charset="0"/>
               </a:rPr>
               <a:t>(НАЦИОНАЛЬНЫЙ ИССЛЕДОВАТЕЛЬСКИЙ УНИВЕРСИТЕТ)» (МАИ)</a:t>
@@ -3478,6 +3899,7 @@
             <a:pPr algn="ctr"/>
             <a:r>
               <a:rPr lang="ru-RU" sz="1600" dirty="0">
+                <a:latin typeface="Times New Roman" panose="02020603050405020304" pitchFamily="18" charset="0"/>
                 <a:cs typeface="Times New Roman" panose="02020603050405020304" pitchFamily="18" charset="0"/>
               </a:rPr>
               <a:t>филиал «РКТ» МАИ в г. Химки Московской области</a:t>
@@ -3535,7 +3957,7 @@
         <p:spPr>
           <a:xfrm>
             <a:off x="1449963" y="5366424"/>
-            <a:ext cx="3527697" cy="338554"/>
+            <a:ext cx="3581686" cy="338554"/>
           </a:xfrm>
           <a:prstGeom prst="rect">
             <a:avLst/>
@@ -3549,9 +3971,10 @@
           <a:p>
             <a:r>
               <a:rPr lang="ru-RU" sz="1600" dirty="0">
+                <a:latin typeface="Times New Roman" panose="02020603050405020304" pitchFamily="18" charset="0"/>
                 <a:cs typeface="Times New Roman" panose="02020603050405020304" pitchFamily="18" charset="0"/>
               </a:rPr>
-              <a:t>Автор: Жуков Владислав Максимович </a:t>
+              <a:t>Автор : Жуков Владислав Максимович</a:t>
             </a:r>
           </a:p>
         </p:txBody>
@@ -3579,6 +4002,7 @@
           <a:p>
             <a:r>
               <a:rPr lang="ru-RU" sz="1600" dirty="0">
+                <a:latin typeface="Times New Roman" panose="02020603050405020304" pitchFamily="18" charset="0"/>
                 <a:cs typeface="Times New Roman" panose="02020603050405020304" pitchFamily="18" charset="0"/>
               </a:rPr>
               <a:t>Руководитель: Жилина Татьяна Анатольевна</a:t>
@@ -3609,18 +4033,21 @@
           <a:p>
             <a:r>
               <a:rPr lang="ru-RU" sz="1600" dirty="0">
+                <a:latin typeface="Times New Roman" panose="02020603050405020304" pitchFamily="18" charset="0"/>
                 <a:cs typeface="Times New Roman" panose="02020603050405020304" pitchFamily="18" charset="0"/>
               </a:rPr>
               <a:t>Наименование темы: Разработка </a:t>
             </a:r>
             <a:r>
               <a:rPr lang="en-US" sz="1600" dirty="0">
+                <a:latin typeface="Times New Roman" panose="02020603050405020304" pitchFamily="18" charset="0"/>
                 <a:cs typeface="Times New Roman" panose="02020603050405020304" pitchFamily="18" charset="0"/>
               </a:rPr>
               <a:t>Windows </a:t>
             </a:r>
             <a:r>
               <a:rPr lang="ru-RU" sz="1600" dirty="0">
+                <a:latin typeface="Times New Roman" panose="02020603050405020304" pitchFamily="18" charset="0"/>
                 <a:cs typeface="Times New Roman" panose="02020603050405020304" pitchFamily="18" charset="0"/>
               </a:rPr>
               <a:t>приложений</a:t>
@@ -3637,7 +4064,7 @@
         <p:spPr>
           <a:xfrm>
             <a:off x="5427748" y="3594354"/>
-            <a:ext cx="936603" cy="338554"/>
+            <a:ext cx="1034257" cy="338554"/>
           </a:xfrm>
           <a:prstGeom prst="rect">
             <a:avLst/>
@@ -3652,6 +4079,7 @@
             <a:pPr algn="ctr"/>
             <a:r>
               <a:rPr lang="ru-RU" sz="1600" dirty="0">
+                <a:latin typeface="Times New Roman" panose="02020603050405020304" pitchFamily="18" charset="0"/>
                 <a:cs typeface="Times New Roman" panose="02020603050405020304" pitchFamily="18" charset="0"/>
               </a:rPr>
               <a:t>ДОКЛАД</a:t>
@@ -3668,7 +4096,7 @@
         <p:spPr>
           <a:xfrm>
             <a:off x="484385" y="2792288"/>
-            <a:ext cx="4522392" cy="338554"/>
+            <a:ext cx="3865097" cy="338554"/>
           </a:xfrm>
           <a:prstGeom prst="rect">
             <a:avLst/>
@@ -3681,7 +4109,10 @@
           <a:lstStyle/>
           <a:p>
             <a:r>
-              <a:rPr lang="ru-RU" sz="1600" dirty="0"/>
+              <a:rPr lang="ru-RU" sz="1600" dirty="0">
+                <a:latin typeface="Times New Roman" panose="02020603050405020304" pitchFamily="18" charset="0"/>
+                <a:cs typeface="Times New Roman" panose="02020603050405020304" pitchFamily="18" charset="0"/>
+              </a:rPr>
               <a:t>Квалификация: Техник программист         </a:t>
             </a:r>
           </a:p>
@@ -3709,17 +4140,29 @@
           <a:lstStyle/>
           <a:p>
             <a:r>
-              <a:rPr lang="ru-RU" sz="1600" dirty="0"/>
+              <a:rPr lang="ru-RU" sz="1600" dirty="0">
+                <a:latin typeface="Times New Roman" panose="02020603050405020304" pitchFamily="18" charset="0"/>
+                <a:cs typeface="Times New Roman" panose="02020603050405020304" pitchFamily="18" charset="0"/>
+              </a:rPr>
               <a:t>Специальность: 09.02.03 Программирование в компьютерных системах                          Группа: МП31-</a:t>
             </a:r>
             <a:r>
-              <a:rPr lang="en-US" sz="1600" dirty="0"/>
+              <a:rPr lang="en-US" sz="1600" dirty="0">
+                <a:latin typeface="Times New Roman" panose="02020603050405020304" pitchFamily="18" charset="0"/>
+                <a:cs typeface="Times New Roman" panose="02020603050405020304" pitchFamily="18" charset="0"/>
+              </a:rPr>
               <a:t>20</a:t>
             </a:r>
-            <a:endParaRPr lang="ru-RU" sz="1600" dirty="0"/>
-          </a:p>
-          <a:p>
-            <a:endParaRPr lang="ru-RU" dirty="0"/>
+            <a:endParaRPr lang="ru-RU" sz="1600" dirty="0">
+              <a:latin typeface="Times New Roman" panose="02020603050405020304" pitchFamily="18" charset="0"/>
+              <a:cs typeface="Times New Roman" panose="02020603050405020304" pitchFamily="18" charset="0"/>
+            </a:endParaRPr>
+          </a:p>
+          <a:p>
+            <a:endParaRPr lang="ru-RU" dirty="0">
+              <a:latin typeface="Times New Roman" panose="02020603050405020304" pitchFamily="18" charset="0"/>
+              <a:cs typeface="Times New Roman" panose="02020603050405020304" pitchFamily="18" charset="0"/>
+            </a:endParaRPr>
           </a:p>
         </p:txBody>
       </p:sp>
@@ -3748,6 +4191,2162 @@
 </p:sld>
 </file>
 
+<file path=ppt/slides/slide10.xml><?xml version="1.0" encoding="utf-8"?>
+<p:sld xmlns:a="http://schemas.openxmlformats.org/drawingml/2006/main" xmlns:r="http://schemas.openxmlformats.org/officeDocument/2006/relationships" xmlns:p="http://schemas.openxmlformats.org/presentationml/2006/main">
+  <p:cSld>
+    <p:spTree>
+      <p:nvGrpSpPr>
+        <p:cNvPr id="1" name=""/>
+        <p:cNvGrpSpPr/>
+        <p:nvPr/>
+      </p:nvGrpSpPr>
+      <p:grpSpPr>
+        <a:xfrm>
+          <a:off x="0" y="0"/>
+          <a:ext cx="0" cy="0"/>
+          <a:chOff x="0" y="0"/>
+          <a:chExt cx="0" cy="0"/>
+        </a:xfrm>
+      </p:grpSpPr>
+      <p:sp>
+        <p:nvSpPr>
+          <p:cNvPr id="2" name="Заголовок 1"/>
+          <p:cNvSpPr>
+            <a:spLocks noGrp="1"/>
+          </p:cNvSpPr>
+          <p:nvPr>
+            <p:ph type="title"/>
+          </p:nvPr>
+        </p:nvSpPr>
+        <p:spPr/>
+        <p:txBody>
+          <a:bodyPr>
+            <a:normAutofit/>
+          </a:bodyPr>
+          <a:lstStyle/>
+          <a:p>
+            <a:r>
+              <a:rPr lang="ru-RU" sz="2800" dirty="0">
+                <a:latin typeface="Times New Roman" panose="02020603050405020304" pitchFamily="18" charset="0"/>
+                <a:cs typeface="Times New Roman" pitchFamily="18" charset="0"/>
+              </a:rPr>
+              <a:t>Задание 5. Программа опрос</a:t>
+            </a:r>
+          </a:p>
+        </p:txBody>
+      </p:sp>
+      <p:sp>
+        <p:nvSpPr>
+          <p:cNvPr id="3" name="Объект 2"/>
+          <p:cNvSpPr>
+            <a:spLocks noGrp="1"/>
+          </p:cNvSpPr>
+          <p:nvPr>
+            <p:ph idx="1"/>
+          </p:nvPr>
+        </p:nvSpPr>
+        <p:spPr>
+          <a:xfrm>
+            <a:off x="674477" y="1282583"/>
+            <a:ext cx="6016138" cy="5333877"/>
+          </a:xfrm>
+        </p:spPr>
+        <p:txBody>
+          <a:bodyPr>
+            <a:noAutofit/>
+          </a:bodyPr>
+          <a:lstStyle/>
+          <a:p>
+            <a:pPr marL="0" indent="0" algn="just">
+              <a:spcBef>
+                <a:spcPts val="0"/>
+              </a:spcBef>
+              <a:buNone/>
+            </a:pPr>
+            <a:r>
+              <a:rPr lang="ru-RU" sz="2000" dirty="0">
+                <a:latin typeface="Times New Roman" panose="02020603050405020304" pitchFamily="18" charset="0"/>
+                <a:cs typeface="Times New Roman" panose="02020603050405020304" pitchFamily="18" charset="0"/>
+              </a:rPr>
+              <a:t>Программный модуль, в главном окне которого расположено 3 кнопки "вопрос 1" "вопрос 2" "вопрос 3", каждая кнопка вызывает отдельное окно, в котором расположен некоторый вопрос и две кнопки ответа. При выборе кнопки с неправильным ответом, выдаётся сообщение о том, что ответ неверный и закрывается окно. При выборе кнопки с правильным ответом появляется сообщение о том, что ответ верный и вопрос "выбрать ли другой вопрос?", где будет 3 варианта - две кнопки с оставшимися вопросами и кнопка "нет", закрывающая окно. Для того, чтобы закрыть главное окно используется пункт меню "файл – выход". При выборе пункта меню "помощь" должно открываться справочное окно, где написано, что надо делать в этой программе.</a:t>
+            </a:r>
+          </a:p>
+          <a:p>
+            <a:pPr algn="just"/>
+            <a:endParaRPr lang="ru-RU" sz="2000" dirty="0">
+              <a:latin typeface="Times New Roman" panose="02020603050405020304" pitchFamily="18" charset="0"/>
+              <a:cs typeface="Times New Roman" panose="02020603050405020304" pitchFamily="18" charset="0"/>
+            </a:endParaRPr>
+          </a:p>
+        </p:txBody>
+      </p:sp>
+      <p:sp>
+        <p:nvSpPr>
+          <p:cNvPr id="4" name="Номер слайда 3"/>
+          <p:cNvSpPr>
+            <a:spLocks noGrp="1"/>
+          </p:cNvSpPr>
+          <p:nvPr>
+            <p:ph type="sldNum" sz="quarter" idx="12"/>
+          </p:nvPr>
+        </p:nvSpPr>
+        <p:spPr>
+          <a:xfrm>
+            <a:off x="10898154" y="6356350"/>
+            <a:ext cx="455645" cy="365125"/>
+          </a:xfrm>
+        </p:spPr>
+        <p:txBody>
+          <a:bodyPr/>
+          <a:lstStyle/>
+          <a:p>
+            <a:fld id="{FC627450-83D9-4009-B099-16FAB8836B44}" type="slidenum">
+              <a:rPr lang="ru-RU" smtClean="0">
+                <a:solidFill>
+                  <a:schemeClr val="tx1"/>
+                </a:solidFill>
+                <a:latin typeface="Times New Roman" panose="02020603050405020304" pitchFamily="18" charset="0"/>
+                <a:cs typeface="Times New Roman" panose="02020603050405020304" pitchFamily="18" charset="0"/>
+              </a:rPr>
+              <a:pPr/>
+              <a:t>10</a:t>
+            </a:fld>
+            <a:endParaRPr lang="ru-RU" dirty="0">
+              <a:solidFill>
+                <a:schemeClr val="tx1"/>
+              </a:solidFill>
+              <a:latin typeface="Times New Roman" panose="02020603050405020304" pitchFamily="18" charset="0"/>
+              <a:cs typeface="Times New Roman" panose="02020603050405020304" pitchFamily="18" charset="0"/>
+            </a:endParaRPr>
+          </a:p>
+        </p:txBody>
+      </p:sp>
+      <p:pic>
+        <p:nvPicPr>
+          <p:cNvPr id="6" name="Рисунок 5">
+            <a:extLst>
+              <a:ext uri="{FF2B5EF4-FFF2-40B4-BE49-F238E27FC236}">
+                <a16:creationId xmlns:a16="http://schemas.microsoft.com/office/drawing/2014/main" id="{4F415F1C-A347-4063-88A9-30CA3AAAF53B}"/>
+              </a:ext>
+            </a:extLst>
+          </p:cNvPr>
+          <p:cNvPicPr>
+            <a:picLocks noChangeAspect="1"/>
+          </p:cNvPicPr>
+          <p:nvPr/>
+        </p:nvPicPr>
+        <p:blipFill>
+          <a:blip r:embed="rId2">
+            <a:extLst>
+              <a:ext uri="{28A0092B-C50C-407E-A947-70E740481C1C}">
+                <a14:useLocalDpi xmlns:a14="http://schemas.microsoft.com/office/drawing/2010/main" val="0"/>
+              </a:ext>
+            </a:extLst>
+          </a:blip>
+          <a:stretch>
+            <a:fillRect/>
+          </a:stretch>
+        </p:blipFill>
+        <p:spPr>
+          <a:xfrm>
+            <a:off x="7117584" y="1810139"/>
+            <a:ext cx="4780695" cy="2996778"/>
+          </a:xfrm>
+          <a:prstGeom prst="rect">
+            <a:avLst/>
+          </a:prstGeom>
+        </p:spPr>
+      </p:pic>
+    </p:spTree>
+    <p:extLst>
+      <p:ext uri="{BB962C8B-B14F-4D97-AF65-F5344CB8AC3E}">
+        <p14:creationId xmlns:p14="http://schemas.microsoft.com/office/powerpoint/2010/main" val="2774727887"/>
+      </p:ext>
+    </p:extLst>
+  </p:cSld>
+  <p:clrMapOvr>
+    <a:masterClrMapping/>
+  </p:clrMapOvr>
+</p:sld>
+</file>
+
+<file path=ppt/slides/slide11.xml><?xml version="1.0" encoding="utf-8"?>
+<p:sld xmlns:a="http://schemas.openxmlformats.org/drawingml/2006/main" xmlns:r="http://schemas.openxmlformats.org/officeDocument/2006/relationships" xmlns:p="http://schemas.openxmlformats.org/presentationml/2006/main">
+  <p:cSld>
+    <p:spTree>
+      <p:nvGrpSpPr>
+        <p:cNvPr id="1" name=""/>
+        <p:cNvGrpSpPr/>
+        <p:nvPr/>
+      </p:nvGrpSpPr>
+      <p:grpSpPr>
+        <a:xfrm>
+          <a:off x="0" y="0"/>
+          <a:ext cx="0" cy="0"/>
+          <a:chOff x="0" y="0"/>
+          <a:chExt cx="0" cy="0"/>
+        </a:xfrm>
+      </p:grpSpPr>
+      <p:sp>
+        <p:nvSpPr>
+          <p:cNvPr id="2" name="Заголовок 1"/>
+          <p:cNvSpPr>
+            <a:spLocks noGrp="1"/>
+          </p:cNvSpPr>
+          <p:nvPr>
+            <p:ph type="title"/>
+          </p:nvPr>
+        </p:nvSpPr>
+        <p:spPr>
+          <a:xfrm>
+            <a:off x="657224" y="499533"/>
+            <a:ext cx="11186014" cy="1217124"/>
+          </a:xfrm>
+        </p:spPr>
+        <p:txBody>
+          <a:bodyPr>
+            <a:normAutofit/>
+          </a:bodyPr>
+          <a:lstStyle/>
+          <a:p>
+            <a:r>
+              <a:rPr lang="ru-RU" sz="2800" dirty="0">
+                <a:latin typeface="Times New Roman" panose="02020603050405020304" pitchFamily="18" charset="0"/>
+                <a:cs typeface="Times New Roman" pitchFamily="18" charset="0"/>
+              </a:rPr>
+              <a:t>Задание 5. Программа опрос</a:t>
+            </a:r>
+          </a:p>
+        </p:txBody>
+      </p:sp>
+      <p:sp>
+        <p:nvSpPr>
+          <p:cNvPr id="3" name="Объект 2"/>
+          <p:cNvSpPr>
+            <a:spLocks noGrp="1"/>
+          </p:cNvSpPr>
+          <p:nvPr>
+            <p:ph idx="1"/>
+          </p:nvPr>
+        </p:nvSpPr>
+        <p:spPr>
+          <a:xfrm>
+            <a:off x="264542" y="1544128"/>
+            <a:ext cx="7171427" cy="4856672"/>
+          </a:xfrm>
+        </p:spPr>
+        <p:txBody>
+          <a:bodyPr>
+            <a:noAutofit/>
+          </a:bodyPr>
+          <a:lstStyle/>
+          <a:p>
+            <a:pPr>
+              <a:spcBef>
+                <a:spcPts val="0"/>
+              </a:spcBef>
+              <a:buNone/>
+            </a:pPr>
+            <a:r>
+              <a:rPr lang="en-US" sz="1400" dirty="0">
+                <a:latin typeface="Times New Roman" panose="02020603050405020304" pitchFamily="18" charset="0"/>
+                <a:cs typeface="Times New Roman" pitchFamily="18" charset="0"/>
+              </a:rPr>
+              <a:t> else if ((menu)</a:t>
+            </a:r>
+            <a:r>
+              <a:rPr lang="en-US" sz="1400" dirty="0" err="1">
+                <a:latin typeface="Times New Roman" panose="02020603050405020304" pitchFamily="18" charset="0"/>
+                <a:cs typeface="Times New Roman" pitchFamily="18" charset="0"/>
+              </a:rPr>
+              <a:t>wParam</a:t>
+            </a:r>
+            <a:r>
+              <a:rPr lang="en-US" sz="1400" dirty="0">
+                <a:latin typeface="Times New Roman" pitchFamily="18" charset="0"/>
+                <a:cs typeface="Times New Roman" pitchFamily="18" charset="0"/>
+              </a:rPr>
+              <a:t> == menu::button1)</a:t>
+            </a:r>
+          </a:p>
+          <a:p>
+            <a:pPr>
+              <a:spcBef>
+                <a:spcPts val="0"/>
+              </a:spcBef>
+              <a:buNone/>
+            </a:pPr>
+            <a:r>
+              <a:rPr lang="en-US" sz="1400" dirty="0">
+                <a:latin typeface="Times New Roman" pitchFamily="18" charset="0"/>
+                <a:cs typeface="Times New Roman" pitchFamily="18" charset="0"/>
+              </a:rPr>
+              <a:t>        {</a:t>
+            </a:r>
+          </a:p>
+          <a:p>
+            <a:pPr>
+              <a:spcBef>
+                <a:spcPts val="0"/>
+              </a:spcBef>
+              <a:buNone/>
+            </a:pPr>
+            <a:r>
+              <a:rPr lang="en-US" sz="1400" dirty="0">
+                <a:latin typeface="Times New Roman" pitchFamily="18" charset="0"/>
+                <a:cs typeface="Times New Roman" pitchFamily="18" charset="0"/>
+              </a:rPr>
+              <a:t>            auto id = </a:t>
+            </a:r>
+            <a:r>
+              <a:rPr lang="en-US" sz="1400" dirty="0" err="1">
+                <a:latin typeface="Times New Roman" panose="02020603050405020304" pitchFamily="18" charset="0"/>
+                <a:cs typeface="Times New Roman" pitchFamily="18" charset="0"/>
+              </a:rPr>
+              <a:t>MessageBox</a:t>
+            </a:r>
+            <a:r>
+              <a:rPr lang="en-US" sz="1400" dirty="0">
+                <a:latin typeface="Times New Roman" panose="02020603050405020304" pitchFamily="18" charset="0"/>
+                <a:cs typeface="Times New Roman" pitchFamily="18" charset="0"/>
+              </a:rPr>
+              <a:t>(</a:t>
+            </a:r>
+            <a:r>
+              <a:rPr lang="en-US" sz="1400" dirty="0" err="1">
+                <a:latin typeface="Times New Roman" panose="02020603050405020304" pitchFamily="18" charset="0"/>
+                <a:cs typeface="Times New Roman" pitchFamily="18" charset="0"/>
+              </a:rPr>
+              <a:t>hwndA</a:t>
+            </a:r>
+            <a:r>
+              <a:rPr lang="en-US" sz="1400" dirty="0">
+                <a:latin typeface="Times New Roman" panose="02020603050405020304" pitchFamily="18" charset="0"/>
+                <a:cs typeface="Times New Roman" pitchFamily="18" charset="0"/>
+              </a:rPr>
+              <a:t>, L"</a:t>
+            </a:r>
+            <a:r>
+              <a:rPr lang="ru-RU" sz="1400" dirty="0">
+                <a:latin typeface="Times New Roman" panose="02020603050405020304" pitchFamily="18" charset="0"/>
+                <a:cs typeface="Times New Roman" pitchFamily="18" charset="0"/>
+              </a:rPr>
+              <a:t>Великая </a:t>
+            </a:r>
+            <a:r>
+              <a:rPr lang="ru-RU" sz="1400" dirty="0" err="1">
+                <a:latin typeface="Times New Roman" panose="02020603050405020304" pitchFamily="18" charset="0"/>
+                <a:cs typeface="Times New Roman" pitchFamily="18" charset="0"/>
+              </a:rPr>
+              <a:t>отественная</a:t>
+            </a:r>
+            <a:r>
+              <a:rPr lang="ru-RU" sz="1400" dirty="0">
+                <a:latin typeface="Times New Roman" panose="02020603050405020304" pitchFamily="18" charset="0"/>
+                <a:cs typeface="Times New Roman" pitchFamily="18" charset="0"/>
+              </a:rPr>
+              <a:t> война началась в 1941?", </a:t>
+            </a:r>
+            <a:r>
+              <a:rPr lang="en-US" sz="1400" dirty="0">
+                <a:latin typeface="Times New Roman" panose="02020603050405020304" pitchFamily="18" charset="0"/>
+                <a:cs typeface="Times New Roman" pitchFamily="18" charset="0"/>
+              </a:rPr>
+              <a:t>L"</a:t>
+            </a:r>
+            <a:r>
+              <a:rPr lang="ru-RU" sz="1400" dirty="0">
+                <a:latin typeface="Times New Roman" panose="02020603050405020304" pitchFamily="18" charset="0"/>
+                <a:cs typeface="Times New Roman" pitchFamily="18" charset="0"/>
+              </a:rPr>
+              <a:t>Вопрос 1", </a:t>
+            </a:r>
+            <a:r>
+              <a:rPr lang="en-US" sz="1400" dirty="0">
+                <a:latin typeface="Times New Roman" pitchFamily="18" charset="0"/>
+                <a:cs typeface="Times New Roman" pitchFamily="18" charset="0"/>
+              </a:rPr>
+              <a:t>MB_YESNO | MB_ICONQUESTION);</a:t>
+            </a:r>
+          </a:p>
+          <a:p>
+            <a:pPr>
+              <a:spcBef>
+                <a:spcPts val="0"/>
+              </a:spcBef>
+              <a:buNone/>
+            </a:pPr>
+            <a:r>
+              <a:rPr lang="en-US" sz="1400" dirty="0">
+                <a:latin typeface="Times New Roman" pitchFamily="18" charset="0"/>
+                <a:cs typeface="Times New Roman" pitchFamily="18" charset="0"/>
+              </a:rPr>
+              <a:t>            if (id == IDYES)</a:t>
+            </a:r>
+          </a:p>
+          <a:p>
+            <a:pPr>
+              <a:spcBef>
+                <a:spcPts val="0"/>
+              </a:spcBef>
+              <a:buNone/>
+            </a:pPr>
+            <a:r>
+              <a:rPr lang="en-US" sz="1400" dirty="0">
+                <a:latin typeface="Times New Roman" pitchFamily="18" charset="0"/>
+                <a:cs typeface="Times New Roman" pitchFamily="18" charset="0"/>
+              </a:rPr>
+              <a:t>            {</a:t>
+            </a:r>
+          </a:p>
+          <a:p>
+            <a:pPr>
+              <a:spcBef>
+                <a:spcPts val="0"/>
+              </a:spcBef>
+              <a:buNone/>
+            </a:pPr>
+            <a:r>
+              <a:rPr lang="en-US" sz="1400" dirty="0">
+                <a:latin typeface="Times New Roman" pitchFamily="18" charset="0"/>
+                <a:cs typeface="Times New Roman" pitchFamily="18" charset="0"/>
+              </a:rPr>
+              <a:t>                </a:t>
+            </a:r>
+            <a:r>
+              <a:rPr lang="en-US" sz="1400" dirty="0" err="1">
+                <a:latin typeface="Times New Roman" panose="02020603050405020304" pitchFamily="18" charset="0"/>
+                <a:cs typeface="Times New Roman" pitchFamily="18" charset="0"/>
+              </a:rPr>
+              <a:t>ShowWindow</a:t>
+            </a:r>
+            <a:r>
+              <a:rPr lang="en-US" sz="1400" dirty="0">
+                <a:latin typeface="Times New Roman" panose="02020603050405020304" pitchFamily="18" charset="0"/>
+                <a:cs typeface="Times New Roman" pitchFamily="18" charset="0"/>
+              </a:rPr>
+              <a:t>(</a:t>
+            </a:r>
+            <a:r>
+              <a:rPr lang="en-US" sz="1400" dirty="0" err="1">
+                <a:latin typeface="Times New Roman" panose="02020603050405020304" pitchFamily="18" charset="0"/>
+                <a:cs typeface="Times New Roman" pitchFamily="18" charset="0"/>
+              </a:rPr>
+              <a:t>hwndB</a:t>
+            </a:r>
+            <a:r>
+              <a:rPr lang="en-US" sz="1400" dirty="0">
+                <a:latin typeface="Times New Roman" pitchFamily="18" charset="0"/>
+                <a:cs typeface="Times New Roman" pitchFamily="18" charset="0"/>
+              </a:rPr>
+              <a:t>, SW_SHOW);</a:t>
+            </a:r>
+          </a:p>
+          <a:p>
+            <a:pPr>
+              <a:spcBef>
+                <a:spcPts val="0"/>
+              </a:spcBef>
+              <a:buNone/>
+            </a:pPr>
+            <a:r>
+              <a:rPr lang="en-US" sz="1400" dirty="0">
+                <a:latin typeface="Times New Roman" pitchFamily="18" charset="0"/>
+                <a:cs typeface="Times New Roman" pitchFamily="18" charset="0"/>
+              </a:rPr>
+              <a:t>                but2 = </a:t>
+            </a:r>
+            <a:r>
+              <a:rPr lang="en-US" sz="1400" dirty="0" err="1">
+                <a:latin typeface="Times New Roman" panose="02020603050405020304" pitchFamily="18" charset="0"/>
+                <a:cs typeface="Times New Roman" pitchFamily="18" charset="0"/>
+              </a:rPr>
+              <a:t>CreateWindow</a:t>
+            </a:r>
+            <a:r>
+              <a:rPr lang="en-US" sz="1400" dirty="0">
+                <a:latin typeface="Times New Roman" panose="02020603050405020304" pitchFamily="18" charset="0"/>
+                <a:cs typeface="Times New Roman" pitchFamily="18" charset="0"/>
+              </a:rPr>
+              <a:t>(</a:t>
+            </a:r>
+            <a:r>
+              <a:rPr lang="en-US" sz="1400" dirty="0" err="1">
+                <a:latin typeface="Times New Roman" panose="02020603050405020304" pitchFamily="18" charset="0"/>
+                <a:cs typeface="Times New Roman" pitchFamily="18" charset="0"/>
+              </a:rPr>
+              <a:t>L"button</a:t>
+            </a:r>
+            <a:r>
+              <a:rPr lang="en-US" sz="1400" dirty="0">
+                <a:latin typeface="Times New Roman" panose="02020603050405020304" pitchFamily="18" charset="0"/>
+                <a:cs typeface="Times New Roman" pitchFamily="18" charset="0"/>
+              </a:rPr>
+              <a:t>", L"</a:t>
+            </a:r>
+            <a:r>
+              <a:rPr lang="ru-RU" sz="1400" dirty="0">
+                <a:latin typeface="Times New Roman" panose="02020603050405020304" pitchFamily="18" charset="0"/>
+                <a:cs typeface="Times New Roman" pitchFamily="18" charset="0"/>
+              </a:rPr>
+              <a:t>Вопрос 2", </a:t>
+            </a:r>
+            <a:r>
+              <a:rPr lang="en-US" sz="1400" dirty="0">
+                <a:latin typeface="Times New Roman" panose="02020603050405020304" pitchFamily="18" charset="0"/>
+                <a:cs typeface="Times New Roman" pitchFamily="18" charset="0"/>
+              </a:rPr>
+              <a:t>WS_CHILD | WS_VISIBLE | BS_FLAT | BS_VCENTER | BS_PUSHBUTTON, 20, 200, 100, 22, </a:t>
+            </a:r>
+            <a:r>
+              <a:rPr lang="en-US" sz="1400" dirty="0" err="1">
+                <a:latin typeface="Times New Roman" panose="02020603050405020304" pitchFamily="18" charset="0"/>
+                <a:cs typeface="Times New Roman" pitchFamily="18" charset="0"/>
+              </a:rPr>
+              <a:t>hwndB</a:t>
+            </a:r>
+            <a:r>
+              <a:rPr lang="en-US" sz="1400" dirty="0">
+                <a:latin typeface="Times New Roman" pitchFamily="18" charset="0"/>
+                <a:cs typeface="Times New Roman" pitchFamily="18" charset="0"/>
+              </a:rPr>
+              <a:t>, (HMENU)menu::but2, NULL, NULL);</a:t>
+            </a:r>
+          </a:p>
+          <a:p>
+            <a:pPr>
+              <a:spcBef>
+                <a:spcPts val="0"/>
+              </a:spcBef>
+              <a:buNone/>
+            </a:pPr>
+            <a:r>
+              <a:rPr lang="en-US" sz="1400" dirty="0">
+                <a:latin typeface="Times New Roman" pitchFamily="18" charset="0"/>
+                <a:cs typeface="Times New Roman" pitchFamily="18" charset="0"/>
+              </a:rPr>
+              <a:t>                but3 = </a:t>
+            </a:r>
+            <a:r>
+              <a:rPr lang="en-US" sz="1400" dirty="0" err="1">
+                <a:latin typeface="Times New Roman" panose="02020603050405020304" pitchFamily="18" charset="0"/>
+                <a:cs typeface="Times New Roman" pitchFamily="18" charset="0"/>
+              </a:rPr>
+              <a:t>CreateWindow</a:t>
+            </a:r>
+            <a:r>
+              <a:rPr lang="en-US" sz="1400" dirty="0">
+                <a:latin typeface="Times New Roman" panose="02020603050405020304" pitchFamily="18" charset="0"/>
+                <a:cs typeface="Times New Roman" pitchFamily="18" charset="0"/>
+              </a:rPr>
+              <a:t>(</a:t>
+            </a:r>
+            <a:r>
+              <a:rPr lang="en-US" sz="1400" dirty="0" err="1">
+                <a:latin typeface="Times New Roman" panose="02020603050405020304" pitchFamily="18" charset="0"/>
+                <a:cs typeface="Times New Roman" pitchFamily="18" charset="0"/>
+              </a:rPr>
+              <a:t>L"button</a:t>
+            </a:r>
+            <a:r>
+              <a:rPr lang="en-US" sz="1400" dirty="0">
+                <a:latin typeface="Times New Roman" panose="02020603050405020304" pitchFamily="18" charset="0"/>
+                <a:cs typeface="Times New Roman" pitchFamily="18" charset="0"/>
+              </a:rPr>
+              <a:t>", L"</a:t>
+            </a:r>
+            <a:r>
+              <a:rPr lang="ru-RU" sz="1400" dirty="0">
+                <a:latin typeface="Times New Roman" panose="02020603050405020304" pitchFamily="18" charset="0"/>
+                <a:cs typeface="Times New Roman" pitchFamily="18" charset="0"/>
+              </a:rPr>
+              <a:t>Вопрос 3", </a:t>
+            </a:r>
+            <a:r>
+              <a:rPr lang="en-US" sz="1400" dirty="0">
+                <a:latin typeface="Times New Roman" panose="02020603050405020304" pitchFamily="18" charset="0"/>
+                <a:cs typeface="Times New Roman" pitchFamily="18" charset="0"/>
+              </a:rPr>
+              <a:t>WS_CHILD | WS_VISIBLE | BS_FLAT | BS_VCENTER | BS_PUSHBUTTON, 120, 200, 100, 22, </a:t>
+            </a:r>
+            <a:r>
+              <a:rPr lang="en-US" sz="1400" dirty="0" err="1">
+                <a:latin typeface="Times New Roman" panose="02020603050405020304" pitchFamily="18" charset="0"/>
+                <a:cs typeface="Times New Roman" pitchFamily="18" charset="0"/>
+              </a:rPr>
+              <a:t>hwndB</a:t>
+            </a:r>
+            <a:r>
+              <a:rPr lang="en-US" sz="1400" dirty="0">
+                <a:latin typeface="Times New Roman" pitchFamily="18" charset="0"/>
+                <a:cs typeface="Times New Roman" pitchFamily="18" charset="0"/>
+              </a:rPr>
+              <a:t>, (HMENU)menu::but3, NULL, NULL);</a:t>
+            </a:r>
+          </a:p>
+          <a:p>
+            <a:pPr>
+              <a:spcBef>
+                <a:spcPts val="0"/>
+              </a:spcBef>
+              <a:buNone/>
+            </a:pPr>
+            <a:r>
+              <a:rPr lang="en-US" sz="1400" dirty="0">
+                <a:latin typeface="Times New Roman" pitchFamily="18" charset="0"/>
+                <a:cs typeface="Times New Roman" pitchFamily="18" charset="0"/>
+              </a:rPr>
+              <a:t>                cancel = </a:t>
+            </a:r>
+            <a:r>
+              <a:rPr lang="en-US" sz="1400" dirty="0" err="1">
+                <a:latin typeface="Times New Roman" panose="02020603050405020304" pitchFamily="18" charset="0"/>
+                <a:cs typeface="Times New Roman" pitchFamily="18" charset="0"/>
+              </a:rPr>
+              <a:t>CreateWindow</a:t>
+            </a:r>
+            <a:r>
+              <a:rPr lang="en-US" sz="1400" dirty="0">
+                <a:latin typeface="Times New Roman" panose="02020603050405020304" pitchFamily="18" charset="0"/>
+                <a:cs typeface="Times New Roman" pitchFamily="18" charset="0"/>
+              </a:rPr>
+              <a:t>(</a:t>
+            </a:r>
+            <a:r>
+              <a:rPr lang="en-US" sz="1400" dirty="0" err="1">
+                <a:latin typeface="Times New Roman" panose="02020603050405020304" pitchFamily="18" charset="0"/>
+                <a:cs typeface="Times New Roman" pitchFamily="18" charset="0"/>
+              </a:rPr>
+              <a:t>L"button</a:t>
+            </a:r>
+            <a:r>
+              <a:rPr lang="en-US" sz="1400" dirty="0">
+                <a:latin typeface="Times New Roman" panose="02020603050405020304" pitchFamily="18" charset="0"/>
+                <a:cs typeface="Times New Roman" pitchFamily="18" charset="0"/>
+              </a:rPr>
+              <a:t>", L"</a:t>
+            </a:r>
+            <a:r>
+              <a:rPr lang="ru-RU" sz="1400" dirty="0">
+                <a:latin typeface="Times New Roman" panose="02020603050405020304" pitchFamily="18" charset="0"/>
+                <a:cs typeface="Times New Roman" pitchFamily="18" charset="0"/>
+              </a:rPr>
+              <a:t>Отмена", </a:t>
+            </a:r>
+            <a:r>
+              <a:rPr lang="en-US" sz="1400" dirty="0">
+                <a:latin typeface="Times New Roman" panose="02020603050405020304" pitchFamily="18" charset="0"/>
+                <a:cs typeface="Times New Roman" pitchFamily="18" charset="0"/>
+              </a:rPr>
+              <a:t>WS_CHILD | WS_VISIBLE | BS_FLAT | BS_VCENTER | BS_PUSHBUTTON, 220, 200, 100, 22, </a:t>
+            </a:r>
+            <a:r>
+              <a:rPr lang="en-US" sz="1400" dirty="0" err="1">
+                <a:latin typeface="Times New Roman" panose="02020603050405020304" pitchFamily="18" charset="0"/>
+                <a:cs typeface="Times New Roman" pitchFamily="18" charset="0"/>
+              </a:rPr>
+              <a:t>hwndB</a:t>
+            </a:r>
+            <a:r>
+              <a:rPr lang="en-US" sz="1400" dirty="0">
+                <a:latin typeface="Times New Roman" pitchFamily="18" charset="0"/>
+                <a:cs typeface="Times New Roman" pitchFamily="18" charset="0"/>
+              </a:rPr>
+              <a:t>, (HMENU)menu::cancel, NULL, NULL);</a:t>
+            </a:r>
+          </a:p>
+          <a:p>
+            <a:pPr>
+              <a:spcBef>
+                <a:spcPts val="0"/>
+              </a:spcBef>
+              <a:buNone/>
+            </a:pPr>
+            <a:r>
+              <a:rPr lang="en-US" sz="1400" dirty="0">
+                <a:latin typeface="Times New Roman" pitchFamily="18" charset="0"/>
+                <a:cs typeface="Times New Roman" pitchFamily="18" charset="0"/>
+              </a:rPr>
+              <a:t>            }</a:t>
+            </a:r>
+          </a:p>
+          <a:p>
+            <a:pPr>
+              <a:spcBef>
+                <a:spcPts val="0"/>
+              </a:spcBef>
+              <a:buNone/>
+            </a:pPr>
+            <a:r>
+              <a:rPr lang="en-US" sz="1400" dirty="0">
+                <a:latin typeface="Times New Roman" pitchFamily="18" charset="0"/>
+                <a:cs typeface="Times New Roman" pitchFamily="18" charset="0"/>
+              </a:rPr>
+              <a:t>            else if (id == IDNO)</a:t>
+            </a:r>
+          </a:p>
+          <a:p>
+            <a:pPr>
+              <a:spcBef>
+                <a:spcPts val="0"/>
+              </a:spcBef>
+              <a:buNone/>
+            </a:pPr>
+            <a:r>
+              <a:rPr lang="en-US" sz="1400" dirty="0">
+                <a:latin typeface="Times New Roman" pitchFamily="18" charset="0"/>
+                <a:cs typeface="Times New Roman" pitchFamily="18" charset="0"/>
+              </a:rPr>
+              <a:t>            {</a:t>
+            </a:r>
+          </a:p>
+          <a:p>
+            <a:pPr>
+              <a:spcBef>
+                <a:spcPts val="0"/>
+              </a:spcBef>
+              <a:buNone/>
+            </a:pPr>
+            <a:r>
+              <a:rPr lang="en-US" sz="1400" dirty="0">
+                <a:latin typeface="Times New Roman" pitchFamily="18" charset="0"/>
+                <a:cs typeface="Times New Roman" pitchFamily="18" charset="0"/>
+              </a:rPr>
+              <a:t>                </a:t>
+            </a:r>
+            <a:r>
+              <a:rPr lang="en-US" sz="1400" dirty="0" err="1">
+                <a:latin typeface="Times New Roman" panose="02020603050405020304" pitchFamily="18" charset="0"/>
+                <a:cs typeface="Times New Roman" pitchFamily="18" charset="0"/>
+              </a:rPr>
+              <a:t>MessageBox</a:t>
+            </a:r>
+            <a:r>
+              <a:rPr lang="en-US" sz="1400" dirty="0">
+                <a:latin typeface="Times New Roman" panose="02020603050405020304" pitchFamily="18" charset="0"/>
+                <a:cs typeface="Times New Roman" pitchFamily="18" charset="0"/>
+              </a:rPr>
+              <a:t>(</a:t>
+            </a:r>
+            <a:r>
+              <a:rPr lang="en-US" sz="1400" dirty="0" err="1">
+                <a:latin typeface="Times New Roman" panose="02020603050405020304" pitchFamily="18" charset="0"/>
+                <a:cs typeface="Times New Roman" pitchFamily="18" charset="0"/>
+              </a:rPr>
+              <a:t>hwndA</a:t>
+            </a:r>
+            <a:r>
+              <a:rPr lang="en-US" sz="1400" dirty="0">
+                <a:latin typeface="Times New Roman" panose="02020603050405020304" pitchFamily="18" charset="0"/>
+                <a:cs typeface="Times New Roman" pitchFamily="18" charset="0"/>
+              </a:rPr>
+              <a:t>, L"</a:t>
+            </a:r>
+            <a:r>
+              <a:rPr lang="ru-RU" sz="1400" dirty="0">
+                <a:latin typeface="Times New Roman" panose="02020603050405020304" pitchFamily="18" charset="0"/>
+                <a:cs typeface="Times New Roman" pitchFamily="18" charset="0"/>
+              </a:rPr>
+              <a:t>Ответ неверный!", </a:t>
+            </a:r>
+            <a:r>
+              <a:rPr lang="en-US" sz="1400" dirty="0">
+                <a:latin typeface="Times New Roman" pitchFamily="18" charset="0"/>
+                <a:cs typeface="Times New Roman" pitchFamily="18" charset="0"/>
+              </a:rPr>
+              <a:t>L"", MB_OK | MB_ICONERROR);</a:t>
+            </a:r>
+          </a:p>
+          <a:p>
+            <a:pPr>
+              <a:spcBef>
+                <a:spcPts val="0"/>
+              </a:spcBef>
+              <a:buNone/>
+            </a:pPr>
+            <a:r>
+              <a:rPr lang="en-US" sz="1400" dirty="0">
+                <a:latin typeface="Times New Roman" pitchFamily="18" charset="0"/>
+                <a:cs typeface="Times New Roman" pitchFamily="18" charset="0"/>
+              </a:rPr>
+              <a:t>            }</a:t>
+            </a:r>
+          </a:p>
+          <a:p>
+            <a:pPr>
+              <a:spcBef>
+                <a:spcPts val="0"/>
+              </a:spcBef>
+              <a:buNone/>
+            </a:pPr>
+            <a:r>
+              <a:rPr lang="en-US" sz="1400" dirty="0">
+                <a:latin typeface="Times New Roman" pitchFamily="18" charset="0"/>
+                <a:cs typeface="Times New Roman" pitchFamily="18" charset="0"/>
+              </a:rPr>
+              <a:t>        }</a:t>
+            </a:r>
+          </a:p>
+          <a:p>
+            <a:pPr>
+              <a:spcBef>
+                <a:spcPts val="0"/>
+              </a:spcBef>
+              <a:buNone/>
+            </a:pPr>
+            <a:r>
+              <a:rPr lang="en-US" sz="1400" dirty="0">
+                <a:latin typeface="Times New Roman" pitchFamily="18" charset="0"/>
+                <a:cs typeface="Times New Roman" pitchFamily="18" charset="0"/>
+              </a:rPr>
+              <a:t> </a:t>
+            </a:r>
+            <a:endParaRPr lang="ru-RU" sz="1600" dirty="0">
+              <a:latin typeface="Times New Roman" panose="02020603050405020304" pitchFamily="18" charset="0"/>
+              <a:cs typeface="Times New Roman" pitchFamily="18" charset="0"/>
+            </a:endParaRPr>
+          </a:p>
+        </p:txBody>
+      </p:sp>
+      <p:sp>
+        <p:nvSpPr>
+          <p:cNvPr id="4" name="Номер слайда 3"/>
+          <p:cNvSpPr>
+            <a:spLocks noGrp="1"/>
+          </p:cNvSpPr>
+          <p:nvPr>
+            <p:ph type="sldNum" sz="quarter" idx="12"/>
+          </p:nvPr>
+        </p:nvSpPr>
+        <p:spPr>
+          <a:xfrm>
+            <a:off x="11000792" y="6356350"/>
+            <a:ext cx="353008" cy="365125"/>
+          </a:xfrm>
+        </p:spPr>
+        <p:txBody>
+          <a:bodyPr/>
+          <a:lstStyle/>
+          <a:p>
+            <a:fld id="{FC627450-83D9-4009-B099-16FAB8836B44}" type="slidenum">
+              <a:rPr lang="ru-RU" smtClean="0">
+                <a:solidFill>
+                  <a:schemeClr val="tx1"/>
+                </a:solidFill>
+                <a:latin typeface="Times New Roman" panose="02020603050405020304" pitchFamily="18" charset="0"/>
+                <a:cs typeface="Times New Roman" panose="02020603050405020304" pitchFamily="18" charset="0"/>
+              </a:rPr>
+              <a:pPr/>
+              <a:t>11</a:t>
+            </a:fld>
+            <a:endParaRPr lang="ru-RU" dirty="0">
+              <a:solidFill>
+                <a:schemeClr val="tx1"/>
+              </a:solidFill>
+              <a:latin typeface="Times New Roman" panose="02020603050405020304" pitchFamily="18" charset="0"/>
+              <a:cs typeface="Times New Roman" panose="02020603050405020304" pitchFamily="18" charset="0"/>
+            </a:endParaRPr>
+          </a:p>
+        </p:txBody>
+      </p:sp>
+      <p:pic>
+        <p:nvPicPr>
+          <p:cNvPr id="7" name="Рисунок 6">
+            <a:extLst>
+              <a:ext uri="{FF2B5EF4-FFF2-40B4-BE49-F238E27FC236}">
+                <a16:creationId xmlns:a16="http://schemas.microsoft.com/office/drawing/2014/main" id="{D7090FDD-1FA5-4A84-A341-435278165BB3}"/>
+              </a:ext>
+            </a:extLst>
+          </p:cNvPr>
+          <p:cNvPicPr>
+            <a:picLocks noChangeAspect="1"/>
+          </p:cNvPicPr>
+          <p:nvPr/>
+        </p:nvPicPr>
+        <p:blipFill>
+          <a:blip r:embed="rId2">
+            <a:extLst>
+              <a:ext uri="{28A0092B-C50C-407E-A947-70E740481C1C}">
+                <a14:useLocalDpi xmlns:a14="http://schemas.microsoft.com/office/drawing/2010/main" val="0"/>
+              </a:ext>
+            </a:extLst>
+          </a:blip>
+          <a:stretch>
+            <a:fillRect/>
+          </a:stretch>
+        </p:blipFill>
+        <p:spPr>
+          <a:xfrm>
+            <a:off x="7429053" y="1716657"/>
+            <a:ext cx="4421101" cy="2771367"/>
+          </a:xfrm>
+          <a:prstGeom prst="rect">
+            <a:avLst/>
+          </a:prstGeom>
+        </p:spPr>
+      </p:pic>
+    </p:spTree>
+    <p:extLst>
+      <p:ext uri="{BB962C8B-B14F-4D97-AF65-F5344CB8AC3E}">
+        <p14:creationId xmlns:p14="http://schemas.microsoft.com/office/powerpoint/2010/main" val="39957954"/>
+      </p:ext>
+    </p:extLst>
+  </p:cSld>
+  <p:clrMapOvr>
+    <a:masterClrMapping/>
+  </p:clrMapOvr>
+</p:sld>
+</file>
+
+<file path=ppt/slides/slide12.xml><?xml version="1.0" encoding="utf-8"?>
+<p:sld xmlns:a="http://schemas.openxmlformats.org/drawingml/2006/main" xmlns:r="http://schemas.openxmlformats.org/officeDocument/2006/relationships" xmlns:p="http://schemas.openxmlformats.org/presentationml/2006/main">
+  <p:cSld>
+    <p:spTree>
+      <p:nvGrpSpPr>
+        <p:cNvPr id="1" name=""/>
+        <p:cNvGrpSpPr/>
+        <p:nvPr/>
+      </p:nvGrpSpPr>
+      <p:grpSpPr>
+        <a:xfrm>
+          <a:off x="0" y="0"/>
+          <a:ext cx="0" cy="0"/>
+          <a:chOff x="0" y="0"/>
+          <a:chExt cx="0" cy="0"/>
+        </a:xfrm>
+      </p:grpSpPr>
+      <p:sp>
+        <p:nvSpPr>
+          <p:cNvPr id="2" name="Заголовок 1"/>
+          <p:cNvSpPr>
+            <a:spLocks noGrp="1"/>
+          </p:cNvSpPr>
+          <p:nvPr>
+            <p:ph type="title"/>
+          </p:nvPr>
+        </p:nvSpPr>
+        <p:spPr/>
+        <p:txBody>
+          <a:bodyPr>
+            <a:normAutofit/>
+          </a:bodyPr>
+          <a:lstStyle/>
+          <a:p>
+            <a:r>
+              <a:rPr lang="ru-RU" sz="2800" dirty="0">
+                <a:latin typeface="Times New Roman" panose="02020603050405020304" pitchFamily="18" charset="0"/>
+                <a:cs typeface="Times New Roman" pitchFamily="18" charset="0"/>
+              </a:rPr>
+              <a:t>Задание 6. Прорисовка окружности</a:t>
+            </a:r>
+          </a:p>
+        </p:txBody>
+      </p:sp>
+      <p:sp>
+        <p:nvSpPr>
+          <p:cNvPr id="3" name="Объект 2"/>
+          <p:cNvSpPr>
+            <a:spLocks noGrp="1"/>
+          </p:cNvSpPr>
+          <p:nvPr>
+            <p:ph idx="1"/>
+          </p:nvPr>
+        </p:nvSpPr>
+        <p:spPr>
+          <a:xfrm>
+            <a:off x="512755" y="2003054"/>
+            <a:ext cx="5974310" cy="3766185"/>
+          </a:xfrm>
+        </p:spPr>
+        <p:txBody>
+          <a:bodyPr>
+            <a:normAutofit/>
+          </a:bodyPr>
+          <a:lstStyle/>
+          <a:p>
+            <a:pPr marL="0" indent="0" algn="just">
+              <a:spcBef>
+                <a:spcPts val="0"/>
+              </a:spcBef>
+              <a:buNone/>
+            </a:pPr>
+            <a:r>
+              <a:rPr lang="ru-RU" sz="2000" dirty="0">
+                <a:latin typeface="Times New Roman" panose="02020603050405020304" pitchFamily="18" charset="0"/>
+                <a:cs typeface="Times New Roman" panose="02020603050405020304" pitchFamily="18" charset="0"/>
+              </a:rPr>
+              <a:t>Программный модуль создающий диалоговую панель, в которой в непрерывном режиме выполняется прорисовка окружности, у которой постепенно увеличивается радиус. При достижении границ окна радиус начинает уменьшаться. У диалогового окна должна присутствовать кнопка выбора цвета, которая выводит диалоговое окно с выбором цвета круга с помощью радиокнопок. Для изменения цвета круга нужно подтвердить кнопкой "ОК".</a:t>
+            </a:r>
+          </a:p>
+          <a:p>
+            <a:pPr algn="just"/>
+            <a:endParaRPr lang="ru-RU" sz="2000" dirty="0">
+              <a:latin typeface="Times New Roman" panose="02020603050405020304" pitchFamily="18" charset="0"/>
+              <a:cs typeface="Times New Roman" panose="02020603050405020304" pitchFamily="18" charset="0"/>
+            </a:endParaRPr>
+          </a:p>
+        </p:txBody>
+      </p:sp>
+      <p:sp>
+        <p:nvSpPr>
+          <p:cNvPr id="4" name="Номер слайда 3"/>
+          <p:cNvSpPr>
+            <a:spLocks noGrp="1"/>
+          </p:cNvSpPr>
+          <p:nvPr>
+            <p:ph type="sldNum" sz="quarter" idx="12"/>
+          </p:nvPr>
+        </p:nvSpPr>
+        <p:spPr>
+          <a:xfrm>
+            <a:off x="11010122" y="6356350"/>
+            <a:ext cx="343678" cy="365125"/>
+          </a:xfrm>
+        </p:spPr>
+        <p:txBody>
+          <a:bodyPr/>
+          <a:lstStyle/>
+          <a:p>
+            <a:fld id="{FC627450-83D9-4009-B099-16FAB8836B44}" type="slidenum">
+              <a:rPr lang="ru-RU" smtClean="0">
+                <a:solidFill>
+                  <a:schemeClr val="tx1"/>
+                </a:solidFill>
+                <a:latin typeface="Times New Roman" panose="02020603050405020304" pitchFamily="18" charset="0"/>
+                <a:cs typeface="Times New Roman" panose="02020603050405020304" pitchFamily="18" charset="0"/>
+              </a:rPr>
+              <a:pPr/>
+              <a:t>12</a:t>
+            </a:fld>
+            <a:endParaRPr lang="ru-RU" dirty="0">
+              <a:solidFill>
+                <a:schemeClr val="tx1"/>
+              </a:solidFill>
+              <a:latin typeface="Times New Roman" panose="02020603050405020304" pitchFamily="18" charset="0"/>
+              <a:cs typeface="Times New Roman" panose="02020603050405020304" pitchFamily="18" charset="0"/>
+            </a:endParaRPr>
+          </a:p>
+        </p:txBody>
+      </p:sp>
+      <p:pic>
+        <p:nvPicPr>
+          <p:cNvPr id="6" name="Рисунок 5">
+            <a:extLst>
+              <a:ext uri="{FF2B5EF4-FFF2-40B4-BE49-F238E27FC236}">
+                <a16:creationId xmlns:a16="http://schemas.microsoft.com/office/drawing/2014/main" id="{40019291-F926-4031-AA68-A7240151CB1C}"/>
+              </a:ext>
+            </a:extLst>
+          </p:cNvPr>
+          <p:cNvPicPr>
+            <a:picLocks noChangeAspect="1"/>
+          </p:cNvPicPr>
+          <p:nvPr/>
+        </p:nvPicPr>
+        <p:blipFill>
+          <a:blip r:embed="rId2">
+            <a:extLst>
+              <a:ext uri="{28A0092B-C50C-407E-A947-70E740481C1C}">
+                <a14:useLocalDpi xmlns:a14="http://schemas.microsoft.com/office/drawing/2010/main" val="0"/>
+              </a:ext>
+            </a:extLst>
+          </a:blip>
+          <a:stretch>
+            <a:fillRect/>
+          </a:stretch>
+        </p:blipFill>
+        <p:spPr>
+          <a:xfrm>
+            <a:off x="7604448" y="2003054"/>
+            <a:ext cx="3951709" cy="2981378"/>
+          </a:xfrm>
+          <a:prstGeom prst="rect">
+            <a:avLst/>
+          </a:prstGeom>
+        </p:spPr>
+      </p:pic>
+    </p:spTree>
+    <p:extLst>
+      <p:ext uri="{BB962C8B-B14F-4D97-AF65-F5344CB8AC3E}">
+        <p14:creationId xmlns:p14="http://schemas.microsoft.com/office/powerpoint/2010/main" val="1971725766"/>
+      </p:ext>
+    </p:extLst>
+  </p:cSld>
+  <p:clrMapOvr>
+    <a:masterClrMapping/>
+  </p:clrMapOvr>
+</p:sld>
+</file>
+
+<file path=ppt/slides/slide13.xml><?xml version="1.0" encoding="utf-8"?>
+<p:sld xmlns:a="http://schemas.openxmlformats.org/drawingml/2006/main" xmlns:r="http://schemas.openxmlformats.org/officeDocument/2006/relationships" xmlns:p="http://schemas.openxmlformats.org/presentationml/2006/main">
+  <p:cSld>
+    <p:spTree>
+      <p:nvGrpSpPr>
+        <p:cNvPr id="1" name=""/>
+        <p:cNvGrpSpPr/>
+        <p:nvPr/>
+      </p:nvGrpSpPr>
+      <p:grpSpPr>
+        <a:xfrm>
+          <a:off x="0" y="0"/>
+          <a:ext cx="0" cy="0"/>
+          <a:chOff x="0" y="0"/>
+          <a:chExt cx="0" cy="0"/>
+        </a:xfrm>
+      </p:grpSpPr>
+      <p:sp>
+        <p:nvSpPr>
+          <p:cNvPr id="2" name="Заголовок 1"/>
+          <p:cNvSpPr>
+            <a:spLocks noGrp="1"/>
+          </p:cNvSpPr>
+          <p:nvPr>
+            <p:ph type="title"/>
+          </p:nvPr>
+        </p:nvSpPr>
+        <p:spPr/>
+        <p:txBody>
+          <a:bodyPr>
+            <a:normAutofit/>
+          </a:bodyPr>
+          <a:lstStyle/>
+          <a:p>
+            <a:r>
+              <a:rPr lang="ru-RU" sz="2800" dirty="0">
+                <a:latin typeface="Times New Roman" panose="02020603050405020304" pitchFamily="18" charset="0"/>
+                <a:cs typeface="Times New Roman" pitchFamily="18" charset="0"/>
+              </a:rPr>
+              <a:t>Задание 6. Прорисовка окружности</a:t>
+            </a:r>
+          </a:p>
+        </p:txBody>
+      </p:sp>
+      <p:sp>
+        <p:nvSpPr>
+          <p:cNvPr id="3" name="Объект 2"/>
+          <p:cNvSpPr>
+            <a:spLocks noGrp="1"/>
+          </p:cNvSpPr>
+          <p:nvPr>
+            <p:ph idx="1"/>
+          </p:nvPr>
+        </p:nvSpPr>
+        <p:spPr>
+          <a:xfrm>
+            <a:off x="235427" y="1509192"/>
+            <a:ext cx="6346528" cy="4943366"/>
+          </a:xfrm>
+        </p:spPr>
+        <p:txBody>
+          <a:bodyPr/>
+          <a:lstStyle/>
+          <a:p>
+            <a:pPr>
+              <a:lnSpc>
+                <a:spcPct val="100000"/>
+              </a:lnSpc>
+              <a:spcBef>
+                <a:spcPts val="0"/>
+              </a:spcBef>
+              <a:buNone/>
+            </a:pPr>
+            <a:r>
+              <a:rPr lang="en-US" sz="2000" dirty="0">
+                <a:latin typeface="Times New Roman" panose="02020603050405020304" pitchFamily="18" charset="0"/>
+                <a:cs typeface="Times New Roman" pitchFamily="18" charset="0"/>
+              </a:rPr>
+              <a:t>void draw(HDC </a:t>
+            </a:r>
+            <a:r>
+              <a:rPr lang="en-US" sz="2000" dirty="0" err="1">
+                <a:latin typeface="Times New Roman" panose="02020603050405020304" pitchFamily="18" charset="0"/>
+                <a:cs typeface="Times New Roman" pitchFamily="18" charset="0"/>
+              </a:rPr>
+              <a:t>hdc</a:t>
+            </a:r>
+            <a:r>
+              <a:rPr lang="en-US" sz="2000" dirty="0">
+                <a:latin typeface="Times New Roman" panose="02020603050405020304" pitchFamily="18" charset="0"/>
+                <a:cs typeface="Times New Roman" pitchFamily="18" charset="0"/>
+              </a:rPr>
+              <a:t>) {</a:t>
+            </a:r>
+            <a:endParaRPr lang="ru-RU" sz="2000" dirty="0">
+              <a:latin typeface="Times New Roman" panose="02020603050405020304" pitchFamily="18" charset="0"/>
+              <a:cs typeface="Times New Roman" pitchFamily="18" charset="0"/>
+            </a:endParaRPr>
+          </a:p>
+          <a:p>
+            <a:pPr lvl="1">
+              <a:lnSpc>
+                <a:spcPct val="100000"/>
+              </a:lnSpc>
+              <a:spcBef>
+                <a:spcPts val="0"/>
+              </a:spcBef>
+              <a:buNone/>
+            </a:pPr>
+            <a:r>
+              <a:rPr lang="en-US" sz="2000" dirty="0" err="1">
+                <a:latin typeface="Times New Roman" panose="02020603050405020304" pitchFamily="18" charset="0"/>
+                <a:cs typeface="Times New Roman" pitchFamily="18" charset="0"/>
+              </a:rPr>
+              <a:t>Gdiplus</a:t>
+            </a:r>
+            <a:r>
+              <a:rPr lang="en-US" sz="2000" dirty="0">
+                <a:latin typeface="Times New Roman" panose="02020603050405020304" pitchFamily="18" charset="0"/>
+                <a:cs typeface="Times New Roman" pitchFamily="18" charset="0"/>
+              </a:rPr>
+              <a:t>::Graphics gf(</a:t>
+            </a:r>
+            <a:r>
+              <a:rPr lang="en-US" sz="2000" dirty="0" err="1">
+                <a:latin typeface="Times New Roman" panose="02020603050405020304" pitchFamily="18" charset="0"/>
+                <a:cs typeface="Times New Roman" pitchFamily="18" charset="0"/>
+              </a:rPr>
+              <a:t>hdc</a:t>
+            </a:r>
+            <a:r>
+              <a:rPr lang="en-US" sz="2000" dirty="0">
+                <a:latin typeface="Times New Roman" panose="02020603050405020304" pitchFamily="18" charset="0"/>
+                <a:cs typeface="Times New Roman" pitchFamily="18" charset="0"/>
+              </a:rPr>
+              <a:t>);</a:t>
+            </a:r>
+            <a:endParaRPr lang="ru-RU" sz="2000" dirty="0">
+              <a:latin typeface="Times New Roman" panose="02020603050405020304" pitchFamily="18" charset="0"/>
+              <a:cs typeface="Times New Roman" pitchFamily="18" charset="0"/>
+            </a:endParaRPr>
+          </a:p>
+          <a:p>
+            <a:pPr lvl="1">
+              <a:lnSpc>
+                <a:spcPct val="100000"/>
+              </a:lnSpc>
+              <a:spcBef>
+                <a:spcPts val="0"/>
+              </a:spcBef>
+              <a:buNone/>
+            </a:pPr>
+            <a:r>
+              <a:rPr lang="en-US" sz="2000" dirty="0" err="1">
+                <a:latin typeface="Times New Roman" panose="02020603050405020304" pitchFamily="18" charset="0"/>
+                <a:cs typeface="Times New Roman" pitchFamily="18" charset="0"/>
+              </a:rPr>
+              <a:t>Gdiplus</a:t>
+            </a:r>
+            <a:r>
+              <a:rPr lang="en-US" sz="2000" dirty="0">
+                <a:latin typeface="Times New Roman" panose="02020603050405020304" pitchFamily="18" charset="0"/>
+                <a:cs typeface="Times New Roman" pitchFamily="18" charset="0"/>
+              </a:rPr>
+              <a:t>::Pen pen(color);</a:t>
+            </a:r>
+            <a:r>
+              <a:rPr lang="ru-RU" sz="2000" dirty="0">
+                <a:latin typeface="Times New Roman" panose="02020603050405020304" pitchFamily="18" charset="0"/>
+                <a:cs typeface="Times New Roman" pitchFamily="18" charset="0"/>
+              </a:rPr>
+              <a:t> //Создание пера</a:t>
+            </a:r>
+          </a:p>
+          <a:p>
+            <a:pPr lvl="1">
+              <a:lnSpc>
+                <a:spcPct val="100000"/>
+              </a:lnSpc>
+              <a:spcBef>
+                <a:spcPts val="0"/>
+              </a:spcBef>
+              <a:buNone/>
+            </a:pPr>
+            <a:r>
+              <a:rPr lang="en-US" sz="2000" dirty="0" err="1">
+                <a:latin typeface="Times New Roman" panose="02020603050405020304" pitchFamily="18" charset="0"/>
+                <a:cs typeface="Times New Roman" pitchFamily="18" charset="0"/>
+              </a:rPr>
+              <a:t>gf.DrawEllipse</a:t>
+            </a:r>
+            <a:r>
+              <a:rPr lang="en-US" sz="2000" dirty="0">
+                <a:latin typeface="Times New Roman" panose="02020603050405020304" pitchFamily="18" charset="0"/>
+                <a:cs typeface="Times New Roman" pitchFamily="18" charset="0"/>
+              </a:rPr>
+              <a:t>(&amp;pen, width / 2 - </a:t>
+            </a:r>
+            <a:r>
+              <a:rPr lang="en-US" sz="2000" dirty="0" err="1">
+                <a:latin typeface="Times New Roman" panose="02020603050405020304" pitchFamily="18" charset="0"/>
+                <a:cs typeface="Times New Roman" pitchFamily="18" charset="0"/>
+              </a:rPr>
+              <a:t>circle_diameter</a:t>
+            </a:r>
+            <a:r>
+              <a:rPr lang="en-US" sz="2000" dirty="0">
+                <a:latin typeface="Times New Roman" panose="02020603050405020304" pitchFamily="18" charset="0"/>
+                <a:cs typeface="Times New Roman" pitchFamily="18" charset="0"/>
+              </a:rPr>
+              <a:t> / 2, height / 2 - </a:t>
+            </a:r>
+            <a:r>
+              <a:rPr lang="en-US" sz="2000" dirty="0" err="1">
+                <a:latin typeface="Times New Roman" panose="02020603050405020304" pitchFamily="18" charset="0"/>
+                <a:cs typeface="Times New Roman" pitchFamily="18" charset="0"/>
+              </a:rPr>
+              <a:t>circle_diameter</a:t>
+            </a:r>
+            <a:r>
+              <a:rPr lang="en-US" sz="2000" dirty="0">
+                <a:latin typeface="Times New Roman" panose="02020603050405020304" pitchFamily="18" charset="0"/>
+                <a:cs typeface="Times New Roman" pitchFamily="18" charset="0"/>
+              </a:rPr>
+              <a:t> / 2,</a:t>
+            </a:r>
+            <a:endParaRPr lang="ru-RU" sz="2000" dirty="0">
+              <a:latin typeface="Times New Roman" panose="02020603050405020304" pitchFamily="18" charset="0"/>
+              <a:cs typeface="Times New Roman" pitchFamily="18" charset="0"/>
+            </a:endParaRPr>
+          </a:p>
+          <a:p>
+            <a:pPr lvl="1">
+              <a:lnSpc>
+                <a:spcPct val="100000"/>
+              </a:lnSpc>
+              <a:spcBef>
+                <a:spcPts val="0"/>
+              </a:spcBef>
+              <a:buNone/>
+            </a:pPr>
+            <a:r>
+              <a:rPr lang="en-US" sz="2000" dirty="0" err="1">
+                <a:latin typeface="Times New Roman" panose="02020603050405020304" pitchFamily="18" charset="0"/>
+                <a:cs typeface="Times New Roman" pitchFamily="18" charset="0"/>
+              </a:rPr>
+              <a:t>circle_diameter</a:t>
+            </a:r>
+            <a:r>
+              <a:rPr lang="en-US" sz="2000" dirty="0">
+                <a:latin typeface="Times New Roman" panose="02020603050405020304" pitchFamily="18" charset="0"/>
+                <a:cs typeface="Times New Roman" pitchFamily="18" charset="0"/>
+              </a:rPr>
+              <a:t>, </a:t>
+            </a:r>
+            <a:r>
+              <a:rPr lang="en-US" sz="2000" dirty="0" err="1">
+                <a:latin typeface="Times New Roman" panose="02020603050405020304" pitchFamily="18" charset="0"/>
+                <a:cs typeface="Times New Roman" pitchFamily="18" charset="0"/>
+              </a:rPr>
+              <a:t>circle_diameter</a:t>
+            </a:r>
+            <a:r>
+              <a:rPr lang="en-US" sz="2000" dirty="0">
+                <a:latin typeface="Times New Roman" panose="02020603050405020304" pitchFamily="18" charset="0"/>
+                <a:cs typeface="Times New Roman" pitchFamily="18" charset="0"/>
+              </a:rPr>
+              <a:t>);</a:t>
+            </a:r>
+            <a:r>
+              <a:rPr lang="ru-RU" sz="2000" dirty="0">
+                <a:latin typeface="Times New Roman" pitchFamily="18" charset="0"/>
+                <a:cs typeface="Times New Roman" pitchFamily="18" charset="0"/>
+              </a:rPr>
+              <a:t> </a:t>
+            </a:r>
+          </a:p>
+          <a:p>
+            <a:pPr lvl="1">
+              <a:lnSpc>
+                <a:spcPct val="100000"/>
+              </a:lnSpc>
+              <a:spcBef>
+                <a:spcPts val="0"/>
+              </a:spcBef>
+              <a:buNone/>
+            </a:pPr>
+            <a:r>
+              <a:rPr lang="ru-RU" sz="2000" dirty="0">
+                <a:latin typeface="Times New Roman" pitchFamily="18" charset="0"/>
+                <a:cs typeface="Times New Roman" pitchFamily="18" charset="0"/>
+              </a:rPr>
+              <a:t>//Определение координат и диаметра окружности</a:t>
+            </a:r>
+          </a:p>
+          <a:p>
+            <a:pPr marL="4572" lvl="1" indent="0">
+              <a:lnSpc>
+                <a:spcPct val="100000"/>
+              </a:lnSpc>
+              <a:spcBef>
+                <a:spcPts val="0"/>
+              </a:spcBef>
+              <a:buNone/>
+            </a:pPr>
+            <a:r>
+              <a:rPr lang="ru-RU" sz="2000" dirty="0">
+                <a:latin typeface="Times New Roman" pitchFamily="18" charset="0"/>
+                <a:cs typeface="Times New Roman" pitchFamily="18" charset="0"/>
+              </a:rPr>
+              <a:t>}</a:t>
+            </a:r>
+          </a:p>
+          <a:p>
+            <a:endParaRPr lang="ru-RU" dirty="0">
+              <a:latin typeface="Times New Roman" panose="02020603050405020304" pitchFamily="18" charset="0"/>
+              <a:cs typeface="Times New Roman" panose="02020603050405020304" pitchFamily="18" charset="0"/>
+            </a:endParaRPr>
+          </a:p>
+        </p:txBody>
+      </p:sp>
+      <p:sp>
+        <p:nvSpPr>
+          <p:cNvPr id="4" name="Номер слайда 3"/>
+          <p:cNvSpPr>
+            <a:spLocks noGrp="1"/>
+          </p:cNvSpPr>
+          <p:nvPr>
+            <p:ph type="sldNum" sz="quarter" idx="12"/>
+          </p:nvPr>
+        </p:nvSpPr>
+        <p:spPr>
+          <a:xfrm>
+            <a:off x="10982130" y="6356350"/>
+            <a:ext cx="371669" cy="365125"/>
+          </a:xfrm>
+        </p:spPr>
+        <p:txBody>
+          <a:bodyPr/>
+          <a:lstStyle/>
+          <a:p>
+            <a:fld id="{FC627450-83D9-4009-B099-16FAB8836B44}" type="slidenum">
+              <a:rPr lang="ru-RU" smtClean="0">
+                <a:solidFill>
+                  <a:schemeClr val="tx1"/>
+                </a:solidFill>
+                <a:latin typeface="Times New Roman" panose="02020603050405020304" pitchFamily="18" charset="0"/>
+                <a:cs typeface="Times New Roman" panose="02020603050405020304" pitchFamily="18" charset="0"/>
+              </a:rPr>
+              <a:pPr/>
+              <a:t>13</a:t>
+            </a:fld>
+            <a:endParaRPr lang="ru-RU" dirty="0">
+              <a:solidFill>
+                <a:schemeClr val="tx1"/>
+              </a:solidFill>
+              <a:latin typeface="Times New Roman" panose="02020603050405020304" pitchFamily="18" charset="0"/>
+              <a:cs typeface="Times New Roman" panose="02020603050405020304" pitchFamily="18" charset="0"/>
+            </a:endParaRPr>
+          </a:p>
+        </p:txBody>
+      </p:sp>
+      <p:pic>
+        <p:nvPicPr>
+          <p:cNvPr id="6" name="Рисунок 5">
+            <a:extLst>
+              <a:ext uri="{FF2B5EF4-FFF2-40B4-BE49-F238E27FC236}">
+                <a16:creationId xmlns:a16="http://schemas.microsoft.com/office/drawing/2014/main" id="{27C22DAD-159F-4252-83A9-F153FEF07991}"/>
+              </a:ext>
+            </a:extLst>
+          </p:cNvPr>
+          <p:cNvPicPr>
+            <a:picLocks noChangeAspect="1"/>
+          </p:cNvPicPr>
+          <p:nvPr/>
+        </p:nvPicPr>
+        <p:blipFill>
+          <a:blip r:embed="rId2">
+            <a:extLst>
+              <a:ext uri="{28A0092B-C50C-407E-A947-70E740481C1C}">
+                <a14:useLocalDpi xmlns:a14="http://schemas.microsoft.com/office/drawing/2010/main" val="0"/>
+              </a:ext>
+            </a:extLst>
+          </a:blip>
+          <a:stretch>
+            <a:fillRect/>
+          </a:stretch>
+        </p:blipFill>
+        <p:spPr>
+          <a:xfrm>
+            <a:off x="7520473" y="1938311"/>
+            <a:ext cx="3951709" cy="2981378"/>
+          </a:xfrm>
+          <a:prstGeom prst="rect">
+            <a:avLst/>
+          </a:prstGeom>
+        </p:spPr>
+      </p:pic>
+    </p:spTree>
+    <p:extLst>
+      <p:ext uri="{BB962C8B-B14F-4D97-AF65-F5344CB8AC3E}">
+        <p14:creationId xmlns:p14="http://schemas.microsoft.com/office/powerpoint/2010/main" val="2786185423"/>
+      </p:ext>
+    </p:extLst>
+  </p:cSld>
+  <p:clrMapOvr>
+    <a:masterClrMapping/>
+  </p:clrMapOvr>
+</p:sld>
+</file>
+
+<file path=ppt/slides/slide14.xml><?xml version="1.0" encoding="utf-8"?>
+<p:sld xmlns:a="http://schemas.openxmlformats.org/drawingml/2006/main" xmlns:r="http://schemas.openxmlformats.org/officeDocument/2006/relationships" xmlns:p="http://schemas.openxmlformats.org/presentationml/2006/main">
+  <p:cSld>
+    <p:spTree>
+      <p:nvGrpSpPr>
+        <p:cNvPr id="1" name=""/>
+        <p:cNvGrpSpPr/>
+        <p:nvPr/>
+      </p:nvGrpSpPr>
+      <p:grpSpPr>
+        <a:xfrm>
+          <a:off x="0" y="0"/>
+          <a:ext cx="0" cy="0"/>
+          <a:chOff x="0" y="0"/>
+          <a:chExt cx="0" cy="0"/>
+        </a:xfrm>
+      </p:grpSpPr>
+      <p:sp>
+        <p:nvSpPr>
+          <p:cNvPr id="2" name="Заголовок 1"/>
+          <p:cNvSpPr>
+            <a:spLocks noGrp="1"/>
+          </p:cNvSpPr>
+          <p:nvPr>
+            <p:ph type="title"/>
+          </p:nvPr>
+        </p:nvSpPr>
+        <p:spPr/>
+        <p:txBody>
+          <a:bodyPr>
+            <a:normAutofit/>
+          </a:bodyPr>
+          <a:lstStyle/>
+          <a:p>
+            <a:r>
+              <a:rPr lang="ru-RU" sz="2800" dirty="0">
+                <a:latin typeface="Times New Roman" panose="02020603050405020304" pitchFamily="18" charset="0"/>
+                <a:cs typeface="Times New Roman" pitchFamily="18" charset="0"/>
+              </a:rPr>
+              <a:t>Задание 7. Программа для просмотра изображений</a:t>
+            </a:r>
+          </a:p>
+        </p:txBody>
+      </p:sp>
+      <p:sp>
+        <p:nvSpPr>
+          <p:cNvPr id="3" name="Объект 2"/>
+          <p:cNvSpPr>
+            <a:spLocks noGrp="1"/>
+          </p:cNvSpPr>
+          <p:nvPr>
+            <p:ph idx="1"/>
+          </p:nvPr>
+        </p:nvSpPr>
+        <p:spPr>
+          <a:xfrm>
+            <a:off x="720235" y="2133979"/>
+            <a:ext cx="5513511" cy="3766185"/>
+          </a:xfrm>
+        </p:spPr>
+        <p:txBody>
+          <a:bodyPr>
+            <a:normAutofit/>
+          </a:bodyPr>
+          <a:lstStyle/>
+          <a:p>
+            <a:pPr marL="0" indent="0" algn="just">
+              <a:spcBef>
+                <a:spcPts val="0"/>
+              </a:spcBef>
+              <a:buNone/>
+            </a:pPr>
+            <a:r>
+              <a:rPr lang="ru-RU" sz="2000" dirty="0">
+                <a:latin typeface="Times New Roman" panose="02020603050405020304" pitchFamily="18" charset="0"/>
+                <a:cs typeface="Times New Roman" panose="02020603050405020304" pitchFamily="18" charset="0"/>
+              </a:rPr>
+              <a:t>Программный модуль, имеющий меню, содержащее пункты "открыть файл" и "выход". Пункт меню "открыть файл" должен позволять открыть графический файл с расширением .</a:t>
+            </a:r>
+            <a:r>
+              <a:rPr lang="ru-RU" sz="2000" dirty="0" err="1">
+                <a:latin typeface="Times New Roman" panose="02020603050405020304" pitchFamily="18" charset="0"/>
+                <a:cs typeface="Times New Roman" panose="02020603050405020304" pitchFamily="18" charset="0"/>
+              </a:rPr>
+              <a:t>bmp</a:t>
+            </a:r>
+            <a:r>
+              <a:rPr lang="ru-RU" sz="2000" dirty="0">
+                <a:latin typeface="Times New Roman" panose="02020603050405020304" pitchFamily="18" charset="0"/>
+                <a:cs typeface="Times New Roman" panose="02020603050405020304" pitchFamily="18" charset="0"/>
+              </a:rPr>
+              <a:t>. Кнопка выход позволяет выйти из программы. Не должно быть изменений с файлом кроме изменения размера окна. файл должен отрываться в главном окне этого модуля и подровнять под размеры этого окна. </a:t>
+            </a:r>
+          </a:p>
+        </p:txBody>
+      </p:sp>
+      <p:sp>
+        <p:nvSpPr>
+          <p:cNvPr id="4" name="Номер слайда 3"/>
+          <p:cNvSpPr>
+            <a:spLocks noGrp="1"/>
+          </p:cNvSpPr>
+          <p:nvPr>
+            <p:ph type="sldNum" sz="quarter" idx="12"/>
+          </p:nvPr>
+        </p:nvSpPr>
+        <p:spPr>
+          <a:xfrm>
+            <a:off x="11010122" y="6356350"/>
+            <a:ext cx="343678" cy="365125"/>
+          </a:xfrm>
+        </p:spPr>
+        <p:txBody>
+          <a:bodyPr/>
+          <a:lstStyle/>
+          <a:p>
+            <a:fld id="{FC627450-83D9-4009-B099-16FAB8836B44}" type="slidenum">
+              <a:rPr lang="ru-RU" smtClean="0">
+                <a:solidFill>
+                  <a:schemeClr val="tx1"/>
+                </a:solidFill>
+                <a:latin typeface="Times New Roman" panose="02020603050405020304" pitchFamily="18" charset="0"/>
+                <a:cs typeface="Times New Roman" panose="02020603050405020304" pitchFamily="18" charset="0"/>
+              </a:rPr>
+              <a:pPr/>
+              <a:t>14</a:t>
+            </a:fld>
+            <a:endParaRPr lang="ru-RU" dirty="0">
+              <a:solidFill>
+                <a:schemeClr val="tx1"/>
+              </a:solidFill>
+              <a:latin typeface="Times New Roman" panose="02020603050405020304" pitchFamily="18" charset="0"/>
+              <a:cs typeface="Times New Roman" panose="02020603050405020304" pitchFamily="18" charset="0"/>
+            </a:endParaRPr>
+          </a:p>
+        </p:txBody>
+      </p:sp>
+      <p:pic>
+        <p:nvPicPr>
+          <p:cNvPr id="6" name="Рисунок 5">
+            <a:extLst>
+              <a:ext uri="{FF2B5EF4-FFF2-40B4-BE49-F238E27FC236}">
+                <a16:creationId xmlns:a16="http://schemas.microsoft.com/office/drawing/2014/main" id="{CA08D7C4-930E-492F-8BAE-AEECD08B853A}"/>
+              </a:ext>
+            </a:extLst>
+          </p:cNvPr>
+          <p:cNvPicPr>
+            <a:picLocks noChangeAspect="1"/>
+          </p:cNvPicPr>
+          <p:nvPr/>
+        </p:nvPicPr>
+        <p:blipFill>
+          <a:blip r:embed="rId2">
+            <a:extLst>
+              <a:ext uri="{28A0092B-C50C-407E-A947-70E740481C1C}">
+                <a14:useLocalDpi xmlns:a14="http://schemas.microsoft.com/office/drawing/2010/main" val="0"/>
+              </a:ext>
+            </a:extLst>
+          </a:blip>
+          <a:stretch>
+            <a:fillRect/>
+          </a:stretch>
+        </p:blipFill>
+        <p:spPr>
+          <a:xfrm>
+            <a:off x="6699378" y="2133979"/>
+            <a:ext cx="5071771" cy="3394537"/>
+          </a:xfrm>
+          <a:prstGeom prst="rect">
+            <a:avLst/>
+          </a:prstGeom>
+        </p:spPr>
+      </p:pic>
+    </p:spTree>
+    <p:extLst>
+      <p:ext uri="{BB962C8B-B14F-4D97-AF65-F5344CB8AC3E}">
+        <p14:creationId xmlns:p14="http://schemas.microsoft.com/office/powerpoint/2010/main" val="1552377474"/>
+      </p:ext>
+    </p:extLst>
+  </p:cSld>
+  <p:clrMapOvr>
+    <a:masterClrMapping/>
+  </p:clrMapOvr>
+</p:sld>
+</file>
+
+<file path=ppt/slides/slide15.xml><?xml version="1.0" encoding="utf-8"?>
+<p:sld xmlns:a="http://schemas.openxmlformats.org/drawingml/2006/main" xmlns:r="http://schemas.openxmlformats.org/officeDocument/2006/relationships" xmlns:p="http://schemas.openxmlformats.org/presentationml/2006/main">
+  <p:cSld>
+    <p:spTree>
+      <p:nvGrpSpPr>
+        <p:cNvPr id="1" name=""/>
+        <p:cNvGrpSpPr/>
+        <p:nvPr/>
+      </p:nvGrpSpPr>
+      <p:grpSpPr>
+        <a:xfrm>
+          <a:off x="0" y="0"/>
+          <a:ext cx="0" cy="0"/>
+          <a:chOff x="0" y="0"/>
+          <a:chExt cx="0" cy="0"/>
+        </a:xfrm>
+      </p:grpSpPr>
+      <p:sp>
+        <p:nvSpPr>
+          <p:cNvPr id="2" name="Заголовок 1"/>
+          <p:cNvSpPr>
+            <a:spLocks noGrp="1"/>
+          </p:cNvSpPr>
+          <p:nvPr>
+            <p:ph type="title"/>
+          </p:nvPr>
+        </p:nvSpPr>
+        <p:spPr/>
+        <p:txBody>
+          <a:bodyPr>
+            <a:normAutofit/>
+          </a:bodyPr>
+          <a:lstStyle/>
+          <a:p>
+            <a:r>
+              <a:rPr lang="ru-RU" sz="2800" dirty="0">
+                <a:latin typeface="Times New Roman" panose="02020603050405020304" pitchFamily="18" charset="0"/>
+                <a:cs typeface="Times New Roman" pitchFamily="18" charset="0"/>
+              </a:rPr>
+              <a:t>Задание 7. Программа для просмотра изображений</a:t>
+            </a:r>
+          </a:p>
+        </p:txBody>
+      </p:sp>
+      <p:sp>
+        <p:nvSpPr>
+          <p:cNvPr id="3" name="Объект 2"/>
+          <p:cNvSpPr>
+            <a:spLocks noGrp="1"/>
+          </p:cNvSpPr>
+          <p:nvPr>
+            <p:ph idx="1"/>
+          </p:nvPr>
+        </p:nvSpPr>
+        <p:spPr>
+          <a:xfrm>
+            <a:off x="676275" y="1483743"/>
+            <a:ext cx="6354254" cy="4960189"/>
+          </a:xfrm>
+        </p:spPr>
+        <p:txBody>
+          <a:bodyPr>
+            <a:normAutofit/>
+          </a:bodyPr>
+          <a:lstStyle/>
+          <a:p>
+            <a:pPr>
+              <a:lnSpc>
+                <a:spcPct val="100000"/>
+              </a:lnSpc>
+              <a:spcBef>
+                <a:spcPts val="0"/>
+              </a:spcBef>
+              <a:buNone/>
+            </a:pPr>
+            <a:r>
+              <a:rPr lang="en-US" sz="2000" dirty="0">
+                <a:latin typeface="Times New Roman" panose="02020603050405020304" pitchFamily="18" charset="0"/>
+                <a:cs typeface="Times New Roman" pitchFamily="18" charset="0"/>
+              </a:rPr>
+              <a:t>if (</a:t>
+            </a:r>
+            <a:r>
+              <a:rPr lang="en-US" sz="2000" dirty="0" err="1">
+                <a:latin typeface="Times New Roman" panose="02020603050405020304" pitchFamily="18" charset="0"/>
+                <a:cs typeface="Times New Roman" pitchFamily="18" charset="0"/>
+              </a:rPr>
+              <a:t>GetOpenFileName</a:t>
+            </a:r>
+            <a:r>
+              <a:rPr lang="en-US" sz="2000" dirty="0">
+                <a:latin typeface="Times New Roman" panose="02020603050405020304" pitchFamily="18" charset="0"/>
+                <a:cs typeface="Times New Roman" pitchFamily="18" charset="0"/>
+              </a:rPr>
+              <a:t>(&amp;</a:t>
+            </a:r>
+            <a:r>
+              <a:rPr lang="en-US" sz="2000" dirty="0" err="1">
+                <a:latin typeface="Times New Roman" panose="02020603050405020304" pitchFamily="18" charset="0"/>
+                <a:cs typeface="Times New Roman" pitchFamily="18" charset="0"/>
+              </a:rPr>
+              <a:t>open_file_name</a:t>
+            </a:r>
+            <a:r>
+              <a:rPr lang="en-US" sz="2000" dirty="0">
+                <a:latin typeface="Times New Roman" panose="02020603050405020304" pitchFamily="18" charset="0"/>
+                <a:cs typeface="Times New Roman" pitchFamily="18" charset="0"/>
+              </a:rPr>
+              <a:t>))</a:t>
+            </a:r>
+            <a:r>
+              <a:rPr lang="ru-RU" sz="2000" dirty="0">
+                <a:latin typeface="Times New Roman" panose="02020603050405020304" pitchFamily="18" charset="0"/>
+                <a:cs typeface="Times New Roman" pitchFamily="18" charset="0"/>
+              </a:rPr>
+              <a:t> //Определение открытия файла</a:t>
+            </a:r>
+          </a:p>
+          <a:p>
+            <a:pPr>
+              <a:lnSpc>
+                <a:spcPct val="100000"/>
+              </a:lnSpc>
+              <a:spcBef>
+                <a:spcPts val="0"/>
+              </a:spcBef>
+              <a:buNone/>
+            </a:pPr>
+            <a:r>
+              <a:rPr lang="en-US" sz="2000" dirty="0">
+                <a:latin typeface="Times New Roman" panose="02020603050405020304" pitchFamily="18" charset="0"/>
+                <a:cs typeface="Times New Roman" pitchFamily="18" charset="0"/>
+              </a:rPr>
+              <a:t>{</a:t>
+            </a:r>
+            <a:endParaRPr lang="ru-RU" sz="2000" dirty="0">
+              <a:latin typeface="Times New Roman" panose="02020603050405020304" pitchFamily="18" charset="0"/>
+              <a:cs typeface="Times New Roman" pitchFamily="18" charset="0"/>
+            </a:endParaRPr>
+          </a:p>
+          <a:p>
+            <a:pPr lvl="1">
+              <a:lnSpc>
+                <a:spcPct val="100000"/>
+              </a:lnSpc>
+              <a:spcBef>
+                <a:spcPts val="0"/>
+              </a:spcBef>
+              <a:buNone/>
+            </a:pPr>
+            <a:r>
+              <a:rPr lang="en-US" sz="2000" dirty="0">
+                <a:latin typeface="Times New Roman" panose="02020603050405020304" pitchFamily="18" charset="0"/>
+                <a:cs typeface="Times New Roman" pitchFamily="18" charset="0"/>
+              </a:rPr>
+              <a:t>auto </a:t>
+            </a:r>
+            <a:r>
+              <a:rPr lang="en-US" sz="2000" dirty="0" err="1">
+                <a:latin typeface="Times New Roman" panose="02020603050405020304" pitchFamily="18" charset="0"/>
+                <a:cs typeface="Times New Roman" pitchFamily="18" charset="0"/>
+              </a:rPr>
+              <a:t>hdc</a:t>
+            </a:r>
+            <a:r>
+              <a:rPr lang="en-US" sz="2000" dirty="0">
+                <a:latin typeface="Times New Roman" panose="02020603050405020304" pitchFamily="18" charset="0"/>
+                <a:cs typeface="Times New Roman" pitchFamily="18" charset="0"/>
+              </a:rPr>
+              <a:t> = </a:t>
+            </a:r>
+            <a:r>
+              <a:rPr lang="en-US" sz="2000" dirty="0" err="1">
+                <a:latin typeface="Times New Roman" panose="02020603050405020304" pitchFamily="18" charset="0"/>
+                <a:cs typeface="Times New Roman" pitchFamily="18" charset="0"/>
+              </a:rPr>
+              <a:t>GetDC</a:t>
+            </a:r>
+            <a:r>
+              <a:rPr lang="en-US" sz="2000" dirty="0">
+                <a:latin typeface="Times New Roman" panose="02020603050405020304" pitchFamily="18" charset="0"/>
+                <a:cs typeface="Times New Roman" pitchFamily="18" charset="0"/>
+              </a:rPr>
+              <a:t>(</a:t>
+            </a:r>
+            <a:r>
+              <a:rPr lang="en-US" sz="2000" dirty="0" err="1">
+                <a:latin typeface="Times New Roman" panose="02020603050405020304" pitchFamily="18" charset="0"/>
+                <a:cs typeface="Times New Roman" pitchFamily="18" charset="0"/>
+              </a:rPr>
+              <a:t>hwndA</a:t>
+            </a:r>
+            <a:r>
+              <a:rPr lang="en-US" sz="2000" dirty="0">
+                <a:latin typeface="Times New Roman" panose="02020603050405020304" pitchFamily="18" charset="0"/>
+                <a:cs typeface="Times New Roman" pitchFamily="18" charset="0"/>
+              </a:rPr>
+              <a:t>);</a:t>
+            </a:r>
+            <a:r>
+              <a:rPr lang="ru-RU" sz="2000" dirty="0">
+                <a:latin typeface="Times New Roman" panose="02020603050405020304" pitchFamily="18" charset="0"/>
+                <a:cs typeface="Times New Roman" pitchFamily="18" charset="0"/>
+              </a:rPr>
+              <a:t> //Указание дескриптора окна</a:t>
+            </a:r>
+          </a:p>
+          <a:p>
+            <a:pPr lvl="1">
+              <a:lnSpc>
+                <a:spcPct val="100000"/>
+              </a:lnSpc>
+              <a:spcBef>
+                <a:spcPts val="0"/>
+              </a:spcBef>
+              <a:buNone/>
+            </a:pPr>
+            <a:r>
+              <a:rPr lang="en-US" sz="2000" dirty="0" err="1">
+                <a:latin typeface="Times New Roman" panose="02020603050405020304" pitchFamily="18" charset="0"/>
+                <a:cs typeface="Times New Roman" pitchFamily="18" charset="0"/>
+              </a:rPr>
+              <a:t>Gdiplus</a:t>
+            </a:r>
+            <a:r>
+              <a:rPr lang="en-US" sz="2000" dirty="0">
+                <a:latin typeface="Times New Roman" panose="02020603050405020304" pitchFamily="18" charset="0"/>
+                <a:cs typeface="Times New Roman" pitchFamily="18" charset="0"/>
+              </a:rPr>
+              <a:t>::Graphics gf(</a:t>
+            </a:r>
+            <a:r>
+              <a:rPr lang="en-US" sz="2000" dirty="0" err="1">
+                <a:latin typeface="Times New Roman" panose="02020603050405020304" pitchFamily="18" charset="0"/>
+                <a:cs typeface="Times New Roman" pitchFamily="18" charset="0"/>
+              </a:rPr>
+              <a:t>hdc</a:t>
+            </a:r>
+            <a:r>
+              <a:rPr lang="en-US" sz="2000" dirty="0">
+                <a:latin typeface="Times New Roman" panose="02020603050405020304" pitchFamily="18" charset="0"/>
+                <a:cs typeface="Times New Roman" pitchFamily="18" charset="0"/>
+              </a:rPr>
+              <a:t>);</a:t>
+            </a:r>
+            <a:r>
+              <a:rPr lang="ru-RU" sz="2000" dirty="0">
+                <a:latin typeface="Times New Roman" panose="02020603050405020304" pitchFamily="18" charset="0"/>
+                <a:cs typeface="Times New Roman" pitchFamily="18" charset="0"/>
+              </a:rPr>
+              <a:t> //Указание дескриптора объекта</a:t>
+            </a:r>
+          </a:p>
+          <a:p>
+            <a:pPr lvl="1">
+              <a:lnSpc>
+                <a:spcPct val="100000"/>
+              </a:lnSpc>
+              <a:spcBef>
+                <a:spcPts val="0"/>
+              </a:spcBef>
+              <a:buNone/>
+            </a:pPr>
+            <a:r>
+              <a:rPr lang="en-US" sz="2000" dirty="0" err="1">
+                <a:latin typeface="Times New Roman" panose="02020603050405020304" pitchFamily="18" charset="0"/>
+                <a:cs typeface="Times New Roman" pitchFamily="18" charset="0"/>
+              </a:rPr>
+              <a:t>Gdiplus</a:t>
+            </a:r>
+            <a:r>
+              <a:rPr lang="en-US" sz="2000" dirty="0">
+                <a:latin typeface="Times New Roman" panose="02020603050405020304" pitchFamily="18" charset="0"/>
+                <a:cs typeface="Times New Roman" pitchFamily="18" charset="0"/>
+              </a:rPr>
+              <a:t>::Bitmap bmp(path);</a:t>
+            </a:r>
+            <a:r>
+              <a:rPr lang="ru-RU" sz="2000" dirty="0">
+                <a:latin typeface="Times New Roman" panose="02020603050405020304" pitchFamily="18" charset="0"/>
+                <a:cs typeface="Times New Roman" pitchFamily="18" charset="0"/>
+              </a:rPr>
+              <a:t> </a:t>
+            </a:r>
+          </a:p>
+          <a:p>
+            <a:pPr lvl="1">
+              <a:lnSpc>
+                <a:spcPct val="100000"/>
+              </a:lnSpc>
+              <a:spcBef>
+                <a:spcPts val="0"/>
+              </a:spcBef>
+              <a:buNone/>
+            </a:pPr>
+            <a:r>
+              <a:rPr lang="en-US" sz="2000" dirty="0" err="1">
+                <a:latin typeface="Times New Roman" panose="02020603050405020304" pitchFamily="18" charset="0"/>
+                <a:cs typeface="Times New Roman" pitchFamily="18" charset="0"/>
+              </a:rPr>
+              <a:t>gf.DrawImage</a:t>
+            </a:r>
+            <a:r>
+              <a:rPr lang="en-US" sz="2000" dirty="0">
+                <a:latin typeface="Times New Roman" panose="02020603050405020304" pitchFamily="18" charset="0"/>
+                <a:cs typeface="Times New Roman" pitchFamily="18" charset="0"/>
+              </a:rPr>
+              <a:t>(&amp;bmp, 0, 0, width, height);</a:t>
+            </a:r>
+            <a:r>
+              <a:rPr lang="ru-RU" sz="2000" dirty="0">
+                <a:latin typeface="Times New Roman" panose="02020603050405020304" pitchFamily="18" charset="0"/>
+                <a:cs typeface="Times New Roman" pitchFamily="18" charset="0"/>
+              </a:rPr>
+              <a:t> //</a:t>
+            </a:r>
+            <a:r>
+              <a:rPr lang="ru-RU" sz="2000" dirty="0" err="1">
+                <a:latin typeface="Times New Roman" panose="02020603050405020304" pitchFamily="18" charset="0"/>
+                <a:cs typeface="Times New Roman" pitchFamily="18" charset="0"/>
+              </a:rPr>
+              <a:t>Отрисовка</a:t>
+            </a:r>
+            <a:r>
+              <a:rPr lang="ru-RU" sz="2000" dirty="0">
+                <a:latin typeface="Times New Roman" panose="02020603050405020304" pitchFamily="18" charset="0"/>
+                <a:cs typeface="Times New Roman" pitchFamily="18" charset="0"/>
+              </a:rPr>
+              <a:t> изображения</a:t>
+            </a:r>
+          </a:p>
+          <a:p>
+            <a:pPr lvl="1">
+              <a:lnSpc>
+                <a:spcPct val="100000"/>
+              </a:lnSpc>
+              <a:spcBef>
+                <a:spcPts val="0"/>
+              </a:spcBef>
+              <a:buNone/>
+            </a:pPr>
+            <a:r>
+              <a:rPr lang="en-US" sz="2000" dirty="0">
+                <a:latin typeface="Times New Roman" panose="02020603050405020304" pitchFamily="18" charset="0"/>
+                <a:cs typeface="Times New Roman" pitchFamily="18" charset="0"/>
+              </a:rPr>
+              <a:t>return 1;</a:t>
+            </a:r>
+            <a:endParaRPr lang="ru-RU" sz="2000" dirty="0">
+              <a:latin typeface="Times New Roman" panose="02020603050405020304" pitchFamily="18" charset="0"/>
+              <a:cs typeface="Times New Roman" pitchFamily="18" charset="0"/>
+            </a:endParaRPr>
+          </a:p>
+          <a:p>
+            <a:pPr>
+              <a:lnSpc>
+                <a:spcPct val="100000"/>
+              </a:lnSpc>
+              <a:spcBef>
+                <a:spcPts val="0"/>
+              </a:spcBef>
+              <a:buNone/>
+            </a:pPr>
+            <a:r>
+              <a:rPr lang="en-US" sz="2000" dirty="0">
+                <a:latin typeface="Times New Roman" panose="02020603050405020304" pitchFamily="18" charset="0"/>
+                <a:cs typeface="Times New Roman" pitchFamily="18" charset="0"/>
+              </a:rPr>
+              <a:t>}</a:t>
+            </a:r>
+            <a:endParaRPr lang="ru-RU" sz="2000" dirty="0">
+              <a:latin typeface="Times New Roman" pitchFamily="18" charset="0"/>
+              <a:cs typeface="Times New Roman" pitchFamily="18" charset="0"/>
+            </a:endParaRPr>
+          </a:p>
+          <a:p>
+            <a:endParaRPr lang="ru-RU" sz="2000" dirty="0">
+              <a:latin typeface="Times New Roman" pitchFamily="18" charset="0"/>
+              <a:cs typeface="Times New Roman" pitchFamily="18" charset="0"/>
+            </a:endParaRPr>
+          </a:p>
+        </p:txBody>
+      </p:sp>
+      <p:sp>
+        <p:nvSpPr>
+          <p:cNvPr id="4" name="Номер слайда 3"/>
+          <p:cNvSpPr>
+            <a:spLocks noGrp="1"/>
+          </p:cNvSpPr>
+          <p:nvPr>
+            <p:ph type="sldNum" sz="quarter" idx="12"/>
+          </p:nvPr>
+        </p:nvSpPr>
+        <p:spPr>
+          <a:xfrm>
+            <a:off x="10963468" y="6356350"/>
+            <a:ext cx="390331" cy="365125"/>
+          </a:xfrm>
+        </p:spPr>
+        <p:txBody>
+          <a:bodyPr/>
+          <a:lstStyle/>
+          <a:p>
+            <a:fld id="{FC627450-83D9-4009-B099-16FAB8836B44}" type="slidenum">
+              <a:rPr lang="ru-RU" smtClean="0">
+                <a:solidFill>
+                  <a:schemeClr val="tx1"/>
+                </a:solidFill>
+                <a:latin typeface="Times New Roman" panose="02020603050405020304" pitchFamily="18" charset="0"/>
+                <a:cs typeface="Times New Roman" panose="02020603050405020304" pitchFamily="18" charset="0"/>
+              </a:rPr>
+              <a:pPr/>
+              <a:t>15</a:t>
+            </a:fld>
+            <a:endParaRPr lang="ru-RU" dirty="0">
+              <a:solidFill>
+                <a:schemeClr val="tx1"/>
+              </a:solidFill>
+              <a:latin typeface="Times New Roman" panose="02020603050405020304" pitchFamily="18" charset="0"/>
+              <a:cs typeface="Times New Roman" panose="02020603050405020304" pitchFamily="18" charset="0"/>
+            </a:endParaRPr>
+          </a:p>
+        </p:txBody>
+      </p:sp>
+      <p:pic>
+        <p:nvPicPr>
+          <p:cNvPr id="6" name="Рисунок 5">
+            <a:extLst>
+              <a:ext uri="{FF2B5EF4-FFF2-40B4-BE49-F238E27FC236}">
+                <a16:creationId xmlns:a16="http://schemas.microsoft.com/office/drawing/2014/main" id="{5B6C25E4-63B8-4128-81BE-5CBBB599E86D}"/>
+              </a:ext>
+            </a:extLst>
+          </p:cNvPr>
+          <p:cNvPicPr>
+            <a:picLocks noChangeAspect="1"/>
+          </p:cNvPicPr>
+          <p:nvPr/>
+        </p:nvPicPr>
+        <p:blipFill>
+          <a:blip r:embed="rId2">
+            <a:extLst>
+              <a:ext uri="{28A0092B-C50C-407E-A947-70E740481C1C}">
+                <a14:useLocalDpi xmlns:a14="http://schemas.microsoft.com/office/drawing/2010/main" val="0"/>
+              </a:ext>
+            </a:extLst>
+          </a:blip>
+          <a:stretch>
+            <a:fillRect/>
+          </a:stretch>
+        </p:blipFill>
+        <p:spPr>
+          <a:xfrm>
+            <a:off x="7203233" y="1865999"/>
+            <a:ext cx="4670553" cy="3126002"/>
+          </a:xfrm>
+          <a:prstGeom prst="rect">
+            <a:avLst/>
+          </a:prstGeom>
+        </p:spPr>
+      </p:pic>
+    </p:spTree>
+    <p:extLst>
+      <p:ext uri="{BB962C8B-B14F-4D97-AF65-F5344CB8AC3E}">
+        <p14:creationId xmlns:p14="http://schemas.microsoft.com/office/powerpoint/2010/main" val="4158095506"/>
+      </p:ext>
+    </p:extLst>
+  </p:cSld>
+  <p:clrMapOvr>
+    <a:masterClrMapping/>
+  </p:clrMapOvr>
+</p:sld>
+</file>
+
 <file path=ppt/slides/slide2.xml><?xml version="1.0" encoding="utf-8"?>
 <p:sld xmlns:a="http://schemas.openxmlformats.org/drawingml/2006/main" xmlns:r="http://schemas.openxmlformats.org/officeDocument/2006/relationships" xmlns:p="http://schemas.openxmlformats.org/presentationml/2006/main">
   <p:cSld>
@@ -3775,366 +6374,277 @@
             <p:ph type="title"/>
           </p:nvPr>
         </p:nvSpPr>
-        <p:spPr>
-          <a:xfrm>
-            <a:off x="809998" y="871533"/>
-            <a:ext cx="10571998" cy="970450"/>
-          </a:xfrm>
-        </p:spPr>
+        <p:spPr/>
         <p:txBody>
           <a:bodyPr>
             <a:normAutofit/>
           </a:bodyPr>
           <a:lstStyle/>
           <a:p>
-            <a:pPr algn="ctr"/>
-            <a:r>
-              <a:rPr lang="ru-RU" dirty="0"/>
-              <a:t>Информационный слайд</a:t>
-            </a:r>
-          </a:p>
-        </p:txBody>
-      </p:sp>
-      <p:sp>
-        <p:nvSpPr>
-          <p:cNvPr id="4" name="Прямоугольник 3"/>
-          <p:cNvSpPr/>
-          <p:nvPr/>
+            <a:r>
+              <a:rPr lang="ru-RU" sz="2800" dirty="0">
+                <a:latin typeface="Times New Roman" panose="02020603050405020304" pitchFamily="18" charset="0"/>
+                <a:cs typeface="Times New Roman" panose="02020603050405020304" pitchFamily="18" charset="0"/>
+              </a:rPr>
+              <a:t>Задание 1. Реализация команд </a:t>
+            </a:r>
+            <a:r>
+              <a:rPr lang="ru-RU" sz="2800" dirty="0" err="1">
+                <a:latin typeface="Times New Roman" panose="02020603050405020304" pitchFamily="18" charset="0"/>
+                <a:cs typeface="Times New Roman" panose="02020603050405020304" pitchFamily="18" charset="0"/>
+              </a:rPr>
+              <a:t>MSPaint</a:t>
+            </a:r>
+            <a:r>
+              <a:rPr lang="ru-RU" sz="2800" dirty="0">
+                <a:latin typeface="Times New Roman" panose="02020603050405020304" pitchFamily="18" charset="0"/>
+                <a:cs typeface="Times New Roman" panose="02020603050405020304" pitchFamily="18" charset="0"/>
+              </a:rPr>
+              <a:t> и </a:t>
+            </a:r>
+            <a:r>
+              <a:rPr lang="ru-RU" sz="2800" dirty="0" err="1">
+                <a:latin typeface="Times New Roman" panose="02020603050405020304" pitchFamily="18" charset="0"/>
+                <a:cs typeface="Times New Roman" panose="02020603050405020304" pitchFamily="18" charset="0"/>
+              </a:rPr>
+              <a:t>Calc</a:t>
+            </a:r>
+            <a:r>
+              <a:rPr lang="ru-RU" sz="2800" dirty="0">
+                <a:latin typeface="Times New Roman" panose="02020603050405020304" pitchFamily="18" charset="0"/>
+                <a:cs typeface="Times New Roman" panose="02020603050405020304" pitchFamily="18" charset="0"/>
+              </a:rPr>
+              <a:t>. Свойства </a:t>
+            </a:r>
+            <a:r>
+              <a:rPr lang="ru-RU" sz="2800" dirty="0" err="1">
+                <a:latin typeface="Times New Roman" panose="02020603050405020304" pitchFamily="18" charset="0"/>
+                <a:cs typeface="Times New Roman" panose="02020603050405020304" pitchFamily="18" charset="0"/>
+              </a:rPr>
+              <a:t>CheckBox</a:t>
+            </a:r>
+            <a:endParaRPr lang="ru-RU" sz="2800" dirty="0">
+              <a:latin typeface="Times New Roman" panose="02020603050405020304" pitchFamily="18" charset="0"/>
+              <a:cs typeface="Times New Roman" panose="02020603050405020304" pitchFamily="18" charset="0"/>
+            </a:endParaRPr>
+          </a:p>
+        </p:txBody>
+      </p:sp>
+      <p:sp>
+        <p:nvSpPr>
+          <p:cNvPr id="3" name="Объект 2"/>
+          <p:cNvSpPr>
+            <a:spLocks noGrp="1"/>
+          </p:cNvSpPr>
+          <p:nvPr>
+            <p:ph idx="1"/>
+          </p:nvPr>
         </p:nvSpPr>
         <p:spPr>
           <a:xfrm>
-            <a:off x="428984" y="2550830"/>
-            <a:ext cx="11401615" cy="2585323"/>
+            <a:off x="676657" y="2011680"/>
+            <a:ext cx="6638544" cy="3766185"/>
+          </a:xfrm>
+        </p:spPr>
+        <p:txBody>
+          <a:bodyPr anchor="ctr">
+            <a:normAutofit/>
+          </a:bodyPr>
+          <a:lstStyle/>
+          <a:p>
+            <a:pPr marL="0" indent="0" algn="just">
+              <a:buNone/>
+            </a:pPr>
+            <a:r>
+              <a:rPr lang="ru-RU" sz="2000" dirty="0">
+                <a:latin typeface="Times New Roman" panose="02020603050405020304" pitchFamily="18" charset="0"/>
+                <a:cs typeface="Times New Roman" panose="02020603050405020304" pitchFamily="18" charset="0"/>
+              </a:rPr>
+              <a:t>Программный модуль создающий диалоговую панель, в которой при вводе в строку редактирования </a:t>
+            </a:r>
+            <a:r>
+              <a:rPr lang="ru-RU" sz="2000" dirty="0" err="1">
+                <a:latin typeface="Times New Roman" panose="02020603050405020304" pitchFamily="18" charset="0"/>
+                <a:cs typeface="Times New Roman" panose="02020603050405020304" pitchFamily="18" charset="0"/>
+              </a:rPr>
+              <a:t>paint</a:t>
+            </a:r>
+            <a:r>
+              <a:rPr lang="ru-RU" sz="2000" dirty="0">
+                <a:latin typeface="Times New Roman" panose="02020603050405020304" pitchFamily="18" charset="0"/>
+                <a:cs typeface="Times New Roman" panose="02020603050405020304" pitchFamily="18" charset="0"/>
+              </a:rPr>
+              <a:t> или </a:t>
+            </a:r>
+            <a:r>
+              <a:rPr lang="ru-RU" sz="2000" dirty="0" err="1">
+                <a:latin typeface="Times New Roman" panose="02020603050405020304" pitchFamily="18" charset="0"/>
+                <a:cs typeface="Times New Roman" panose="02020603050405020304" pitchFamily="18" charset="0"/>
+              </a:rPr>
+              <a:t>calculator</a:t>
+            </a:r>
+            <a:r>
+              <a:rPr lang="ru-RU" sz="2000" dirty="0">
+                <a:latin typeface="Times New Roman" panose="02020603050405020304" pitchFamily="18" charset="0"/>
+                <a:cs typeface="Times New Roman" panose="02020603050405020304" pitchFamily="18" charset="0"/>
+              </a:rPr>
+              <a:t> запускаются </a:t>
+            </a:r>
+            <a:r>
+              <a:rPr lang="ru-RU" sz="2000" dirty="0" err="1">
+                <a:latin typeface="Times New Roman" panose="02020603050405020304" pitchFamily="18" charset="0"/>
+                <a:cs typeface="Times New Roman" panose="02020603050405020304" pitchFamily="18" charset="0"/>
+              </a:rPr>
+              <a:t>windows</a:t>
+            </a:r>
+            <a:r>
+              <a:rPr lang="ru-RU" sz="2000" dirty="0">
+                <a:latin typeface="Times New Roman" panose="02020603050405020304" pitchFamily="18" charset="0"/>
+                <a:cs typeface="Times New Roman" panose="02020603050405020304" pitchFamily="18" charset="0"/>
+              </a:rPr>
+              <a:t> </a:t>
+            </a:r>
+            <a:r>
+              <a:rPr lang="ru-RU" sz="2000" dirty="0" err="1">
+                <a:latin typeface="Times New Roman" panose="02020603050405020304" pitchFamily="18" charset="0"/>
+                <a:cs typeface="Times New Roman" panose="02020603050405020304" pitchFamily="18" charset="0"/>
+              </a:rPr>
+              <a:t>paint</a:t>
+            </a:r>
+            <a:r>
+              <a:rPr lang="ru-RU" sz="2000" dirty="0">
+                <a:latin typeface="Times New Roman" panose="02020603050405020304" pitchFamily="18" charset="0"/>
+                <a:cs typeface="Times New Roman" panose="02020603050405020304" pitchFamily="18" charset="0"/>
+              </a:rPr>
+              <a:t> или </a:t>
+            </a:r>
+            <a:r>
+              <a:rPr lang="ru-RU" sz="2000" dirty="0" err="1">
+                <a:latin typeface="Times New Roman" panose="02020603050405020304" pitchFamily="18" charset="0"/>
+                <a:cs typeface="Times New Roman" panose="02020603050405020304" pitchFamily="18" charset="0"/>
+              </a:rPr>
+              <a:t>windows</a:t>
+            </a:r>
+            <a:r>
+              <a:rPr lang="ru-RU" sz="2000" dirty="0">
+                <a:latin typeface="Times New Roman" panose="02020603050405020304" pitchFamily="18" charset="0"/>
+                <a:cs typeface="Times New Roman" panose="02020603050405020304" pitchFamily="18" charset="0"/>
+              </a:rPr>
+              <a:t> </a:t>
+            </a:r>
+            <a:r>
+              <a:rPr lang="ru-RU" sz="2000" dirty="0" err="1">
+                <a:latin typeface="Times New Roman" panose="02020603050405020304" pitchFamily="18" charset="0"/>
+                <a:cs typeface="Times New Roman" panose="02020603050405020304" pitchFamily="18" charset="0"/>
+              </a:rPr>
+              <a:t>calculator</a:t>
+            </a:r>
+            <a:r>
+              <a:rPr lang="ru-RU" sz="2000" dirty="0">
+                <a:latin typeface="Times New Roman" panose="02020603050405020304" pitchFamily="18" charset="0"/>
+                <a:cs typeface="Times New Roman" panose="02020603050405020304" pitchFamily="18" charset="0"/>
+              </a:rPr>
+              <a:t>. На данной панели присутствуют чек боксы: видимость и блокировка. В активном состоянии строка видна и доступна для редактирования, при снятии галочек строка исчезает или блокируется.</a:t>
+            </a:r>
+          </a:p>
+          <a:p>
+            <a:pPr marL="0" indent="0" algn="just">
+              <a:buNone/>
+            </a:pPr>
+            <a:endParaRPr lang="ru-RU" dirty="0">
+              <a:latin typeface="Times New Roman" panose="02020603050405020304" pitchFamily="18" charset="0"/>
+              <a:cs typeface="Times New Roman" panose="02020603050405020304" pitchFamily="18" charset="0"/>
+            </a:endParaRPr>
+          </a:p>
+        </p:txBody>
+      </p:sp>
+      <p:sp>
+        <p:nvSpPr>
+          <p:cNvPr id="4" name="Номер слайда 3"/>
+          <p:cNvSpPr>
+            <a:spLocks noGrp="1"/>
+          </p:cNvSpPr>
+          <p:nvPr>
+            <p:ph type="sldNum" sz="quarter" idx="12"/>
+          </p:nvPr>
+        </p:nvSpPr>
+        <p:spPr>
+          <a:xfrm>
+            <a:off x="11122090" y="6356350"/>
+            <a:ext cx="231710" cy="365125"/>
+          </a:xfrm>
+        </p:spPr>
+        <p:txBody>
+          <a:bodyPr/>
+          <a:lstStyle/>
+          <a:p>
+            <a:fld id="{FC627450-83D9-4009-B099-16FAB8836B44}" type="slidenum">
+              <a:rPr lang="ru-RU" smtClean="0">
+                <a:solidFill>
+                  <a:schemeClr val="tx1"/>
+                </a:solidFill>
+                <a:latin typeface="Times New Roman" panose="02020603050405020304" pitchFamily="18" charset="0"/>
+                <a:cs typeface="Times New Roman" panose="02020603050405020304" pitchFamily="18" charset="0"/>
+              </a:rPr>
+              <a:pPr/>
+              <a:t>2</a:t>
+            </a:fld>
+            <a:endParaRPr lang="ru-RU" dirty="0">
+              <a:solidFill>
+                <a:schemeClr val="tx1"/>
+              </a:solidFill>
+              <a:latin typeface="Times New Roman" panose="02020603050405020304" pitchFamily="18" charset="0"/>
+              <a:cs typeface="Times New Roman" panose="02020603050405020304" pitchFamily="18" charset="0"/>
+            </a:endParaRPr>
+          </a:p>
+        </p:txBody>
+      </p:sp>
+      <p:pic>
+        <p:nvPicPr>
+          <p:cNvPr id="6" name="Рисунок 5">
+            <a:extLst>
+              <a:ext uri="{FF2B5EF4-FFF2-40B4-BE49-F238E27FC236}">
+                <a16:creationId xmlns:a16="http://schemas.microsoft.com/office/drawing/2014/main" id="{33173813-B776-42DD-87F3-6ECD53668B2B}"/>
+              </a:ext>
+            </a:extLst>
+          </p:cNvPr>
+          <p:cNvPicPr>
+            <a:picLocks noChangeAspect="1"/>
+          </p:cNvPicPr>
+          <p:nvPr/>
+        </p:nvPicPr>
+        <p:blipFill>
+          <a:blip r:embed="rId2">
+            <a:extLst>
+              <a:ext uri="{28A0092B-C50C-407E-A947-70E740481C1C}">
+                <a14:useLocalDpi xmlns:a14="http://schemas.microsoft.com/office/drawing/2010/main" val="0"/>
+              </a:ext>
+            </a:extLst>
+          </a:blip>
+          <a:stretch>
+            <a:fillRect/>
+          </a:stretch>
+        </p:blipFill>
+        <p:spPr>
+          <a:xfrm>
+            <a:off x="7753350" y="2011680"/>
+            <a:ext cx="3600450" cy="2457450"/>
           </a:xfrm>
           <a:prstGeom prst="rect">
             <a:avLst/>
           </a:prstGeom>
         </p:spPr>
-        <p:txBody>
-          <a:bodyPr wrap="square">
-            <a:spAutoFit/>
-          </a:bodyPr>
-          <a:lstStyle/>
-          <a:p>
-            <a:r>
-              <a:rPr lang="ru-RU" dirty="0"/>
-              <a:t>слайды должны быть оформлены одинаково </a:t>
-            </a:r>
-          </a:p>
-          <a:p>
-            <a:r>
-              <a:rPr lang="ru-RU" dirty="0"/>
-              <a:t>Переходы между ними длительностью не более 1 секунды</a:t>
-            </a:r>
-          </a:p>
-          <a:p>
-            <a:r>
-              <a:rPr lang="ru-RU" dirty="0"/>
-              <a:t>Не должно «</a:t>
-            </a:r>
-            <a:r>
-              <a:rPr lang="ru-RU" dirty="0" err="1"/>
-              <a:t>вырвиглазных</a:t>
-            </a:r>
-            <a:r>
-              <a:rPr lang="ru-RU" dirty="0"/>
-              <a:t>» цветов и сочетаний</a:t>
-            </a:r>
-          </a:p>
-          <a:p>
-            <a:r>
-              <a:rPr lang="ru-RU" dirty="0"/>
-              <a:t>Все слайды пронумерованы (кроме титульного)</a:t>
-            </a:r>
-          </a:p>
-          <a:p>
-            <a:r>
-              <a:rPr lang="ru-RU" dirty="0"/>
-              <a:t>Все слайды имеют заголовки</a:t>
-            </a:r>
-          </a:p>
-          <a:p>
-            <a:endParaRPr lang="ru-RU" dirty="0"/>
-          </a:p>
-          <a:p>
-            <a:r>
-              <a:rPr lang="ru-RU" dirty="0"/>
-              <a:t>По содержанию:</a:t>
-            </a:r>
-          </a:p>
-          <a:p>
-            <a:r>
-              <a:rPr lang="ru-RU" dirty="0"/>
-              <a:t>Описание созданных модулей с указанием принципиальных элементов кода</a:t>
-            </a:r>
-          </a:p>
-          <a:p>
-            <a:pPr algn="ctr"/>
-            <a:endParaRPr lang="ru-RU" dirty="0"/>
-          </a:p>
-        </p:txBody>
-      </p:sp>
-      <p:sp>
-        <p:nvSpPr>
-          <p:cNvPr id="3" name="Номер слайда 2"/>
-          <p:cNvSpPr>
-            <a:spLocks noGrp="1"/>
-          </p:cNvSpPr>
-          <p:nvPr>
-            <p:ph type="sldNum" sz="quarter" idx="12"/>
-          </p:nvPr>
-        </p:nvSpPr>
-        <p:spPr/>
-        <p:txBody>
-          <a:bodyPr/>
-          <a:lstStyle/>
-          <a:p>
-            <a:fld id="{FC627450-83D9-4009-B099-16FAB8836B44}" type="slidenum">
-              <a:rPr lang="ru-RU" sz="2400" smtClean="0">
-                <a:solidFill>
-                  <a:schemeClr val="tx1"/>
-                </a:solidFill>
-              </a:rPr>
-              <a:t>2</a:t>
-            </a:fld>
-            <a:endParaRPr lang="ru-RU" sz="2400" dirty="0">
-              <a:solidFill>
-                <a:schemeClr val="tx1"/>
-              </a:solidFill>
-            </a:endParaRPr>
-          </a:p>
-        </p:txBody>
-      </p:sp>
+      </p:pic>
     </p:spTree>
     <p:extLst>
       <p:ext uri="{BB962C8B-B14F-4D97-AF65-F5344CB8AC3E}">
-        <p14:creationId xmlns:p14="http://schemas.microsoft.com/office/powerpoint/2010/main" val="1721383629"/>
+        <p14:creationId xmlns:p14="http://schemas.microsoft.com/office/powerpoint/2010/main" val="3597653981"/>
       </p:ext>
     </p:extLst>
   </p:cSld>
   <p:clrMapOvr>
     <a:masterClrMapping/>
   </p:clrMapOvr>
-  <p:transition spd="slow">
-    <p:wipe/>
-  </p:transition>
-  <p:timing>
-    <p:tnLst>
-      <p:par>
-        <p:cTn id="1" dur="indefinite" restart="never" nodeType="tmRoot">
-          <p:childTnLst>
-            <p:seq concurrent="1" nextAc="seek">
-              <p:cTn id="2" dur="indefinite" nodeType="mainSeq">
-                <p:childTnLst>
-                  <p:par>
-                    <p:cTn id="3" fill="hold">
-                      <p:stCondLst>
-                        <p:cond delay="indefinite"/>
-                        <p:cond evt="onBegin" delay="0">
-                          <p:tn val="2"/>
-                        </p:cond>
-                      </p:stCondLst>
-                      <p:childTnLst>
-                        <p:par>
-                          <p:cTn id="4" fill="hold">
-                            <p:stCondLst>
-                              <p:cond delay="0"/>
-                            </p:stCondLst>
-                            <p:childTnLst>
-                              <p:par>
-                                <p:cTn id="5" presetID="42" presetClass="entr" presetSubtype="0" fill="hold" grpId="0" nodeType="withEffect">
-                                  <p:stCondLst>
-                                    <p:cond delay="0"/>
-                                  </p:stCondLst>
-                                  <p:childTnLst>
-                                    <p:set>
-                                      <p:cBhvr>
-                                        <p:cTn id="6" dur="1" fill="hold">
-                                          <p:stCondLst>
-                                            <p:cond delay="0"/>
-                                          </p:stCondLst>
-                                        </p:cTn>
-                                        <p:tgtEl>
-                                          <p:spTgt spid="2"/>
-                                        </p:tgtEl>
-                                        <p:attrNameLst>
-                                          <p:attrName>style.visibility</p:attrName>
-                                        </p:attrNameLst>
-                                      </p:cBhvr>
-                                      <p:to>
-                                        <p:strVal val="visible"/>
-                                      </p:to>
-                                    </p:set>
-                                    <p:animEffect transition="in" filter="fade">
-                                      <p:cBhvr>
-                                        <p:cTn id="7" dur="1000"/>
-                                        <p:tgtEl>
-                                          <p:spTgt spid="2"/>
-                                        </p:tgtEl>
-                                      </p:cBhvr>
-                                    </p:animEffect>
-                                    <p:anim calcmode="lin" valueType="num">
-                                      <p:cBhvr>
-                                        <p:cTn id="8" dur="1000" fill="hold"/>
-                                        <p:tgtEl>
-                                          <p:spTgt spid="2"/>
-                                        </p:tgtEl>
-                                        <p:attrNameLst>
-                                          <p:attrName>ppt_x</p:attrName>
-                                        </p:attrNameLst>
-                                      </p:cBhvr>
-                                      <p:tavLst>
-                                        <p:tav tm="0">
-                                          <p:val>
-                                            <p:strVal val="#ppt_x"/>
-                                          </p:val>
-                                        </p:tav>
-                                        <p:tav tm="100000">
-                                          <p:val>
-                                            <p:strVal val="#ppt_x"/>
-                                          </p:val>
-                                        </p:tav>
-                                      </p:tavLst>
-                                    </p:anim>
-                                    <p:anim calcmode="lin" valueType="num">
-                                      <p:cBhvr>
-                                        <p:cTn id="9" dur="1000" fill="hold"/>
-                                        <p:tgtEl>
-                                          <p:spTgt spid="2"/>
-                                        </p:tgtEl>
-                                        <p:attrNameLst>
-                                          <p:attrName>ppt_y</p:attrName>
-                                        </p:attrNameLst>
-                                      </p:cBhvr>
-                                      <p:tavLst>
-                                        <p:tav tm="0">
-                                          <p:val>
-                                            <p:strVal val="#ppt_y+.1"/>
-                                          </p:val>
-                                        </p:tav>
-                                        <p:tav tm="100000">
-                                          <p:val>
-                                            <p:strVal val="#ppt_y"/>
-                                          </p:val>
-                                        </p:tav>
-                                      </p:tavLst>
-                                    </p:anim>
-                                  </p:childTnLst>
-                                </p:cTn>
-                              </p:par>
-                              <p:par>
-                                <p:cTn id="10" presetID="42" presetClass="entr" presetSubtype="0" fill="hold" grpId="0" nodeType="withEffect">
-                                  <p:stCondLst>
-                                    <p:cond delay="0"/>
-                                  </p:stCondLst>
-                                  <p:childTnLst>
-                                    <p:set>
-                                      <p:cBhvr>
-                                        <p:cTn id="11" dur="1" fill="hold">
-                                          <p:stCondLst>
-                                            <p:cond delay="0"/>
-                                          </p:stCondLst>
-                                        </p:cTn>
-                                        <p:tgtEl>
-                                          <p:spTgt spid="4"/>
-                                        </p:tgtEl>
-                                        <p:attrNameLst>
-                                          <p:attrName>style.visibility</p:attrName>
-                                        </p:attrNameLst>
-                                      </p:cBhvr>
-                                      <p:to>
-                                        <p:strVal val="visible"/>
-                                      </p:to>
-                                    </p:set>
-                                    <p:animEffect transition="in" filter="fade">
-                                      <p:cBhvr>
-                                        <p:cTn id="12" dur="1000"/>
-                                        <p:tgtEl>
-                                          <p:spTgt spid="4"/>
-                                        </p:tgtEl>
-                                      </p:cBhvr>
-                                    </p:animEffect>
-                                    <p:anim calcmode="lin" valueType="num">
-                                      <p:cBhvr>
-                                        <p:cTn id="13" dur="1000" fill="hold"/>
-                                        <p:tgtEl>
-                                          <p:spTgt spid="4"/>
-                                        </p:tgtEl>
-                                        <p:attrNameLst>
-                                          <p:attrName>ppt_x</p:attrName>
-                                        </p:attrNameLst>
-                                      </p:cBhvr>
-                                      <p:tavLst>
-                                        <p:tav tm="0">
-                                          <p:val>
-                                            <p:strVal val="#ppt_x"/>
-                                          </p:val>
-                                        </p:tav>
-                                        <p:tav tm="100000">
-                                          <p:val>
-                                            <p:strVal val="#ppt_x"/>
-                                          </p:val>
-                                        </p:tav>
-                                      </p:tavLst>
-                                    </p:anim>
-                                    <p:anim calcmode="lin" valueType="num">
-                                      <p:cBhvr>
-                                        <p:cTn id="14" dur="1000" fill="hold"/>
-                                        <p:tgtEl>
-                                          <p:spTgt spid="4"/>
-                                        </p:tgtEl>
-                                        <p:attrNameLst>
-                                          <p:attrName>ppt_y</p:attrName>
-                                        </p:attrNameLst>
-                                      </p:cBhvr>
-                                      <p:tavLst>
-                                        <p:tav tm="0">
-                                          <p:val>
-                                            <p:strVal val="#ppt_y+.1"/>
-                                          </p:val>
-                                        </p:tav>
-                                        <p:tav tm="100000">
-                                          <p:val>
-                                            <p:strVal val="#ppt_y"/>
-                                          </p:val>
-                                        </p:tav>
-                                      </p:tavLst>
-                                    </p:anim>
-                                  </p:childTnLst>
-                                </p:cTn>
-                              </p:par>
-                            </p:childTnLst>
-                          </p:cTn>
-                        </p:par>
-                      </p:childTnLst>
-                    </p:cTn>
-                  </p:par>
-                </p:childTnLst>
-              </p:cTn>
-              <p:prevCondLst>
-                <p:cond evt="onPrev" delay="0">
-                  <p:tgtEl>
-                    <p:sldTgt/>
-                  </p:tgtEl>
-                </p:cond>
-              </p:prevCondLst>
-              <p:nextCondLst>
-                <p:cond evt="onNext" delay="0">
-                  <p:tgtEl>
-                    <p:sldTgt/>
-                  </p:tgtEl>
-                </p:cond>
-              </p:nextCondLst>
-            </p:seq>
-          </p:childTnLst>
-        </p:cTn>
-      </p:par>
-    </p:tnLst>
-    <p:bldLst>
-      <p:bldP spid="2" grpId="0"/>
-      <p:bldP spid="4" grpId="0"/>
-    </p:bldLst>
-  </p:timing>
 </p:sld>
 </file>
 
@@ -4165,29 +6675,594 @@
             <p:ph type="title"/>
           </p:nvPr>
         </p:nvSpPr>
-        <p:spPr>
-          <a:xfrm>
-            <a:off x="810001" y="441682"/>
-            <a:ext cx="10571998" cy="970450"/>
-          </a:xfrm>
-        </p:spPr>
+        <p:spPr/>
         <p:txBody>
           <a:bodyPr>
             <a:normAutofit/>
           </a:bodyPr>
           <a:lstStyle/>
           <a:p>
-            <a:pPr algn="ctr"/>
-            <a:r>
-              <a:rPr lang="ru-RU" dirty="0"/>
-              <a:t>Название слайда</a:t>
-            </a:r>
-          </a:p>
-        </p:txBody>
-      </p:sp>
-      <p:sp>
-        <p:nvSpPr>
-          <p:cNvPr id="3" name="Номер слайда 2"/>
+            <a:r>
+              <a:rPr lang="ru-RU" sz="2800" dirty="0">
+                <a:latin typeface="Times New Roman" pitchFamily="18" charset="0"/>
+                <a:cs typeface="Times New Roman" pitchFamily="18" charset="0"/>
+              </a:rPr>
+              <a:t>Задание 1. Реализация команд </a:t>
+            </a:r>
+            <a:r>
+              <a:rPr lang="ru-RU" sz="2800" dirty="0" err="1">
+                <a:latin typeface="Times New Roman" pitchFamily="18" charset="0"/>
+                <a:cs typeface="Times New Roman" pitchFamily="18" charset="0"/>
+              </a:rPr>
+              <a:t>MSPaint</a:t>
+            </a:r>
+            <a:r>
+              <a:rPr lang="ru-RU" sz="2800" dirty="0">
+                <a:latin typeface="Times New Roman" pitchFamily="18" charset="0"/>
+                <a:cs typeface="Times New Roman" pitchFamily="18" charset="0"/>
+              </a:rPr>
+              <a:t> и </a:t>
+            </a:r>
+            <a:r>
+              <a:rPr lang="ru-RU" sz="2800" dirty="0" err="1">
+                <a:latin typeface="Times New Roman" pitchFamily="18" charset="0"/>
+                <a:cs typeface="Times New Roman" pitchFamily="18" charset="0"/>
+              </a:rPr>
+              <a:t>Calc</a:t>
+            </a:r>
+            <a:r>
+              <a:rPr lang="ru-RU" sz="2800" dirty="0">
+                <a:latin typeface="Times New Roman" pitchFamily="18" charset="0"/>
+                <a:cs typeface="Times New Roman" pitchFamily="18" charset="0"/>
+              </a:rPr>
+              <a:t>. Свойства </a:t>
+            </a:r>
+            <a:r>
+              <a:rPr lang="ru-RU" sz="2800" dirty="0" err="1">
+                <a:latin typeface="Times New Roman" pitchFamily="18" charset="0"/>
+                <a:cs typeface="Times New Roman" pitchFamily="18" charset="0"/>
+              </a:rPr>
+              <a:t>CheckBox</a:t>
+            </a:r>
+            <a:endParaRPr lang="ru-RU" sz="2800" dirty="0">
+              <a:latin typeface="Times New Roman" pitchFamily="18" charset="0"/>
+              <a:cs typeface="Times New Roman" pitchFamily="18" charset="0"/>
+            </a:endParaRPr>
+          </a:p>
+        </p:txBody>
+      </p:sp>
+      <p:sp>
+        <p:nvSpPr>
+          <p:cNvPr id="3" name="Объект 2"/>
+          <p:cNvSpPr>
+            <a:spLocks noGrp="1"/>
+          </p:cNvSpPr>
+          <p:nvPr>
+            <p:ph idx="1"/>
+          </p:nvPr>
+        </p:nvSpPr>
+        <p:spPr>
+          <a:xfrm>
+            <a:off x="329420" y="1639416"/>
+            <a:ext cx="7900180" cy="4873527"/>
+          </a:xfrm>
+        </p:spPr>
+        <p:txBody>
+          <a:bodyPr>
+            <a:noAutofit/>
+          </a:bodyPr>
+          <a:lstStyle/>
+          <a:p>
+            <a:pPr algn="just">
+              <a:spcBef>
+                <a:spcPts val="0"/>
+              </a:spcBef>
+              <a:buNone/>
+            </a:pPr>
+            <a:r>
+              <a:rPr lang="ru-RU" sz="2000" dirty="0">
+                <a:latin typeface="Times New Roman" pitchFamily="18" charset="0"/>
+                <a:cs typeface="Times New Roman" pitchFamily="18" charset="0"/>
+              </a:rPr>
+              <a:t>Фрагмент кода отвечающий за </a:t>
+            </a:r>
+            <a:r>
+              <a:rPr lang="en-US" sz="2000" dirty="0">
+                <a:latin typeface="Times New Roman" pitchFamily="18" charset="0"/>
+                <a:cs typeface="Times New Roman" pitchFamily="18" charset="0"/>
+              </a:rPr>
+              <a:t>checkbox</a:t>
+            </a:r>
+            <a:r>
+              <a:rPr lang="ru-RU" sz="2000" dirty="0">
+                <a:latin typeface="Times New Roman" pitchFamily="18" charset="0"/>
+                <a:cs typeface="Times New Roman" pitchFamily="18" charset="0"/>
+              </a:rPr>
+              <a:t> Видимость.</a:t>
+            </a:r>
+          </a:p>
+          <a:p>
+            <a:pPr algn="just">
+              <a:spcBef>
+                <a:spcPts val="0"/>
+              </a:spcBef>
+              <a:buNone/>
+            </a:pPr>
+            <a:r>
+              <a:rPr lang="en-US" sz="2000" dirty="0">
+                <a:latin typeface="Times New Roman" pitchFamily="18" charset="0"/>
+                <a:cs typeface="Times New Roman" pitchFamily="18" charset="0"/>
+              </a:rPr>
+              <a:t> else if (</a:t>
+            </a:r>
+            <a:r>
+              <a:rPr lang="en-US" sz="2000" dirty="0" err="1">
+                <a:latin typeface="Times New Roman" pitchFamily="18" charset="0"/>
+                <a:cs typeface="Times New Roman" pitchFamily="18" charset="0"/>
+              </a:rPr>
+              <a:t>wParam</a:t>
+            </a:r>
+            <a:r>
+              <a:rPr lang="en-US" sz="2000" dirty="0">
+                <a:latin typeface="Times New Roman" pitchFamily="18" charset="0"/>
+                <a:cs typeface="Times New Roman" pitchFamily="18" charset="0"/>
+              </a:rPr>
+              <a:t> == IDC_CHECK1) //visible</a:t>
+            </a:r>
+          </a:p>
+          <a:p>
+            <a:pPr algn="just">
+              <a:spcBef>
+                <a:spcPts val="0"/>
+              </a:spcBef>
+              <a:buNone/>
+            </a:pPr>
+            <a:r>
+              <a:rPr lang="en-US" sz="2000" dirty="0">
+                <a:latin typeface="Times New Roman" pitchFamily="18" charset="0"/>
+                <a:cs typeface="Times New Roman" pitchFamily="18" charset="0"/>
+              </a:rPr>
+              <a:t>        {</a:t>
+            </a:r>
+          </a:p>
+          <a:p>
+            <a:pPr algn="just">
+              <a:spcBef>
+                <a:spcPts val="0"/>
+              </a:spcBef>
+              <a:buNone/>
+            </a:pPr>
+            <a:r>
+              <a:rPr lang="en-US" sz="2000" dirty="0">
+                <a:latin typeface="Times New Roman" pitchFamily="18" charset="0"/>
+                <a:cs typeface="Times New Roman" pitchFamily="18" charset="0"/>
+              </a:rPr>
+              <a:t>            auto </a:t>
+            </a:r>
+            <a:r>
+              <a:rPr lang="en-US" sz="2000" dirty="0" err="1">
+                <a:latin typeface="Times New Roman" pitchFamily="18" charset="0"/>
+                <a:cs typeface="Times New Roman" pitchFamily="18" charset="0"/>
+              </a:rPr>
+              <a:t>hwnd</a:t>
+            </a:r>
+            <a:r>
+              <a:rPr lang="en-US" sz="2000" dirty="0">
+                <a:latin typeface="Times New Roman" pitchFamily="18" charset="0"/>
+                <a:cs typeface="Times New Roman" pitchFamily="18" charset="0"/>
+              </a:rPr>
+              <a:t> = </a:t>
+            </a:r>
+            <a:r>
+              <a:rPr lang="en-US" sz="2000" dirty="0" err="1">
+                <a:latin typeface="Times New Roman" pitchFamily="18" charset="0"/>
+                <a:cs typeface="Times New Roman" pitchFamily="18" charset="0"/>
+              </a:rPr>
+              <a:t>GetDlgItem</a:t>
+            </a:r>
+            <a:r>
+              <a:rPr lang="en-US" sz="2000" dirty="0">
+                <a:latin typeface="Times New Roman" pitchFamily="18" charset="0"/>
+                <a:cs typeface="Times New Roman" pitchFamily="18" charset="0"/>
+              </a:rPr>
+              <a:t>(</a:t>
+            </a:r>
+            <a:r>
+              <a:rPr lang="en-US" sz="2000" dirty="0" err="1">
+                <a:latin typeface="Times New Roman" pitchFamily="18" charset="0"/>
+                <a:cs typeface="Times New Roman" pitchFamily="18" charset="0"/>
+              </a:rPr>
+              <a:t>hDlg</a:t>
+            </a:r>
+            <a:r>
+              <a:rPr lang="en-US" sz="2000" dirty="0">
+                <a:latin typeface="Times New Roman" pitchFamily="18" charset="0"/>
+                <a:cs typeface="Times New Roman" pitchFamily="18" charset="0"/>
+              </a:rPr>
+              <a:t>, IDC_CHECK1);</a:t>
+            </a:r>
+          </a:p>
+          <a:p>
+            <a:pPr algn="just">
+              <a:spcBef>
+                <a:spcPts val="0"/>
+              </a:spcBef>
+              <a:buNone/>
+            </a:pPr>
+            <a:r>
+              <a:rPr lang="en-US" sz="2000" dirty="0">
+                <a:latin typeface="Times New Roman" pitchFamily="18" charset="0"/>
+                <a:cs typeface="Times New Roman" pitchFamily="18" charset="0"/>
+              </a:rPr>
+              <a:t>            auto res = </a:t>
+            </a:r>
+            <a:r>
+              <a:rPr lang="en-US" sz="2000" dirty="0" err="1">
+                <a:latin typeface="Times New Roman" pitchFamily="18" charset="0"/>
+                <a:cs typeface="Times New Roman" pitchFamily="18" charset="0"/>
+              </a:rPr>
+              <a:t>SendMessage</a:t>
+            </a:r>
+            <a:r>
+              <a:rPr lang="en-US" sz="2000" dirty="0">
+                <a:latin typeface="Times New Roman" pitchFamily="18" charset="0"/>
+                <a:cs typeface="Times New Roman" pitchFamily="18" charset="0"/>
+              </a:rPr>
+              <a:t>(</a:t>
+            </a:r>
+            <a:r>
+              <a:rPr lang="en-US" sz="2000" dirty="0" err="1">
+                <a:latin typeface="Times New Roman" pitchFamily="18" charset="0"/>
+                <a:cs typeface="Times New Roman" pitchFamily="18" charset="0"/>
+              </a:rPr>
+              <a:t>hwnd</a:t>
+            </a:r>
+            <a:r>
+              <a:rPr lang="en-US" sz="2000" dirty="0">
+                <a:latin typeface="Times New Roman" pitchFamily="18" charset="0"/>
+                <a:cs typeface="Times New Roman" pitchFamily="18" charset="0"/>
+              </a:rPr>
+              <a:t>, BM_GETCHECK, 0, 0);</a:t>
+            </a:r>
+          </a:p>
+          <a:p>
+            <a:pPr algn="just">
+              <a:spcBef>
+                <a:spcPts val="0"/>
+              </a:spcBef>
+              <a:buNone/>
+            </a:pPr>
+            <a:r>
+              <a:rPr lang="en-US" sz="2000" dirty="0">
+                <a:latin typeface="Times New Roman" pitchFamily="18" charset="0"/>
+                <a:cs typeface="Times New Roman" pitchFamily="18" charset="0"/>
+              </a:rPr>
+              <a:t>            if (res == BST_CHECKED)</a:t>
+            </a:r>
+          </a:p>
+          <a:p>
+            <a:pPr algn="just">
+              <a:spcBef>
+                <a:spcPts val="0"/>
+              </a:spcBef>
+              <a:buNone/>
+            </a:pPr>
+            <a:r>
+              <a:rPr lang="en-US" sz="2000" dirty="0">
+                <a:latin typeface="Times New Roman" pitchFamily="18" charset="0"/>
+                <a:cs typeface="Times New Roman" pitchFamily="18" charset="0"/>
+              </a:rPr>
+              <a:t>            {</a:t>
+            </a:r>
+          </a:p>
+          <a:p>
+            <a:pPr algn="just">
+              <a:spcBef>
+                <a:spcPts val="0"/>
+              </a:spcBef>
+              <a:buNone/>
+            </a:pPr>
+            <a:r>
+              <a:rPr lang="en-US" sz="2000" dirty="0">
+                <a:latin typeface="Times New Roman" pitchFamily="18" charset="0"/>
+                <a:cs typeface="Times New Roman" pitchFamily="18" charset="0"/>
+              </a:rPr>
+              <a:t>                auto </a:t>
+            </a:r>
+            <a:r>
+              <a:rPr lang="en-US" sz="2000" dirty="0" err="1">
+                <a:latin typeface="Times New Roman" pitchFamily="18" charset="0"/>
+                <a:cs typeface="Times New Roman" pitchFamily="18" charset="0"/>
+              </a:rPr>
+              <a:t>hwnd_edit</a:t>
+            </a:r>
+            <a:r>
+              <a:rPr lang="en-US" sz="2000" dirty="0">
+                <a:latin typeface="Times New Roman" pitchFamily="18" charset="0"/>
+                <a:cs typeface="Times New Roman" pitchFamily="18" charset="0"/>
+              </a:rPr>
+              <a:t> = </a:t>
+            </a:r>
+            <a:r>
+              <a:rPr lang="en-US" sz="2000" dirty="0" err="1">
+                <a:latin typeface="Times New Roman" pitchFamily="18" charset="0"/>
+                <a:cs typeface="Times New Roman" pitchFamily="18" charset="0"/>
+              </a:rPr>
+              <a:t>GetDlgItem</a:t>
+            </a:r>
+            <a:r>
+              <a:rPr lang="en-US" sz="2000" dirty="0">
+                <a:latin typeface="Times New Roman" pitchFamily="18" charset="0"/>
+                <a:cs typeface="Times New Roman" pitchFamily="18" charset="0"/>
+              </a:rPr>
+              <a:t>(</a:t>
+            </a:r>
+            <a:r>
+              <a:rPr lang="en-US" sz="2000" dirty="0" err="1">
+                <a:latin typeface="Times New Roman" pitchFamily="18" charset="0"/>
+                <a:cs typeface="Times New Roman" pitchFamily="18" charset="0"/>
+              </a:rPr>
+              <a:t>hDlg</a:t>
+            </a:r>
+            <a:r>
+              <a:rPr lang="en-US" sz="2000" dirty="0">
+                <a:latin typeface="Times New Roman" pitchFamily="18" charset="0"/>
+                <a:cs typeface="Times New Roman" pitchFamily="18" charset="0"/>
+              </a:rPr>
+              <a:t>, IDC_EDIT);</a:t>
+            </a:r>
+          </a:p>
+          <a:p>
+            <a:pPr algn="just">
+              <a:spcBef>
+                <a:spcPts val="0"/>
+              </a:spcBef>
+              <a:buNone/>
+            </a:pPr>
+            <a:r>
+              <a:rPr lang="en-US" sz="2000" dirty="0">
+                <a:latin typeface="Times New Roman" pitchFamily="18" charset="0"/>
+                <a:cs typeface="Times New Roman" pitchFamily="18" charset="0"/>
+              </a:rPr>
+              <a:t>                </a:t>
+            </a:r>
+            <a:r>
+              <a:rPr lang="en-US" sz="2000" dirty="0" err="1">
+                <a:latin typeface="Times New Roman" pitchFamily="18" charset="0"/>
+                <a:cs typeface="Times New Roman" pitchFamily="18" charset="0"/>
+              </a:rPr>
+              <a:t>ShowWindow</a:t>
+            </a:r>
+            <a:r>
+              <a:rPr lang="en-US" sz="2000" dirty="0">
+                <a:latin typeface="Times New Roman" pitchFamily="18" charset="0"/>
+                <a:cs typeface="Times New Roman" pitchFamily="18" charset="0"/>
+              </a:rPr>
+              <a:t>(</a:t>
+            </a:r>
+            <a:r>
+              <a:rPr lang="en-US" sz="2000" dirty="0" err="1">
+                <a:latin typeface="Times New Roman" pitchFamily="18" charset="0"/>
+                <a:cs typeface="Times New Roman" pitchFamily="18" charset="0"/>
+              </a:rPr>
+              <a:t>hwnd_edit</a:t>
+            </a:r>
+            <a:r>
+              <a:rPr lang="en-US" sz="2000" dirty="0">
+                <a:latin typeface="Times New Roman" pitchFamily="18" charset="0"/>
+                <a:cs typeface="Times New Roman" pitchFamily="18" charset="0"/>
+              </a:rPr>
+              <a:t>, SW_SHOW);</a:t>
+            </a:r>
+          </a:p>
+          <a:p>
+            <a:pPr algn="just">
+              <a:spcBef>
+                <a:spcPts val="0"/>
+              </a:spcBef>
+              <a:buNone/>
+            </a:pPr>
+            <a:endParaRPr lang="en-US" sz="2000" dirty="0">
+              <a:latin typeface="Times New Roman" pitchFamily="18" charset="0"/>
+              <a:cs typeface="Times New Roman" pitchFamily="18" charset="0"/>
+            </a:endParaRPr>
+          </a:p>
+          <a:p>
+            <a:pPr algn="just">
+              <a:spcBef>
+                <a:spcPts val="0"/>
+              </a:spcBef>
+              <a:buNone/>
+            </a:pPr>
+            <a:r>
+              <a:rPr lang="en-US" sz="2000" dirty="0">
+                <a:latin typeface="Times New Roman" pitchFamily="18" charset="0"/>
+                <a:cs typeface="Times New Roman" pitchFamily="18" charset="0"/>
+              </a:rPr>
+              <a:t>            }</a:t>
+            </a:r>
+          </a:p>
+          <a:p>
+            <a:pPr algn="just">
+              <a:spcBef>
+                <a:spcPts val="0"/>
+              </a:spcBef>
+              <a:buNone/>
+            </a:pPr>
+            <a:r>
+              <a:rPr lang="en-US" sz="2000" dirty="0">
+                <a:latin typeface="Times New Roman" pitchFamily="18" charset="0"/>
+                <a:cs typeface="Times New Roman" pitchFamily="18" charset="0"/>
+              </a:rPr>
+              <a:t>            else if (res == BST_UNCHECKED)</a:t>
+            </a:r>
+          </a:p>
+          <a:p>
+            <a:pPr algn="just">
+              <a:spcBef>
+                <a:spcPts val="0"/>
+              </a:spcBef>
+              <a:buNone/>
+            </a:pPr>
+            <a:r>
+              <a:rPr lang="en-US" sz="2000" dirty="0">
+                <a:latin typeface="Times New Roman" pitchFamily="18" charset="0"/>
+                <a:cs typeface="Times New Roman" pitchFamily="18" charset="0"/>
+              </a:rPr>
+              <a:t>            {</a:t>
+            </a:r>
+          </a:p>
+          <a:p>
+            <a:pPr algn="just">
+              <a:spcBef>
+                <a:spcPts val="0"/>
+              </a:spcBef>
+              <a:buNone/>
+            </a:pPr>
+            <a:r>
+              <a:rPr lang="en-US" sz="2000" dirty="0">
+                <a:latin typeface="Times New Roman" pitchFamily="18" charset="0"/>
+                <a:cs typeface="Times New Roman" pitchFamily="18" charset="0"/>
+              </a:rPr>
+              <a:t>                auto </a:t>
+            </a:r>
+            <a:r>
+              <a:rPr lang="en-US" sz="2000" dirty="0" err="1">
+                <a:latin typeface="Times New Roman" pitchFamily="18" charset="0"/>
+                <a:cs typeface="Times New Roman" pitchFamily="18" charset="0"/>
+              </a:rPr>
+              <a:t>hwnd_edit</a:t>
+            </a:r>
+            <a:r>
+              <a:rPr lang="en-US" sz="2000" dirty="0">
+                <a:latin typeface="Times New Roman" pitchFamily="18" charset="0"/>
+                <a:cs typeface="Times New Roman" pitchFamily="18" charset="0"/>
+              </a:rPr>
+              <a:t> = </a:t>
+            </a:r>
+            <a:r>
+              <a:rPr lang="en-US" sz="2000" dirty="0" err="1">
+                <a:latin typeface="Times New Roman" pitchFamily="18" charset="0"/>
+                <a:cs typeface="Times New Roman" pitchFamily="18" charset="0"/>
+              </a:rPr>
+              <a:t>GetDlgItem</a:t>
+            </a:r>
+            <a:r>
+              <a:rPr lang="en-US" sz="2000" dirty="0">
+                <a:latin typeface="Times New Roman" pitchFamily="18" charset="0"/>
+                <a:cs typeface="Times New Roman" pitchFamily="18" charset="0"/>
+              </a:rPr>
+              <a:t>(</a:t>
+            </a:r>
+            <a:r>
+              <a:rPr lang="en-US" sz="2000" dirty="0" err="1">
+                <a:latin typeface="Times New Roman" pitchFamily="18" charset="0"/>
+                <a:cs typeface="Times New Roman" pitchFamily="18" charset="0"/>
+              </a:rPr>
+              <a:t>hDlg</a:t>
+            </a:r>
+            <a:r>
+              <a:rPr lang="en-US" sz="2000" dirty="0">
+                <a:latin typeface="Times New Roman" pitchFamily="18" charset="0"/>
+                <a:cs typeface="Times New Roman" pitchFamily="18" charset="0"/>
+              </a:rPr>
+              <a:t>, IDC_EDIT);</a:t>
+            </a:r>
+          </a:p>
+          <a:p>
+            <a:pPr algn="just">
+              <a:spcBef>
+                <a:spcPts val="0"/>
+              </a:spcBef>
+              <a:buNone/>
+            </a:pPr>
+            <a:r>
+              <a:rPr lang="en-US" sz="2000" dirty="0">
+                <a:latin typeface="Times New Roman" pitchFamily="18" charset="0"/>
+                <a:cs typeface="Times New Roman" pitchFamily="18" charset="0"/>
+              </a:rPr>
+              <a:t>                </a:t>
+            </a:r>
+            <a:r>
+              <a:rPr lang="en-US" sz="2000" dirty="0" err="1">
+                <a:latin typeface="Times New Roman" pitchFamily="18" charset="0"/>
+                <a:cs typeface="Times New Roman" pitchFamily="18" charset="0"/>
+              </a:rPr>
+              <a:t>ShowWindow</a:t>
+            </a:r>
+            <a:r>
+              <a:rPr lang="en-US" sz="2000" dirty="0">
+                <a:latin typeface="Times New Roman" pitchFamily="18" charset="0"/>
+                <a:cs typeface="Times New Roman" pitchFamily="18" charset="0"/>
+              </a:rPr>
+              <a:t>(</a:t>
+            </a:r>
+            <a:r>
+              <a:rPr lang="en-US" sz="2000" dirty="0" err="1">
+                <a:latin typeface="Times New Roman" pitchFamily="18" charset="0"/>
+                <a:cs typeface="Times New Roman" pitchFamily="18" charset="0"/>
+              </a:rPr>
+              <a:t>hwnd_edit</a:t>
+            </a:r>
+            <a:r>
+              <a:rPr lang="en-US" sz="2000" dirty="0">
+                <a:latin typeface="Times New Roman" pitchFamily="18" charset="0"/>
+                <a:cs typeface="Times New Roman" pitchFamily="18" charset="0"/>
+              </a:rPr>
+              <a:t>, SW_HIDE);</a:t>
+            </a:r>
+          </a:p>
+          <a:p>
+            <a:pPr algn="just">
+              <a:spcBef>
+                <a:spcPts val="0"/>
+              </a:spcBef>
+              <a:buNone/>
+            </a:pPr>
+            <a:r>
+              <a:rPr lang="en-US" sz="2000" dirty="0">
+                <a:latin typeface="Times New Roman" pitchFamily="18" charset="0"/>
+                <a:cs typeface="Times New Roman" pitchFamily="18" charset="0"/>
+              </a:rPr>
+              <a:t>            }</a:t>
+            </a:r>
+          </a:p>
+          <a:p>
+            <a:pPr algn="just">
+              <a:spcBef>
+                <a:spcPts val="0"/>
+              </a:spcBef>
+              <a:buNone/>
+            </a:pPr>
+            <a:r>
+              <a:rPr lang="en-US" sz="2000" dirty="0">
+                <a:latin typeface="Times New Roman" pitchFamily="18" charset="0"/>
+                <a:cs typeface="Times New Roman" pitchFamily="18" charset="0"/>
+              </a:rPr>
+              <a:t>        }</a:t>
+            </a:r>
+          </a:p>
+          <a:p>
+            <a:pPr>
+              <a:spcBef>
+                <a:spcPts val="0"/>
+              </a:spcBef>
+              <a:buNone/>
+            </a:pPr>
+            <a:r>
+              <a:rPr lang="en-US" sz="2000" dirty="0">
+                <a:latin typeface="Times New Roman" pitchFamily="18" charset="0"/>
+                <a:cs typeface="Times New Roman" pitchFamily="18" charset="0"/>
+              </a:rPr>
+              <a:t> </a:t>
+            </a:r>
+            <a:endParaRPr lang="ru-RU" sz="2000" b="1" dirty="0"/>
+          </a:p>
+        </p:txBody>
+      </p:sp>
+      <p:sp>
+        <p:nvSpPr>
+          <p:cNvPr id="4" name="Номер слайда 3"/>
           <p:cNvSpPr>
             <a:spLocks noGrp="1"/>
           </p:cNvSpPr>
@@ -4195,20 +7270,26 @@
             <p:ph type="sldNum" sz="quarter" idx="12"/>
           </p:nvPr>
         </p:nvSpPr>
-        <p:spPr/>
+        <p:spPr>
+          <a:xfrm>
+            <a:off x="11075436" y="6356350"/>
+            <a:ext cx="278363" cy="365125"/>
+          </a:xfrm>
+        </p:spPr>
         <p:txBody>
           <a:bodyPr/>
           <a:lstStyle/>
           <a:p>
             <a:fld id="{FC627450-83D9-4009-B099-16FAB8836B44}" type="slidenum">
-              <a:rPr lang="ru-RU" sz="2400" smtClean="0">
+              <a:rPr lang="ru-RU" smtClean="0">
                 <a:solidFill>
                   <a:schemeClr val="tx1"/>
                 </a:solidFill>
               </a:rPr>
+              <a:pPr/>
               <a:t>3</a:t>
             </a:fld>
-            <a:endParaRPr lang="ru-RU" sz="2400" dirty="0">
+            <a:endParaRPr lang="ru-RU" dirty="0">
               <a:solidFill>
                 <a:schemeClr val="tx1"/>
               </a:solidFill>
@@ -4216,195 +7297,52 @@
           </a:p>
         </p:txBody>
       </p:sp>
-      <p:sp>
-        <p:nvSpPr>
-          <p:cNvPr id="5" name="TextBox 4"/>
-          <p:cNvSpPr txBox="1"/>
+      <p:pic>
+        <p:nvPicPr>
+          <p:cNvPr id="6" name="Рисунок 5">
+            <a:extLst>
+              <a:ext uri="{FF2B5EF4-FFF2-40B4-BE49-F238E27FC236}">
+                <a16:creationId xmlns:a16="http://schemas.microsoft.com/office/drawing/2014/main" id="{00AAB022-181D-4291-8940-6B0C8D6350E5}"/>
+              </a:ext>
+            </a:extLst>
+          </p:cNvPr>
+          <p:cNvPicPr>
+            <a:picLocks noChangeAspect="1"/>
+          </p:cNvPicPr>
           <p:nvPr/>
-        </p:nvSpPr>
+        </p:nvPicPr>
+        <p:blipFill>
+          <a:blip r:embed="rId2">
+            <a:extLst>
+              <a:ext uri="{28A0092B-C50C-407E-A947-70E740481C1C}">
+                <a14:useLocalDpi xmlns:a14="http://schemas.microsoft.com/office/drawing/2010/main" val="0"/>
+              </a:ext>
+            </a:extLst>
+          </a:blip>
+          <a:stretch>
+            <a:fillRect/>
+          </a:stretch>
+        </p:blipFill>
         <p:spPr>
           <a:xfrm>
-            <a:off x="810001" y="1412132"/>
-            <a:ext cx="7596951" cy="923330"/>
+            <a:off x="7273018" y="1690688"/>
+            <a:ext cx="4438650" cy="3028950"/>
           </a:xfrm>
           <a:prstGeom prst="rect">
             <a:avLst/>
           </a:prstGeom>
-          <a:noFill/>
         </p:spPr>
-        <p:txBody>
-          <a:bodyPr wrap="none" rtlCol="0">
-            <a:spAutoFit/>
-          </a:bodyPr>
-          <a:lstStyle/>
-          <a:p>
-            <a:r>
-              <a:rPr lang="ru-RU" dirty="0"/>
-              <a:t>Краткое описание модуля</a:t>
-            </a:r>
-          </a:p>
-          <a:p>
-            <a:r>
-              <a:rPr lang="ru-RU" dirty="0"/>
-              <a:t>Изображение результата</a:t>
-            </a:r>
-          </a:p>
-          <a:p>
-            <a:r>
-              <a:rPr lang="ru-RU" dirty="0"/>
-              <a:t>(2слайд – описание того кода который реализует интересующую функцию)</a:t>
-            </a:r>
-          </a:p>
-        </p:txBody>
-      </p:sp>
+      </p:pic>
     </p:spTree>
     <p:extLst>
       <p:ext uri="{BB962C8B-B14F-4D97-AF65-F5344CB8AC3E}">
-        <p14:creationId xmlns:p14="http://schemas.microsoft.com/office/powerpoint/2010/main" val="3568013318"/>
+        <p14:creationId xmlns:p14="http://schemas.microsoft.com/office/powerpoint/2010/main" val="1651262383"/>
       </p:ext>
     </p:extLst>
   </p:cSld>
   <p:clrMapOvr>
     <a:masterClrMapping/>
   </p:clrMapOvr>
-  <p:transition spd="slow">
-    <p:wipe/>
-  </p:transition>
-  <p:timing>
-    <p:tnLst>
-      <p:par>
-        <p:cTn id="1" dur="indefinite" restart="never" nodeType="tmRoot">
-          <p:childTnLst>
-            <p:seq concurrent="1" nextAc="seek">
-              <p:cTn id="2" dur="indefinite" nodeType="mainSeq">
-                <p:childTnLst>
-                  <p:par>
-                    <p:cTn id="3" fill="hold">
-                      <p:stCondLst>
-                        <p:cond delay="indefinite"/>
-                        <p:cond evt="onBegin" delay="0">
-                          <p:tn val="2"/>
-                        </p:cond>
-                      </p:stCondLst>
-                      <p:childTnLst>
-                        <p:par>
-                          <p:cTn id="4" fill="hold">
-                            <p:stCondLst>
-                              <p:cond delay="0"/>
-                            </p:stCondLst>
-                            <p:childTnLst>
-                              <p:par>
-                                <p:cTn id="5" presetID="42" presetClass="entr" presetSubtype="0" fill="hold" grpId="0" nodeType="withEffect">
-                                  <p:stCondLst>
-                                    <p:cond delay="0"/>
-                                  </p:stCondLst>
-                                  <p:childTnLst>
-                                    <p:set>
-                                      <p:cBhvr>
-                                        <p:cTn id="6" dur="1" fill="hold">
-                                          <p:stCondLst>
-                                            <p:cond delay="0"/>
-                                          </p:stCondLst>
-                                        </p:cTn>
-                                        <p:tgtEl>
-                                          <p:spTgt spid="2"/>
-                                        </p:tgtEl>
-                                        <p:attrNameLst>
-                                          <p:attrName>style.visibility</p:attrName>
-                                        </p:attrNameLst>
-                                      </p:cBhvr>
-                                      <p:to>
-                                        <p:strVal val="visible"/>
-                                      </p:to>
-                                    </p:set>
-                                    <p:animEffect transition="in" filter="fade">
-                                      <p:cBhvr>
-                                        <p:cTn id="7" dur="1000"/>
-                                        <p:tgtEl>
-                                          <p:spTgt spid="2"/>
-                                        </p:tgtEl>
-                                      </p:cBhvr>
-                                    </p:animEffect>
-                                    <p:anim calcmode="lin" valueType="num">
-                                      <p:cBhvr>
-                                        <p:cTn id="8" dur="1000" fill="hold"/>
-                                        <p:tgtEl>
-                                          <p:spTgt spid="2"/>
-                                        </p:tgtEl>
-                                        <p:attrNameLst>
-                                          <p:attrName>ppt_x</p:attrName>
-                                        </p:attrNameLst>
-                                      </p:cBhvr>
-                                      <p:tavLst>
-                                        <p:tav tm="0">
-                                          <p:val>
-                                            <p:strVal val="#ppt_x"/>
-                                          </p:val>
-                                        </p:tav>
-                                        <p:tav tm="100000">
-                                          <p:val>
-                                            <p:strVal val="#ppt_x"/>
-                                          </p:val>
-                                        </p:tav>
-                                      </p:tavLst>
-                                    </p:anim>
-                                    <p:anim calcmode="lin" valueType="num">
-                                      <p:cBhvr>
-                                        <p:cTn id="9" dur="1000" fill="hold"/>
-                                        <p:tgtEl>
-                                          <p:spTgt spid="2"/>
-                                        </p:tgtEl>
-                                        <p:attrNameLst>
-                                          <p:attrName>ppt_y</p:attrName>
-                                        </p:attrNameLst>
-                                      </p:cBhvr>
-                                      <p:tavLst>
-                                        <p:tav tm="0">
-                                          <p:val>
-                                            <p:strVal val="#ppt_y+.1"/>
-                                          </p:val>
-                                        </p:tav>
-                                        <p:tav tm="100000">
-                                          <p:val>
-                                            <p:strVal val="#ppt_y"/>
-                                          </p:val>
-                                        </p:tav>
-                                      </p:tavLst>
-                                    </p:anim>
-                                  </p:childTnLst>
-                                </p:cTn>
-                              </p:par>
-                            </p:childTnLst>
-                          </p:cTn>
-                        </p:par>
-                      </p:childTnLst>
-                    </p:cTn>
-                  </p:par>
-                </p:childTnLst>
-              </p:cTn>
-              <p:prevCondLst>
-                <p:cond evt="onPrev" delay="0">
-                  <p:tgtEl>
-                    <p:sldTgt/>
-                  </p:tgtEl>
-                </p:cond>
-              </p:prevCondLst>
-              <p:nextCondLst>
-                <p:cond evt="onNext" delay="0">
-                  <p:tgtEl>
-                    <p:sldTgt/>
-                  </p:tgtEl>
-                </p:cond>
-              </p:nextCondLst>
-            </p:seq>
-          </p:childTnLst>
-        </p:cTn>
-      </p:par>
-    </p:tnLst>
-    <p:bldLst>
-      <p:bldP spid="2" grpId="0"/>
-    </p:bldLst>
-  </p:timing>
 </p:sld>
 </file>
 
@@ -4427,117 +7365,2028 @@
       </p:grpSpPr>
       <p:sp>
         <p:nvSpPr>
-          <p:cNvPr id="2" name="Заголовок 1">
+          <p:cNvPr id="2" name="Заголовок 1"/>
+          <p:cNvSpPr>
+            <a:spLocks noGrp="1"/>
+          </p:cNvSpPr>
+          <p:nvPr>
+            <p:ph type="title"/>
+          </p:nvPr>
+        </p:nvSpPr>
+        <p:spPr/>
+        <p:txBody>
+          <a:bodyPr>
+            <a:normAutofit/>
+          </a:bodyPr>
+          <a:lstStyle/>
+          <a:p>
+            <a:r>
+              <a:rPr lang="ru-RU" sz="2800" dirty="0">
+                <a:latin typeface="Times New Roman" panose="02020603050405020304" pitchFamily="18" charset="0"/>
+                <a:cs typeface="Times New Roman" panose="02020603050405020304" pitchFamily="18" charset="0"/>
+              </a:rPr>
+              <a:t>Задание 2. Рисование в окне курсором мыши</a:t>
+            </a:r>
+          </a:p>
+        </p:txBody>
+      </p:sp>
+      <p:sp>
+        <p:nvSpPr>
+          <p:cNvPr id="3" name="Объект 2"/>
+          <p:cNvSpPr>
+            <a:spLocks noGrp="1"/>
+          </p:cNvSpPr>
+          <p:nvPr>
+            <p:ph idx="1"/>
+          </p:nvPr>
+        </p:nvSpPr>
+        <p:spPr>
+          <a:xfrm>
+            <a:off x="676274" y="2372165"/>
+            <a:ext cx="5970711" cy="3766185"/>
+          </a:xfrm>
+        </p:spPr>
+        <p:txBody>
+          <a:bodyPr>
+            <a:normAutofit/>
+          </a:bodyPr>
+          <a:lstStyle/>
+          <a:p>
+            <a:pPr marL="0" indent="0" algn="just">
+              <a:spcBef>
+                <a:spcPts val="0"/>
+              </a:spcBef>
+              <a:buNone/>
+            </a:pPr>
+            <a:r>
+              <a:rPr lang="ru-RU" sz="2000" dirty="0">
+                <a:latin typeface="Times New Roman" panose="02020603050405020304" pitchFamily="18" charset="0"/>
+                <a:cs typeface="Times New Roman" panose="02020603050405020304" pitchFamily="18" charset="0"/>
+              </a:rPr>
+              <a:t>Программный модуль, в котором предусмотрена возможность для рисования с помощью линий, установленного цвета и размера в соответствии с движением мыши. Условия: наличие возможности выбора цветов (из списка), наличие возможности выбора толщины линий, наличие кнопки "Выход".</a:t>
+            </a:r>
+          </a:p>
+          <a:p>
+            <a:pPr algn="just"/>
+            <a:endParaRPr lang="ru-RU" sz="2000" dirty="0">
+              <a:latin typeface="Times New Roman" panose="02020603050405020304" pitchFamily="18" charset="0"/>
+              <a:cs typeface="Times New Roman" panose="02020603050405020304" pitchFamily="18" charset="0"/>
+            </a:endParaRPr>
+          </a:p>
+        </p:txBody>
+      </p:sp>
+      <p:sp>
+        <p:nvSpPr>
+          <p:cNvPr id="4" name="Номер слайда 3"/>
+          <p:cNvSpPr>
+            <a:spLocks noGrp="1"/>
+          </p:cNvSpPr>
+          <p:nvPr>
+            <p:ph type="sldNum" sz="quarter" idx="12"/>
+          </p:nvPr>
+        </p:nvSpPr>
+        <p:spPr>
+          <a:xfrm>
+            <a:off x="11131420" y="6356350"/>
+            <a:ext cx="222380" cy="365125"/>
+          </a:xfrm>
+        </p:spPr>
+        <p:txBody>
+          <a:bodyPr/>
+          <a:lstStyle/>
+          <a:p>
+            <a:fld id="{FC627450-83D9-4009-B099-16FAB8836B44}" type="slidenum">
+              <a:rPr lang="ru-RU" smtClean="0">
+                <a:solidFill>
+                  <a:schemeClr val="tx1"/>
+                </a:solidFill>
+                <a:latin typeface="Times New Roman" panose="02020603050405020304" pitchFamily="18" charset="0"/>
+                <a:cs typeface="Times New Roman" panose="02020603050405020304" pitchFamily="18" charset="0"/>
+              </a:rPr>
+              <a:pPr/>
+              <a:t>4</a:t>
+            </a:fld>
+            <a:endParaRPr lang="ru-RU">
+              <a:solidFill>
+                <a:schemeClr val="tx1"/>
+              </a:solidFill>
+              <a:latin typeface="Times New Roman" panose="02020603050405020304" pitchFamily="18" charset="0"/>
+              <a:cs typeface="Times New Roman" panose="02020603050405020304" pitchFamily="18" charset="0"/>
+            </a:endParaRPr>
+          </a:p>
+        </p:txBody>
+      </p:sp>
+      <p:pic>
+        <p:nvPicPr>
+          <p:cNvPr id="6" name="Рисунок 5">
             <a:extLst>
               <a:ext uri="{FF2B5EF4-FFF2-40B4-BE49-F238E27FC236}">
-                <a16:creationId xmlns:a16="http://schemas.microsoft.com/office/drawing/2014/main" id="{BAA78D8A-5C12-4C1D-ABC8-B72F6D136D94}"/>
+                <a16:creationId xmlns:a16="http://schemas.microsoft.com/office/drawing/2014/main" id="{0DCF7912-6FFD-4F07-AB10-749BA8D71F9E}"/>
               </a:ext>
             </a:extLst>
           </p:cNvPr>
-          <p:cNvSpPr>
-            <a:spLocks noGrp="1"/>
-          </p:cNvSpPr>
-          <p:nvPr>
-            <p:ph type="title"/>
-          </p:nvPr>
-        </p:nvSpPr>
+          <p:cNvPicPr>
+            <a:picLocks noChangeAspect="1"/>
+          </p:cNvPicPr>
+          <p:nvPr/>
+        </p:nvPicPr>
+        <p:blipFill rotWithShape="1">
+          <a:blip r:embed="rId2" cstate="print">
+            <a:extLst>
+              <a:ext uri="{28A0092B-C50C-407E-A947-70E740481C1C}">
+                <a14:useLocalDpi xmlns:a14="http://schemas.microsoft.com/office/drawing/2010/main" val="0"/>
+              </a:ext>
+            </a:extLst>
+          </a:blip>
+          <a:srcRect t="14126" r="16682" b="13384"/>
+          <a:stretch/>
+        </p:blipFill>
         <p:spPr>
           <a:xfrm>
-            <a:off x="838200" y="365126"/>
-            <a:ext cx="10515600" cy="717226"/>
+            <a:off x="7213599" y="2372165"/>
+            <a:ext cx="3759201" cy="1819470"/>
+          </a:xfrm>
+          <a:prstGeom prst="rect">
+            <a:avLst/>
+          </a:prstGeom>
+        </p:spPr>
+      </p:pic>
+    </p:spTree>
+    <p:extLst>
+      <p:ext uri="{BB962C8B-B14F-4D97-AF65-F5344CB8AC3E}">
+        <p14:creationId xmlns:p14="http://schemas.microsoft.com/office/powerpoint/2010/main" val="4176715748"/>
+      </p:ext>
+    </p:extLst>
+  </p:cSld>
+  <p:clrMapOvr>
+    <a:masterClrMapping/>
+  </p:clrMapOvr>
+</p:sld>
+</file>
+
+<file path=ppt/slides/slide5.xml><?xml version="1.0" encoding="utf-8"?>
+<p:sld xmlns:a="http://schemas.openxmlformats.org/drawingml/2006/main" xmlns:r="http://schemas.openxmlformats.org/officeDocument/2006/relationships" xmlns:p="http://schemas.openxmlformats.org/presentationml/2006/main">
+  <p:cSld>
+    <p:spTree>
+      <p:nvGrpSpPr>
+        <p:cNvPr id="1" name=""/>
+        <p:cNvGrpSpPr/>
+        <p:nvPr/>
+      </p:nvGrpSpPr>
+      <p:grpSpPr>
+        <a:xfrm>
+          <a:off x="0" y="0"/>
+          <a:ext cx="0" cy="0"/>
+          <a:chOff x="0" y="0"/>
+          <a:chExt cx="0" cy="0"/>
+        </a:xfrm>
+      </p:grpSpPr>
+      <p:sp>
+        <p:nvSpPr>
+          <p:cNvPr id="2" name="Заголовок 1"/>
+          <p:cNvSpPr>
+            <a:spLocks noGrp="1"/>
+          </p:cNvSpPr>
+          <p:nvPr>
+            <p:ph type="title"/>
+          </p:nvPr>
+        </p:nvSpPr>
+        <p:spPr/>
+        <p:txBody>
+          <a:bodyPr>
+            <a:normAutofit/>
+          </a:bodyPr>
+          <a:lstStyle/>
+          <a:p>
+            <a:r>
+              <a:rPr lang="ru-RU" sz="2800" dirty="0">
+                <a:latin typeface="Times New Roman" pitchFamily="18" charset="0"/>
+                <a:cs typeface="Times New Roman" pitchFamily="18" charset="0"/>
+              </a:rPr>
+              <a:t>Задание 2. Рисование в окне курсором мыши</a:t>
+            </a:r>
+          </a:p>
+        </p:txBody>
+      </p:sp>
+      <p:sp>
+        <p:nvSpPr>
+          <p:cNvPr id="3" name="Объект 2"/>
+          <p:cNvSpPr>
+            <a:spLocks noGrp="1"/>
+          </p:cNvSpPr>
+          <p:nvPr>
+            <p:ph idx="1"/>
+          </p:nvPr>
+        </p:nvSpPr>
+        <p:spPr>
+          <a:xfrm>
+            <a:off x="225904" y="1287493"/>
+            <a:ext cx="8219357" cy="5165065"/>
           </a:xfrm>
         </p:spPr>
         <p:txBody>
+          <a:bodyPr>
+            <a:normAutofit fontScale="77500" lnSpcReduction="20000"/>
+          </a:bodyPr>
+          <a:lstStyle/>
+          <a:p>
+            <a:pPr>
+              <a:lnSpc>
+                <a:spcPct val="120000"/>
+              </a:lnSpc>
+              <a:spcBef>
+                <a:spcPts val="0"/>
+              </a:spcBef>
+              <a:buNone/>
+            </a:pPr>
+            <a:r>
+              <a:rPr lang="en-US" sz="2900" dirty="0">
+                <a:latin typeface="Times New Roman" pitchFamily="18" charset="0"/>
+                <a:cs typeface="Times New Roman" pitchFamily="18" charset="0"/>
+              </a:rPr>
+              <a:t>case WM_LBUTTONDOWN:</a:t>
+            </a:r>
+          </a:p>
+          <a:p>
+            <a:pPr>
+              <a:lnSpc>
+                <a:spcPct val="120000"/>
+              </a:lnSpc>
+              <a:spcBef>
+                <a:spcPts val="0"/>
+              </a:spcBef>
+              <a:buNone/>
+            </a:pPr>
+            <a:r>
+              <a:rPr lang="en-US" sz="2900" dirty="0">
+                <a:latin typeface="Times New Roman" pitchFamily="18" charset="0"/>
+                <a:cs typeface="Times New Roman" pitchFamily="18" charset="0"/>
+              </a:rPr>
+              <a:t>	</a:t>
+            </a:r>
+            <a:r>
+              <a:rPr lang="en-US" sz="2900" dirty="0" err="1">
+                <a:latin typeface="Times New Roman" pitchFamily="18" charset="0"/>
+                <a:cs typeface="Times New Roman" pitchFamily="18" charset="0"/>
+              </a:rPr>
+              <a:t>fDraw</a:t>
+            </a:r>
+            <a:r>
+              <a:rPr lang="en-US" sz="2900" dirty="0">
+                <a:latin typeface="Times New Roman" pitchFamily="18" charset="0"/>
+                <a:cs typeface="Times New Roman" pitchFamily="18" charset="0"/>
+              </a:rPr>
+              <a:t> = TRUE;</a:t>
+            </a:r>
+          </a:p>
+          <a:p>
+            <a:pPr>
+              <a:lnSpc>
+                <a:spcPct val="120000"/>
+              </a:lnSpc>
+              <a:spcBef>
+                <a:spcPts val="0"/>
+              </a:spcBef>
+              <a:buNone/>
+            </a:pPr>
+            <a:r>
+              <a:rPr lang="en-US" sz="2900" dirty="0">
+                <a:latin typeface="Times New Roman" pitchFamily="18" charset="0"/>
+                <a:cs typeface="Times New Roman" pitchFamily="18" charset="0"/>
+              </a:rPr>
+              <a:t>	</a:t>
+            </a:r>
+            <a:r>
+              <a:rPr lang="en-US" sz="2900" dirty="0" err="1">
+                <a:latin typeface="Times New Roman" pitchFamily="18" charset="0"/>
+                <a:cs typeface="Times New Roman" pitchFamily="18" charset="0"/>
+              </a:rPr>
+              <a:t>ptPrevious.x</a:t>
+            </a:r>
+            <a:r>
+              <a:rPr lang="en-US" sz="2900" dirty="0">
+                <a:latin typeface="Times New Roman" pitchFamily="18" charset="0"/>
+                <a:cs typeface="Times New Roman" pitchFamily="18" charset="0"/>
+              </a:rPr>
+              <a:t> = LOWORD(</a:t>
+            </a:r>
+            <a:r>
+              <a:rPr lang="en-US" sz="2900" dirty="0" err="1">
+                <a:latin typeface="Times New Roman" pitchFamily="18" charset="0"/>
+                <a:cs typeface="Times New Roman" pitchFamily="18" charset="0"/>
+              </a:rPr>
+              <a:t>lParam</a:t>
+            </a:r>
+            <a:r>
+              <a:rPr lang="en-US" sz="2900" dirty="0">
+                <a:latin typeface="Times New Roman" pitchFamily="18" charset="0"/>
+                <a:cs typeface="Times New Roman" pitchFamily="18" charset="0"/>
+              </a:rPr>
+              <a:t>);</a:t>
+            </a:r>
+          </a:p>
+          <a:p>
+            <a:pPr>
+              <a:lnSpc>
+                <a:spcPct val="120000"/>
+              </a:lnSpc>
+              <a:spcBef>
+                <a:spcPts val="0"/>
+              </a:spcBef>
+              <a:buNone/>
+            </a:pPr>
+            <a:r>
+              <a:rPr lang="en-US" sz="2900" dirty="0">
+                <a:latin typeface="Times New Roman" pitchFamily="18" charset="0"/>
+                <a:cs typeface="Times New Roman" pitchFamily="18" charset="0"/>
+              </a:rPr>
+              <a:t>	</a:t>
+            </a:r>
+            <a:r>
+              <a:rPr lang="en-US" sz="2900" dirty="0" err="1">
+                <a:latin typeface="Times New Roman" pitchFamily="18" charset="0"/>
+                <a:cs typeface="Times New Roman" pitchFamily="18" charset="0"/>
+              </a:rPr>
+              <a:t>ptPrevious.y</a:t>
+            </a:r>
+            <a:r>
+              <a:rPr lang="en-US" sz="2900" dirty="0">
+                <a:latin typeface="Times New Roman" pitchFamily="18" charset="0"/>
+                <a:cs typeface="Times New Roman" pitchFamily="18" charset="0"/>
+              </a:rPr>
+              <a:t> = HIWORD(</a:t>
+            </a:r>
+            <a:r>
+              <a:rPr lang="en-US" sz="2900" dirty="0" err="1">
+                <a:latin typeface="Times New Roman" pitchFamily="18" charset="0"/>
+                <a:cs typeface="Times New Roman" pitchFamily="18" charset="0"/>
+              </a:rPr>
+              <a:t>lParam</a:t>
+            </a:r>
+            <a:r>
+              <a:rPr lang="en-US" sz="2900" dirty="0">
+                <a:latin typeface="Times New Roman" pitchFamily="18" charset="0"/>
+                <a:cs typeface="Times New Roman" pitchFamily="18" charset="0"/>
+              </a:rPr>
+              <a:t>);</a:t>
+            </a:r>
+          </a:p>
+          <a:p>
+            <a:pPr>
+              <a:lnSpc>
+                <a:spcPct val="120000"/>
+              </a:lnSpc>
+              <a:spcBef>
+                <a:spcPts val="0"/>
+              </a:spcBef>
+              <a:buNone/>
+            </a:pPr>
+            <a:r>
+              <a:rPr lang="en-US" sz="2900" dirty="0">
+                <a:latin typeface="Times New Roman" pitchFamily="18" charset="0"/>
+                <a:cs typeface="Times New Roman" pitchFamily="18" charset="0"/>
+              </a:rPr>
+              <a:t>	break;</a:t>
+            </a:r>
+          </a:p>
+          <a:p>
+            <a:pPr>
+              <a:lnSpc>
+                <a:spcPct val="120000"/>
+              </a:lnSpc>
+              <a:spcBef>
+                <a:spcPts val="0"/>
+              </a:spcBef>
+              <a:buNone/>
+            </a:pPr>
+            <a:r>
+              <a:rPr lang="en-US" sz="2900" dirty="0">
+                <a:latin typeface="Times New Roman" pitchFamily="18" charset="0"/>
+                <a:cs typeface="Times New Roman" pitchFamily="18" charset="0"/>
+              </a:rPr>
+              <a:t>case WM_LBUTTONUP:</a:t>
+            </a:r>
+          </a:p>
+          <a:p>
+            <a:pPr>
+              <a:lnSpc>
+                <a:spcPct val="120000"/>
+              </a:lnSpc>
+              <a:spcBef>
+                <a:spcPts val="0"/>
+              </a:spcBef>
+              <a:buNone/>
+            </a:pPr>
+            <a:r>
+              <a:rPr lang="en-US" sz="2900" dirty="0">
+                <a:latin typeface="Times New Roman" pitchFamily="18" charset="0"/>
+                <a:cs typeface="Times New Roman" pitchFamily="18" charset="0"/>
+              </a:rPr>
+              <a:t>	if (</a:t>
+            </a:r>
+            <a:r>
+              <a:rPr lang="en-US" sz="2900" dirty="0" err="1">
+                <a:latin typeface="Times New Roman" pitchFamily="18" charset="0"/>
+                <a:cs typeface="Times New Roman" pitchFamily="18" charset="0"/>
+              </a:rPr>
+              <a:t>fDraw</a:t>
+            </a:r>
+            <a:r>
+              <a:rPr lang="en-US" sz="2900" dirty="0">
+                <a:latin typeface="Times New Roman" pitchFamily="18" charset="0"/>
+                <a:cs typeface="Times New Roman" pitchFamily="18" charset="0"/>
+              </a:rPr>
+              <a:t>)</a:t>
+            </a:r>
+          </a:p>
+          <a:p>
+            <a:pPr>
+              <a:lnSpc>
+                <a:spcPct val="120000"/>
+              </a:lnSpc>
+              <a:spcBef>
+                <a:spcPts val="0"/>
+              </a:spcBef>
+              <a:buNone/>
+            </a:pPr>
+            <a:r>
+              <a:rPr lang="en-US" sz="2900" dirty="0">
+                <a:latin typeface="Times New Roman" pitchFamily="18" charset="0"/>
+                <a:cs typeface="Times New Roman" pitchFamily="18" charset="0"/>
+              </a:rPr>
+              <a:t>	{</a:t>
+            </a:r>
+          </a:p>
+          <a:p>
+            <a:pPr>
+              <a:lnSpc>
+                <a:spcPct val="120000"/>
+              </a:lnSpc>
+              <a:spcBef>
+                <a:spcPts val="0"/>
+              </a:spcBef>
+              <a:buNone/>
+            </a:pPr>
+            <a:r>
+              <a:rPr lang="en-US" sz="2900" dirty="0">
+                <a:latin typeface="Times New Roman" pitchFamily="18" charset="0"/>
+                <a:cs typeface="Times New Roman" pitchFamily="18" charset="0"/>
+              </a:rPr>
+              <a:t>		</a:t>
+            </a:r>
+            <a:r>
+              <a:rPr lang="en-US" sz="2900" dirty="0" err="1">
+                <a:latin typeface="Times New Roman" pitchFamily="18" charset="0"/>
+                <a:cs typeface="Times New Roman" pitchFamily="18" charset="0"/>
+              </a:rPr>
+              <a:t>hdc</a:t>
+            </a:r>
+            <a:r>
+              <a:rPr lang="en-US" sz="2900" dirty="0">
+                <a:latin typeface="Times New Roman" pitchFamily="18" charset="0"/>
+                <a:cs typeface="Times New Roman" pitchFamily="18" charset="0"/>
+              </a:rPr>
+              <a:t> = </a:t>
+            </a:r>
+            <a:r>
+              <a:rPr lang="en-US" sz="2900" dirty="0" err="1">
+                <a:latin typeface="Times New Roman" pitchFamily="18" charset="0"/>
+                <a:cs typeface="Times New Roman" pitchFamily="18" charset="0"/>
+              </a:rPr>
+              <a:t>GetDC</a:t>
+            </a:r>
+            <a:r>
+              <a:rPr lang="en-US" sz="2900" dirty="0">
+                <a:latin typeface="Times New Roman" pitchFamily="18" charset="0"/>
+                <a:cs typeface="Times New Roman" pitchFamily="18" charset="0"/>
+              </a:rPr>
+              <a:t>(</a:t>
+            </a:r>
+            <a:r>
+              <a:rPr lang="en-US" sz="2900" dirty="0" err="1">
+                <a:latin typeface="Times New Roman" pitchFamily="18" charset="0"/>
+                <a:cs typeface="Times New Roman" pitchFamily="18" charset="0"/>
+              </a:rPr>
+              <a:t>handleforwindow</a:t>
+            </a:r>
+            <a:r>
+              <a:rPr lang="en-US" sz="2900" dirty="0">
+                <a:latin typeface="Times New Roman" pitchFamily="18" charset="0"/>
+                <a:cs typeface="Times New Roman" pitchFamily="18" charset="0"/>
+              </a:rPr>
+              <a:t>);</a:t>
+            </a:r>
+          </a:p>
+          <a:p>
+            <a:pPr>
+              <a:lnSpc>
+                <a:spcPct val="120000"/>
+              </a:lnSpc>
+              <a:spcBef>
+                <a:spcPts val="0"/>
+              </a:spcBef>
+              <a:buNone/>
+            </a:pPr>
+            <a:r>
+              <a:rPr lang="en-US" sz="2900" dirty="0">
+                <a:latin typeface="Times New Roman" pitchFamily="18" charset="0"/>
+                <a:cs typeface="Times New Roman" pitchFamily="18" charset="0"/>
+              </a:rPr>
+              <a:t>		</a:t>
+            </a:r>
+            <a:r>
+              <a:rPr lang="en-US" sz="2900" dirty="0" err="1">
+                <a:latin typeface="Times New Roman" pitchFamily="18" charset="0"/>
+                <a:cs typeface="Times New Roman" pitchFamily="18" charset="0"/>
+              </a:rPr>
+              <a:t>MoveToEx</a:t>
+            </a:r>
+            <a:r>
+              <a:rPr lang="en-US" sz="2900" dirty="0">
+                <a:latin typeface="Times New Roman" pitchFamily="18" charset="0"/>
+                <a:cs typeface="Times New Roman" pitchFamily="18" charset="0"/>
+              </a:rPr>
+              <a:t>(</a:t>
+            </a:r>
+            <a:r>
+              <a:rPr lang="en-US" sz="2900" dirty="0" err="1">
+                <a:latin typeface="Times New Roman" pitchFamily="18" charset="0"/>
+                <a:cs typeface="Times New Roman" pitchFamily="18" charset="0"/>
+              </a:rPr>
+              <a:t>hdc</a:t>
+            </a:r>
+            <a:r>
+              <a:rPr lang="en-US" sz="2900" dirty="0">
+                <a:latin typeface="Times New Roman" pitchFamily="18" charset="0"/>
+                <a:cs typeface="Times New Roman" pitchFamily="18" charset="0"/>
+              </a:rPr>
+              <a:t>, </a:t>
+            </a:r>
+            <a:r>
+              <a:rPr lang="en-US" sz="2900" dirty="0" err="1">
+                <a:latin typeface="Times New Roman" pitchFamily="18" charset="0"/>
+                <a:cs typeface="Times New Roman" pitchFamily="18" charset="0"/>
+              </a:rPr>
+              <a:t>ptPrevious.x</a:t>
+            </a:r>
+            <a:r>
+              <a:rPr lang="en-US" sz="2900" dirty="0">
+                <a:latin typeface="Times New Roman" pitchFamily="18" charset="0"/>
+                <a:cs typeface="Times New Roman" pitchFamily="18" charset="0"/>
+              </a:rPr>
+              <a:t>, </a:t>
+            </a:r>
+            <a:r>
+              <a:rPr lang="en-US" sz="2900" dirty="0" err="1">
+                <a:latin typeface="Times New Roman" pitchFamily="18" charset="0"/>
+                <a:cs typeface="Times New Roman" pitchFamily="18" charset="0"/>
+              </a:rPr>
+              <a:t>ptPrevious.y</a:t>
+            </a:r>
+            <a:r>
+              <a:rPr lang="en-US" sz="2900" dirty="0">
+                <a:latin typeface="Times New Roman" pitchFamily="18" charset="0"/>
+                <a:cs typeface="Times New Roman" pitchFamily="18" charset="0"/>
+              </a:rPr>
+              <a:t>, NULL);</a:t>
+            </a:r>
+          </a:p>
+          <a:p>
+            <a:pPr>
+              <a:lnSpc>
+                <a:spcPct val="120000"/>
+              </a:lnSpc>
+              <a:spcBef>
+                <a:spcPts val="0"/>
+              </a:spcBef>
+              <a:buNone/>
+            </a:pPr>
+            <a:r>
+              <a:rPr lang="en-US" sz="2900" dirty="0">
+                <a:latin typeface="Times New Roman" pitchFamily="18" charset="0"/>
+                <a:cs typeface="Times New Roman" pitchFamily="18" charset="0"/>
+              </a:rPr>
+              <a:t>		</a:t>
+            </a:r>
+            <a:r>
+              <a:rPr lang="en-US" sz="2900" dirty="0" err="1">
+                <a:latin typeface="Times New Roman" pitchFamily="18" charset="0"/>
+                <a:cs typeface="Times New Roman" pitchFamily="18" charset="0"/>
+              </a:rPr>
+              <a:t>LineTo</a:t>
+            </a:r>
+            <a:r>
+              <a:rPr lang="en-US" sz="2900" dirty="0">
+                <a:latin typeface="Times New Roman" pitchFamily="18" charset="0"/>
+                <a:cs typeface="Times New Roman" pitchFamily="18" charset="0"/>
+              </a:rPr>
+              <a:t>(</a:t>
+            </a:r>
+            <a:r>
+              <a:rPr lang="en-US" sz="2900" dirty="0" err="1">
+                <a:latin typeface="Times New Roman" pitchFamily="18" charset="0"/>
+                <a:cs typeface="Times New Roman" pitchFamily="18" charset="0"/>
+              </a:rPr>
+              <a:t>hdc</a:t>
+            </a:r>
+            <a:r>
+              <a:rPr lang="en-US" sz="2900" dirty="0">
+                <a:latin typeface="Times New Roman" pitchFamily="18" charset="0"/>
+                <a:cs typeface="Times New Roman" pitchFamily="18" charset="0"/>
+              </a:rPr>
+              <a:t>, LOWORD(</a:t>
+            </a:r>
+            <a:r>
+              <a:rPr lang="en-US" sz="2900" dirty="0" err="1">
+                <a:latin typeface="Times New Roman" pitchFamily="18" charset="0"/>
+                <a:cs typeface="Times New Roman" pitchFamily="18" charset="0"/>
+              </a:rPr>
+              <a:t>lParam</a:t>
+            </a:r>
+            <a:r>
+              <a:rPr lang="en-US" sz="2900" dirty="0">
+                <a:latin typeface="Times New Roman" pitchFamily="18" charset="0"/>
+                <a:cs typeface="Times New Roman" pitchFamily="18" charset="0"/>
+              </a:rPr>
+              <a:t>), HIWORD(</a:t>
+            </a:r>
+            <a:r>
+              <a:rPr lang="en-US" sz="2900" dirty="0" err="1">
+                <a:latin typeface="Times New Roman" pitchFamily="18" charset="0"/>
+                <a:cs typeface="Times New Roman" pitchFamily="18" charset="0"/>
+              </a:rPr>
+              <a:t>lParam</a:t>
+            </a:r>
+            <a:r>
+              <a:rPr lang="en-US" sz="2900" dirty="0">
+                <a:latin typeface="Times New Roman" pitchFamily="18" charset="0"/>
+                <a:cs typeface="Times New Roman" pitchFamily="18" charset="0"/>
+              </a:rPr>
+              <a:t>));</a:t>
+            </a:r>
+          </a:p>
+          <a:p>
+            <a:pPr>
+              <a:lnSpc>
+                <a:spcPct val="120000"/>
+              </a:lnSpc>
+              <a:spcBef>
+                <a:spcPts val="0"/>
+              </a:spcBef>
+              <a:buNone/>
+            </a:pPr>
+            <a:r>
+              <a:rPr lang="en-US" sz="2900" dirty="0">
+                <a:latin typeface="Times New Roman" pitchFamily="18" charset="0"/>
+                <a:cs typeface="Times New Roman" pitchFamily="18" charset="0"/>
+              </a:rPr>
+              <a:t>		</a:t>
+            </a:r>
+            <a:r>
+              <a:rPr lang="en-US" sz="2900" dirty="0" err="1">
+                <a:latin typeface="Times New Roman" pitchFamily="18" charset="0"/>
+                <a:cs typeface="Times New Roman" pitchFamily="18" charset="0"/>
+              </a:rPr>
+              <a:t>ReleaseDC</a:t>
+            </a:r>
+            <a:r>
+              <a:rPr lang="en-US" sz="2900" dirty="0">
+                <a:latin typeface="Times New Roman" pitchFamily="18" charset="0"/>
+                <a:cs typeface="Times New Roman" pitchFamily="18" charset="0"/>
+              </a:rPr>
+              <a:t>(</a:t>
+            </a:r>
+            <a:r>
+              <a:rPr lang="en-US" sz="2900" dirty="0" err="1">
+                <a:latin typeface="Times New Roman" pitchFamily="18" charset="0"/>
+                <a:cs typeface="Times New Roman" pitchFamily="18" charset="0"/>
+              </a:rPr>
+              <a:t>handleforwindow</a:t>
+            </a:r>
+            <a:r>
+              <a:rPr lang="en-US" sz="2900" dirty="0">
+                <a:latin typeface="Times New Roman" pitchFamily="18" charset="0"/>
+                <a:cs typeface="Times New Roman" pitchFamily="18" charset="0"/>
+              </a:rPr>
+              <a:t>, </a:t>
+            </a:r>
+            <a:r>
+              <a:rPr lang="en-US" sz="2900" dirty="0" err="1">
+                <a:latin typeface="Times New Roman" pitchFamily="18" charset="0"/>
+                <a:cs typeface="Times New Roman" pitchFamily="18" charset="0"/>
+              </a:rPr>
+              <a:t>hdc</a:t>
+            </a:r>
+            <a:r>
+              <a:rPr lang="en-US" sz="2900" dirty="0">
+                <a:latin typeface="Times New Roman" pitchFamily="18" charset="0"/>
+                <a:cs typeface="Times New Roman" pitchFamily="18" charset="0"/>
+              </a:rPr>
+              <a:t>);</a:t>
+            </a:r>
+          </a:p>
+          <a:p>
+            <a:pPr>
+              <a:lnSpc>
+                <a:spcPct val="120000"/>
+              </a:lnSpc>
+              <a:spcBef>
+                <a:spcPts val="0"/>
+              </a:spcBef>
+              <a:buNone/>
+            </a:pPr>
+            <a:r>
+              <a:rPr lang="en-US" sz="2900" dirty="0">
+                <a:latin typeface="Times New Roman" pitchFamily="18" charset="0"/>
+                <a:cs typeface="Times New Roman" pitchFamily="18" charset="0"/>
+              </a:rPr>
+              <a:t>		</a:t>
+            </a:r>
+            <a:r>
+              <a:rPr lang="en-US" sz="2900" dirty="0" err="1">
+                <a:latin typeface="Times New Roman" pitchFamily="18" charset="0"/>
+                <a:cs typeface="Times New Roman" pitchFamily="18" charset="0"/>
+              </a:rPr>
+              <a:t>fDraw</a:t>
+            </a:r>
+            <a:r>
+              <a:rPr lang="en-US" sz="2900" dirty="0">
+                <a:latin typeface="Times New Roman" pitchFamily="18" charset="0"/>
+                <a:cs typeface="Times New Roman" pitchFamily="18" charset="0"/>
+              </a:rPr>
+              <a:t> = FALSE;</a:t>
+            </a:r>
+          </a:p>
+          <a:p>
+            <a:pPr>
+              <a:lnSpc>
+                <a:spcPct val="120000"/>
+              </a:lnSpc>
+              <a:spcBef>
+                <a:spcPts val="0"/>
+              </a:spcBef>
+              <a:buNone/>
+            </a:pPr>
+            <a:r>
+              <a:rPr lang="en-US" sz="2900" dirty="0">
+                <a:latin typeface="Times New Roman" pitchFamily="18" charset="0"/>
+                <a:cs typeface="Times New Roman" pitchFamily="18" charset="0"/>
+              </a:rPr>
+              <a:t>	}</a:t>
+            </a:r>
+          </a:p>
+          <a:p>
+            <a:pPr>
+              <a:lnSpc>
+                <a:spcPct val="120000"/>
+              </a:lnSpc>
+              <a:spcBef>
+                <a:spcPts val="0"/>
+              </a:spcBef>
+              <a:buNone/>
+            </a:pPr>
+            <a:r>
+              <a:rPr lang="en-US" sz="2900" dirty="0">
+                <a:latin typeface="Times New Roman" pitchFamily="18" charset="0"/>
+                <a:cs typeface="Times New Roman" pitchFamily="18" charset="0"/>
+              </a:rPr>
+              <a:t>	break;</a:t>
+            </a:r>
+          </a:p>
+          <a:p>
+            <a:endParaRPr lang="ru-RU" dirty="0"/>
+          </a:p>
+        </p:txBody>
+      </p:sp>
+      <p:sp>
+        <p:nvSpPr>
+          <p:cNvPr id="4" name="Номер слайда 3"/>
+          <p:cNvSpPr>
+            <a:spLocks noGrp="1"/>
+          </p:cNvSpPr>
+          <p:nvPr>
+            <p:ph type="sldNum" sz="quarter" idx="12"/>
+          </p:nvPr>
+        </p:nvSpPr>
+        <p:spPr>
+          <a:xfrm>
+            <a:off x="11103428" y="6356350"/>
+            <a:ext cx="250371" cy="365125"/>
+          </a:xfrm>
+        </p:spPr>
+        <p:txBody>
           <a:bodyPr/>
           <a:lstStyle/>
           <a:p>
-            <a:r>
-              <a:rPr lang="ru-RU" dirty="0"/>
-              <a:t>Программный модуль 1</a:t>
-            </a:r>
-          </a:p>
-        </p:txBody>
-      </p:sp>
-      <p:sp>
-        <p:nvSpPr>
-          <p:cNvPr id="3" name="Объект 2">
+            <a:fld id="{FC627450-83D9-4009-B099-16FAB8836B44}" type="slidenum">
+              <a:rPr lang="ru-RU" smtClean="0">
+                <a:solidFill>
+                  <a:schemeClr val="tx1"/>
+                </a:solidFill>
+              </a:rPr>
+              <a:pPr/>
+              <a:t>5</a:t>
+            </a:fld>
+            <a:endParaRPr lang="ru-RU">
+              <a:solidFill>
+                <a:schemeClr val="tx1"/>
+              </a:solidFill>
+            </a:endParaRPr>
+          </a:p>
+        </p:txBody>
+      </p:sp>
+      <p:pic>
+        <p:nvPicPr>
+          <p:cNvPr id="6" name="Рисунок 5">
             <a:extLst>
               <a:ext uri="{FF2B5EF4-FFF2-40B4-BE49-F238E27FC236}">
-                <a16:creationId xmlns:a16="http://schemas.microsoft.com/office/drawing/2014/main" id="{FC977EB2-1854-43F6-8162-55AD27E884FD}"/>
+                <a16:creationId xmlns:a16="http://schemas.microsoft.com/office/drawing/2014/main" id="{272A153D-1A2E-4D80-AB14-64EC00D1A9B4}"/>
               </a:ext>
             </a:extLst>
           </p:cNvPr>
-          <p:cNvSpPr>
-            <a:spLocks noGrp="1"/>
-          </p:cNvSpPr>
-          <p:nvPr>
-            <p:ph idx="1"/>
-          </p:nvPr>
-        </p:nvSpPr>
+          <p:cNvPicPr>
+            <a:picLocks noChangeAspect="1"/>
+          </p:cNvPicPr>
+          <p:nvPr/>
+        </p:nvPicPr>
+        <p:blipFill rotWithShape="1">
+          <a:blip r:embed="rId2" cstate="print">
+            <a:extLst>
+              <a:ext uri="{28A0092B-C50C-407E-A947-70E740481C1C}">
+                <a14:useLocalDpi xmlns:a14="http://schemas.microsoft.com/office/drawing/2010/main" val="0"/>
+              </a:ext>
+            </a:extLst>
+          </a:blip>
+          <a:srcRect t="14126" r="16682" b="13384"/>
+          <a:stretch/>
+        </p:blipFill>
         <p:spPr>
           <a:xfrm>
-            <a:off x="838200" y="1082352"/>
-            <a:ext cx="10515600" cy="5094611"/>
+            <a:off x="7791061" y="1894114"/>
+            <a:ext cx="4175036" cy="2020736"/>
+          </a:xfrm>
+          <a:prstGeom prst="rect">
+            <a:avLst/>
+          </a:prstGeom>
+        </p:spPr>
+      </p:pic>
+    </p:spTree>
+    <p:extLst>
+      <p:ext uri="{BB962C8B-B14F-4D97-AF65-F5344CB8AC3E}">
+        <p14:creationId xmlns:p14="http://schemas.microsoft.com/office/powerpoint/2010/main" val="3333958254"/>
+      </p:ext>
+    </p:extLst>
+  </p:cSld>
+  <p:clrMapOvr>
+    <a:masterClrMapping/>
+  </p:clrMapOvr>
+</p:sld>
+</file>
+
+<file path=ppt/slides/slide6.xml><?xml version="1.0" encoding="utf-8"?>
+<p:sld xmlns:a="http://schemas.openxmlformats.org/drawingml/2006/main" xmlns:r="http://schemas.openxmlformats.org/officeDocument/2006/relationships" xmlns:p="http://schemas.openxmlformats.org/presentationml/2006/main">
+  <p:cSld>
+    <p:spTree>
+      <p:nvGrpSpPr>
+        <p:cNvPr id="1" name=""/>
+        <p:cNvGrpSpPr/>
+        <p:nvPr/>
+      </p:nvGrpSpPr>
+      <p:grpSpPr>
+        <a:xfrm>
+          <a:off x="0" y="0"/>
+          <a:ext cx="0" cy="0"/>
+          <a:chOff x="0" y="0"/>
+          <a:chExt cx="0" cy="0"/>
+        </a:xfrm>
+      </p:grpSpPr>
+      <p:sp>
+        <p:nvSpPr>
+          <p:cNvPr id="2" name="Заголовок 1"/>
+          <p:cNvSpPr>
+            <a:spLocks noGrp="1"/>
+          </p:cNvSpPr>
+          <p:nvPr>
+            <p:ph type="title"/>
+          </p:nvPr>
+        </p:nvSpPr>
+        <p:spPr/>
+        <p:txBody>
+          <a:bodyPr>
+            <a:normAutofit/>
+          </a:bodyPr>
+          <a:lstStyle/>
+          <a:p>
+            <a:r>
+              <a:rPr lang="ru-RU" sz="2800" dirty="0">
+                <a:latin typeface="Times New Roman" panose="02020603050405020304" pitchFamily="18" charset="0"/>
+                <a:cs typeface="Times New Roman" pitchFamily="18" charset="0"/>
+              </a:rPr>
+              <a:t>Задание 3. Отображения нажатия клавиши на клавиатуре</a:t>
+            </a:r>
+          </a:p>
+        </p:txBody>
+      </p:sp>
+      <p:sp>
+        <p:nvSpPr>
+          <p:cNvPr id="3" name="Объект 2"/>
+          <p:cNvSpPr>
+            <a:spLocks noGrp="1"/>
+          </p:cNvSpPr>
+          <p:nvPr>
+            <p:ph idx="1"/>
+          </p:nvPr>
+        </p:nvSpPr>
+        <p:spPr>
+          <a:xfrm>
+            <a:off x="676275" y="2231488"/>
+            <a:ext cx="5381625" cy="3766185"/>
           </a:xfrm>
         </p:spPr>
         <p:txBody>
+          <a:bodyPr>
+            <a:normAutofit/>
+          </a:bodyPr>
+          <a:lstStyle/>
+          <a:p>
+            <a:pPr marL="0" indent="0" algn="just">
+              <a:spcBef>
+                <a:spcPts val="0"/>
+              </a:spcBef>
+              <a:buNone/>
+            </a:pPr>
+            <a:r>
+              <a:rPr lang="ru-RU" sz="2000" dirty="0">
+                <a:latin typeface="Times New Roman" panose="02020603050405020304" pitchFamily="18" charset="0"/>
+                <a:cs typeface="Times New Roman" panose="02020603050405020304" pitchFamily="18" charset="0"/>
+              </a:rPr>
+              <a:t>Программный модуль, создающий диалоговую панель на которой расположена кнопка запуска дочернего окна, в котором при нажатии на клавиатуру, показывается нажатый символ.</a:t>
+            </a:r>
+          </a:p>
+          <a:p>
+            <a:pPr algn="just"/>
+            <a:endParaRPr lang="ru-RU" sz="2000" b="1" dirty="0">
+              <a:latin typeface="Times New Roman" panose="02020603050405020304" pitchFamily="18" charset="0"/>
+              <a:cs typeface="Times New Roman" panose="02020603050405020304" pitchFamily="18" charset="0"/>
+            </a:endParaRPr>
+          </a:p>
+        </p:txBody>
+      </p:sp>
+      <p:sp>
+        <p:nvSpPr>
+          <p:cNvPr id="4" name="Номер слайда 3"/>
+          <p:cNvSpPr>
+            <a:spLocks noGrp="1"/>
+          </p:cNvSpPr>
+          <p:nvPr>
+            <p:ph type="sldNum" sz="quarter" idx="12"/>
+          </p:nvPr>
+        </p:nvSpPr>
+        <p:spPr>
+          <a:xfrm>
+            <a:off x="11056776" y="6356350"/>
+            <a:ext cx="297024" cy="365125"/>
+          </a:xfrm>
+        </p:spPr>
+        <p:txBody>
           <a:bodyPr/>
           <a:lstStyle/>
           <a:p>
-            <a:pPr marL="0" indent="0">
-              <a:buNone/>
-            </a:pPr>
-            <a:r>
-              <a:rPr lang="ru-RU" dirty="0"/>
-              <a:t>Диалоговое окно с </a:t>
-            </a:r>
-            <a:r>
-              <a:rPr lang="ru-RU"/>
-              <a:t>строкой редактирования </a:t>
-            </a:r>
-            <a:endParaRPr lang="ru-RU" dirty="0"/>
-          </a:p>
-          <a:p>
-            <a:endParaRPr lang="ru-RU" dirty="0"/>
-          </a:p>
-          <a:p>
-            <a:endParaRPr lang="ru-RU" dirty="0"/>
-          </a:p>
-        </p:txBody>
-      </p:sp>
-      <p:sp>
-        <p:nvSpPr>
-          <p:cNvPr id="4" name="Номер слайда 3">
+            <a:fld id="{FC627450-83D9-4009-B099-16FAB8836B44}" type="slidenum">
+              <a:rPr lang="ru-RU" smtClean="0">
+                <a:solidFill>
+                  <a:schemeClr val="tx1"/>
+                </a:solidFill>
+                <a:latin typeface="Times New Roman" panose="02020603050405020304" pitchFamily="18" charset="0"/>
+                <a:cs typeface="Times New Roman" panose="02020603050405020304" pitchFamily="18" charset="0"/>
+              </a:rPr>
+              <a:pPr/>
+              <a:t>6</a:t>
+            </a:fld>
+            <a:endParaRPr lang="ru-RU" dirty="0">
+              <a:solidFill>
+                <a:schemeClr val="tx1"/>
+              </a:solidFill>
+              <a:latin typeface="Times New Roman" panose="02020603050405020304" pitchFamily="18" charset="0"/>
+              <a:cs typeface="Times New Roman" panose="02020603050405020304" pitchFamily="18" charset="0"/>
+            </a:endParaRPr>
+          </a:p>
+        </p:txBody>
+      </p:sp>
+      <p:pic>
+        <p:nvPicPr>
+          <p:cNvPr id="6" name="Рисунок 5">
             <a:extLst>
               <a:ext uri="{FF2B5EF4-FFF2-40B4-BE49-F238E27FC236}">
-                <a16:creationId xmlns:a16="http://schemas.microsoft.com/office/drawing/2014/main" id="{E7FD0515-B005-4573-9AAA-102F21A1874A}"/>
+                <a16:creationId xmlns:a16="http://schemas.microsoft.com/office/drawing/2014/main" id="{38654E66-F3BA-4E7B-B656-44A2F3FDE356}"/>
               </a:ext>
             </a:extLst>
           </p:cNvPr>
-          <p:cNvSpPr>
-            <a:spLocks noGrp="1"/>
-          </p:cNvSpPr>
-          <p:nvPr>
-            <p:ph type="sldNum" sz="quarter" idx="12"/>
-          </p:nvPr>
-        </p:nvSpPr>
-        <p:spPr/>
-        <p:txBody>
-          <a:bodyPr/>
-          <a:lstStyle/>
-          <a:p>
-            <a:fld id="{FC627450-83D9-4009-B099-16FAB8836B44}" type="slidenum">
-              <a:rPr lang="ru-RU" smtClean="0"/>
-              <a:t>4</a:t>
-            </a:fld>
-            <a:endParaRPr lang="ru-RU"/>
-          </a:p>
-        </p:txBody>
-      </p:sp>
+          <p:cNvPicPr>
+            <a:picLocks noChangeAspect="1"/>
+          </p:cNvPicPr>
+          <p:nvPr/>
+        </p:nvPicPr>
+        <p:blipFill>
+          <a:blip r:embed="rId2">
+            <a:extLst>
+              <a:ext uri="{28A0092B-C50C-407E-A947-70E740481C1C}">
+                <a14:useLocalDpi xmlns:a14="http://schemas.microsoft.com/office/drawing/2010/main" val="0"/>
+              </a:ext>
+            </a:extLst>
+          </a:blip>
+          <a:stretch>
+            <a:fillRect/>
+          </a:stretch>
+        </p:blipFill>
+        <p:spPr>
+          <a:xfrm>
+            <a:off x="7213924" y="1903301"/>
+            <a:ext cx="4301801" cy="3051397"/>
+          </a:xfrm>
+          <a:prstGeom prst="rect">
+            <a:avLst/>
+          </a:prstGeom>
+        </p:spPr>
+      </p:pic>
     </p:spTree>
     <p:extLst>
       <p:ext uri="{BB962C8B-B14F-4D97-AF65-F5344CB8AC3E}">
-        <p14:creationId xmlns:p14="http://schemas.microsoft.com/office/powerpoint/2010/main" val="4225432475"/>
+        <p14:creationId xmlns:p14="http://schemas.microsoft.com/office/powerpoint/2010/main" val="150249337"/>
+      </p:ext>
+    </p:extLst>
+  </p:cSld>
+  <p:clrMapOvr>
+    <a:masterClrMapping/>
+  </p:clrMapOvr>
+</p:sld>
+</file>
+
+<file path=ppt/slides/slide7.xml><?xml version="1.0" encoding="utf-8"?>
+<p:sld xmlns:a="http://schemas.openxmlformats.org/drawingml/2006/main" xmlns:r="http://schemas.openxmlformats.org/officeDocument/2006/relationships" xmlns:p="http://schemas.openxmlformats.org/presentationml/2006/main">
+  <p:cSld>
+    <p:spTree>
+      <p:nvGrpSpPr>
+        <p:cNvPr id="1" name=""/>
+        <p:cNvGrpSpPr/>
+        <p:nvPr/>
+      </p:nvGrpSpPr>
+      <p:grpSpPr>
+        <a:xfrm>
+          <a:off x="0" y="0"/>
+          <a:ext cx="0" cy="0"/>
+          <a:chOff x="0" y="0"/>
+          <a:chExt cx="0" cy="0"/>
+        </a:xfrm>
+      </p:grpSpPr>
+      <p:sp>
+        <p:nvSpPr>
+          <p:cNvPr id="2" name="Заголовок 1"/>
+          <p:cNvSpPr>
+            <a:spLocks noGrp="1"/>
+          </p:cNvSpPr>
+          <p:nvPr>
+            <p:ph type="title"/>
+          </p:nvPr>
+        </p:nvSpPr>
+        <p:spPr/>
+        <p:txBody>
+          <a:bodyPr>
+            <a:normAutofit/>
+          </a:bodyPr>
+          <a:lstStyle/>
+          <a:p>
+            <a:r>
+              <a:rPr lang="ru-RU" sz="2800" dirty="0">
+                <a:latin typeface="Times New Roman" panose="02020603050405020304" pitchFamily="18" charset="0"/>
+                <a:cs typeface="Times New Roman" pitchFamily="18" charset="0"/>
+              </a:rPr>
+              <a:t>Задание 3. Отображения нажатия клавиши на клавиатуре</a:t>
+            </a:r>
+          </a:p>
+        </p:txBody>
+      </p:sp>
+      <p:sp>
+        <p:nvSpPr>
+          <p:cNvPr id="3" name="Объект 2"/>
+          <p:cNvSpPr>
+            <a:spLocks noGrp="1"/>
+          </p:cNvSpPr>
+          <p:nvPr>
+            <p:ph idx="1"/>
+          </p:nvPr>
+        </p:nvSpPr>
+        <p:spPr>
+          <a:xfrm>
+            <a:off x="439946" y="1431985"/>
+            <a:ext cx="7320457" cy="4865298"/>
+          </a:xfrm>
+        </p:spPr>
+        <p:txBody>
+          <a:bodyPr/>
+          <a:lstStyle/>
+          <a:p>
+            <a:pPr>
+              <a:lnSpc>
+                <a:spcPct val="100000"/>
+              </a:lnSpc>
+              <a:spcBef>
+                <a:spcPts val="0"/>
+              </a:spcBef>
+              <a:buNone/>
+            </a:pPr>
+            <a:r>
+              <a:rPr lang="en-US" sz="2000" dirty="0">
+                <a:latin typeface="Times New Roman" pitchFamily="18" charset="0"/>
+                <a:cs typeface="Times New Roman" pitchFamily="18" charset="0"/>
+              </a:rPr>
+              <a:t>	case WM_KEYDOWN:</a:t>
+            </a:r>
+          </a:p>
+          <a:p>
+            <a:pPr>
+              <a:lnSpc>
+                <a:spcPct val="100000"/>
+              </a:lnSpc>
+              <a:spcBef>
+                <a:spcPts val="0"/>
+              </a:spcBef>
+              <a:buNone/>
+            </a:pPr>
+            <a:r>
+              <a:rPr lang="en-US" sz="2000" dirty="0">
+                <a:latin typeface="Times New Roman" pitchFamily="18" charset="0"/>
+                <a:cs typeface="Times New Roman" pitchFamily="18" charset="0"/>
+              </a:rPr>
+              <a:t>	{</a:t>
+            </a:r>
+          </a:p>
+          <a:p>
+            <a:pPr>
+              <a:lnSpc>
+                <a:spcPct val="100000"/>
+              </a:lnSpc>
+              <a:spcBef>
+                <a:spcPts val="0"/>
+              </a:spcBef>
+              <a:buNone/>
+            </a:pPr>
+            <a:r>
+              <a:rPr lang="en-US" sz="2000" dirty="0">
+                <a:latin typeface="Times New Roman" pitchFamily="18" charset="0"/>
+                <a:cs typeface="Times New Roman" pitchFamily="18" charset="0"/>
+              </a:rPr>
+              <a:t>		std::</a:t>
+            </a:r>
+            <a:r>
+              <a:rPr lang="en-US" sz="2000" dirty="0" err="1">
+                <a:latin typeface="Times New Roman" panose="02020603050405020304" pitchFamily="18" charset="0"/>
+                <a:cs typeface="Times New Roman" pitchFamily="18" charset="0"/>
+              </a:rPr>
+              <a:t>wstring</a:t>
+            </a:r>
+            <a:r>
+              <a:rPr lang="en-US" sz="2000" dirty="0">
+                <a:latin typeface="Times New Roman" pitchFamily="18" charset="0"/>
+                <a:cs typeface="Times New Roman" pitchFamily="18" charset="0"/>
+              </a:rPr>
+              <a:t> key;</a:t>
+            </a:r>
+          </a:p>
+          <a:p>
+            <a:pPr>
+              <a:lnSpc>
+                <a:spcPct val="100000"/>
+              </a:lnSpc>
+              <a:spcBef>
+                <a:spcPts val="0"/>
+              </a:spcBef>
+              <a:buNone/>
+            </a:pPr>
+            <a:r>
+              <a:rPr lang="en-US" sz="2000" dirty="0">
+                <a:latin typeface="Times New Roman" pitchFamily="18" charset="0"/>
+                <a:cs typeface="Times New Roman" pitchFamily="18" charset="0"/>
+              </a:rPr>
+              <a:t>		</a:t>
+            </a:r>
+            <a:r>
+              <a:rPr lang="en-US" sz="2000" dirty="0" err="1">
+                <a:latin typeface="Times New Roman" panose="02020603050405020304" pitchFamily="18" charset="0"/>
+                <a:cs typeface="Times New Roman" pitchFamily="18" charset="0"/>
+              </a:rPr>
+              <a:t>GetKeyNameText</a:t>
+            </a:r>
+            <a:r>
+              <a:rPr lang="en-US" sz="2000" dirty="0">
+                <a:latin typeface="Times New Roman" panose="02020603050405020304" pitchFamily="18" charset="0"/>
+                <a:cs typeface="Times New Roman" pitchFamily="18" charset="0"/>
+              </a:rPr>
+              <a:t>(</a:t>
+            </a:r>
+            <a:r>
+              <a:rPr lang="en-US" sz="2000" dirty="0" err="1">
+                <a:latin typeface="Times New Roman" panose="02020603050405020304" pitchFamily="18" charset="0"/>
+                <a:cs typeface="Times New Roman" pitchFamily="18" charset="0"/>
+              </a:rPr>
+              <a:t>lParam</a:t>
+            </a:r>
+            <a:r>
+              <a:rPr lang="en-US" sz="2000" dirty="0">
+                <a:latin typeface="Times New Roman" panose="02020603050405020304" pitchFamily="18" charset="0"/>
+                <a:cs typeface="Times New Roman" pitchFamily="18" charset="0"/>
+              </a:rPr>
+              <a:t>, (LPWSTR)</a:t>
+            </a:r>
+            <a:r>
+              <a:rPr lang="en-US" sz="2000" dirty="0" err="1">
+                <a:latin typeface="Times New Roman" panose="02020603050405020304" pitchFamily="18" charset="0"/>
+                <a:cs typeface="Times New Roman" pitchFamily="18" charset="0"/>
+              </a:rPr>
+              <a:t>key.c_str</a:t>
+            </a:r>
+            <a:r>
+              <a:rPr lang="en-US" sz="2000" dirty="0">
+                <a:latin typeface="Times New Roman" pitchFamily="18" charset="0"/>
+                <a:cs typeface="Times New Roman" pitchFamily="18" charset="0"/>
+              </a:rPr>
+              <a:t>(), 100);</a:t>
+            </a:r>
+          </a:p>
+          <a:p>
+            <a:pPr>
+              <a:lnSpc>
+                <a:spcPct val="100000"/>
+              </a:lnSpc>
+              <a:spcBef>
+                <a:spcPts val="0"/>
+              </a:spcBef>
+              <a:buNone/>
+            </a:pPr>
+            <a:r>
+              <a:rPr lang="en-US" sz="2000" dirty="0">
+                <a:latin typeface="Times New Roman" pitchFamily="18" charset="0"/>
+                <a:cs typeface="Times New Roman" pitchFamily="18" charset="0"/>
+              </a:rPr>
+              <a:t>		</a:t>
+            </a:r>
+            <a:r>
+              <a:rPr lang="en-US" sz="2000" dirty="0" err="1">
+                <a:latin typeface="Times New Roman" panose="02020603050405020304" pitchFamily="18" charset="0"/>
+                <a:cs typeface="Times New Roman" pitchFamily="18" charset="0"/>
+              </a:rPr>
+              <a:t>SetWindowText</a:t>
+            </a:r>
+            <a:r>
+              <a:rPr lang="en-US" sz="2000" dirty="0">
+                <a:latin typeface="Times New Roman" panose="02020603050405020304" pitchFamily="18" charset="0"/>
+                <a:cs typeface="Times New Roman" pitchFamily="18" charset="0"/>
+              </a:rPr>
+              <a:t>(</a:t>
+            </a:r>
+            <a:r>
+              <a:rPr lang="en-US" sz="2000" dirty="0" err="1">
+                <a:latin typeface="Times New Roman" panose="02020603050405020304" pitchFamily="18" charset="0"/>
+                <a:cs typeface="Times New Roman" pitchFamily="18" charset="0"/>
+              </a:rPr>
+              <a:t>static_cont</a:t>
+            </a:r>
+            <a:r>
+              <a:rPr lang="en-US" sz="2000" dirty="0">
+                <a:latin typeface="Times New Roman" panose="02020603050405020304" pitchFamily="18" charset="0"/>
+                <a:cs typeface="Times New Roman" pitchFamily="18" charset="0"/>
+              </a:rPr>
+              <a:t>, (LPWSTR)</a:t>
+            </a:r>
+            <a:r>
+              <a:rPr lang="en-US" sz="2000" dirty="0" err="1">
+                <a:latin typeface="Times New Roman" panose="02020603050405020304" pitchFamily="18" charset="0"/>
+                <a:cs typeface="Times New Roman" pitchFamily="18" charset="0"/>
+              </a:rPr>
+              <a:t>key.c_str</a:t>
+            </a:r>
+            <a:r>
+              <a:rPr lang="en-US" sz="2000" dirty="0">
+                <a:latin typeface="Times New Roman" pitchFamily="18" charset="0"/>
+                <a:cs typeface="Times New Roman" pitchFamily="18" charset="0"/>
+              </a:rPr>
+              <a:t>());</a:t>
+            </a:r>
+          </a:p>
+          <a:p>
+            <a:pPr>
+              <a:lnSpc>
+                <a:spcPct val="100000"/>
+              </a:lnSpc>
+              <a:spcBef>
+                <a:spcPts val="0"/>
+              </a:spcBef>
+              <a:buNone/>
+            </a:pPr>
+            <a:r>
+              <a:rPr lang="en-US" sz="2000" dirty="0">
+                <a:latin typeface="Times New Roman" pitchFamily="18" charset="0"/>
+                <a:cs typeface="Times New Roman" pitchFamily="18" charset="0"/>
+              </a:rPr>
+              <a:t>		break;</a:t>
+            </a:r>
+          </a:p>
+          <a:p>
+            <a:pPr>
+              <a:lnSpc>
+                <a:spcPct val="100000"/>
+              </a:lnSpc>
+              <a:spcBef>
+                <a:spcPts val="0"/>
+              </a:spcBef>
+              <a:buNone/>
+            </a:pPr>
+            <a:r>
+              <a:rPr lang="en-US" sz="2000" dirty="0">
+                <a:latin typeface="Times New Roman" pitchFamily="18" charset="0"/>
+                <a:cs typeface="Times New Roman" pitchFamily="18" charset="0"/>
+              </a:rPr>
+              <a:t>	}</a:t>
+            </a:r>
+          </a:p>
+          <a:p>
+            <a:endParaRPr lang="ru-RU" dirty="0">
+              <a:latin typeface="Times New Roman" panose="02020603050405020304" pitchFamily="18" charset="0"/>
+              <a:cs typeface="Times New Roman" panose="02020603050405020304" pitchFamily="18" charset="0"/>
+            </a:endParaRPr>
+          </a:p>
+        </p:txBody>
+      </p:sp>
+      <p:sp>
+        <p:nvSpPr>
+          <p:cNvPr id="4" name="Номер слайда 3"/>
+          <p:cNvSpPr>
+            <a:spLocks noGrp="1"/>
+          </p:cNvSpPr>
+          <p:nvPr>
+            <p:ph type="sldNum" sz="quarter" idx="12"/>
+          </p:nvPr>
+        </p:nvSpPr>
+        <p:spPr>
+          <a:xfrm>
+            <a:off x="11084766" y="6356350"/>
+            <a:ext cx="269033" cy="365125"/>
+          </a:xfrm>
+        </p:spPr>
+        <p:txBody>
+          <a:bodyPr/>
+          <a:lstStyle/>
+          <a:p>
+            <a:fld id="{FC627450-83D9-4009-B099-16FAB8836B44}" type="slidenum">
+              <a:rPr lang="ru-RU" smtClean="0">
+                <a:solidFill>
+                  <a:schemeClr val="tx1"/>
+                </a:solidFill>
+                <a:latin typeface="Times New Roman" panose="02020603050405020304" pitchFamily="18" charset="0"/>
+                <a:cs typeface="Times New Roman" panose="02020603050405020304" pitchFamily="18" charset="0"/>
+              </a:rPr>
+              <a:pPr/>
+              <a:t>7</a:t>
+            </a:fld>
+            <a:endParaRPr lang="ru-RU" dirty="0">
+              <a:solidFill>
+                <a:schemeClr val="tx1"/>
+              </a:solidFill>
+              <a:latin typeface="Times New Roman" panose="02020603050405020304" pitchFamily="18" charset="0"/>
+              <a:cs typeface="Times New Roman" panose="02020603050405020304" pitchFamily="18" charset="0"/>
+            </a:endParaRPr>
+          </a:p>
+        </p:txBody>
+      </p:sp>
+      <p:pic>
+        <p:nvPicPr>
+          <p:cNvPr id="7" name="Рисунок 6">
+            <a:extLst>
+              <a:ext uri="{FF2B5EF4-FFF2-40B4-BE49-F238E27FC236}">
+                <a16:creationId xmlns:a16="http://schemas.microsoft.com/office/drawing/2014/main" id="{21452D37-1910-4816-AB44-32FD882443B7}"/>
+              </a:ext>
+            </a:extLst>
+          </p:cNvPr>
+          <p:cNvPicPr>
+            <a:picLocks noChangeAspect="1"/>
+          </p:cNvPicPr>
+          <p:nvPr/>
+        </p:nvPicPr>
+        <p:blipFill rotWithShape="1">
+          <a:blip r:embed="rId2">
+            <a:extLst>
+              <a:ext uri="{28A0092B-C50C-407E-A947-70E740481C1C}">
+                <a14:useLocalDpi xmlns:a14="http://schemas.microsoft.com/office/drawing/2010/main" val="0"/>
+              </a:ext>
+            </a:extLst>
+          </a:blip>
+          <a:srcRect t="16211" r="53181" b="50000"/>
+          <a:stretch/>
+        </p:blipFill>
+        <p:spPr>
+          <a:xfrm>
+            <a:off x="7760404" y="2009515"/>
+            <a:ext cx="3991649" cy="2043404"/>
+          </a:xfrm>
+          <a:prstGeom prst="rect">
+            <a:avLst/>
+          </a:prstGeom>
+        </p:spPr>
+      </p:pic>
+    </p:spTree>
+    <p:extLst>
+      <p:ext uri="{BB962C8B-B14F-4D97-AF65-F5344CB8AC3E}">
+        <p14:creationId xmlns:p14="http://schemas.microsoft.com/office/powerpoint/2010/main" val="4228517590"/>
+      </p:ext>
+    </p:extLst>
+  </p:cSld>
+  <p:clrMapOvr>
+    <a:masterClrMapping/>
+  </p:clrMapOvr>
+</p:sld>
+</file>
+
+<file path=ppt/slides/slide8.xml><?xml version="1.0" encoding="utf-8"?>
+<p:sld xmlns:a="http://schemas.openxmlformats.org/drawingml/2006/main" xmlns:r="http://schemas.openxmlformats.org/officeDocument/2006/relationships" xmlns:p="http://schemas.openxmlformats.org/presentationml/2006/main">
+  <p:cSld>
+    <p:spTree>
+      <p:nvGrpSpPr>
+        <p:cNvPr id="1" name=""/>
+        <p:cNvGrpSpPr/>
+        <p:nvPr/>
+      </p:nvGrpSpPr>
+      <p:grpSpPr>
+        <a:xfrm>
+          <a:off x="0" y="0"/>
+          <a:ext cx="0" cy="0"/>
+          <a:chOff x="0" y="0"/>
+          <a:chExt cx="0" cy="0"/>
+        </a:xfrm>
+      </p:grpSpPr>
+      <p:sp>
+        <p:nvSpPr>
+          <p:cNvPr id="2" name="Заголовок 1"/>
+          <p:cNvSpPr>
+            <a:spLocks noGrp="1"/>
+          </p:cNvSpPr>
+          <p:nvPr>
+            <p:ph type="title"/>
+          </p:nvPr>
+        </p:nvSpPr>
+        <p:spPr/>
+        <p:txBody>
+          <a:bodyPr>
+            <a:normAutofit/>
+          </a:bodyPr>
+          <a:lstStyle/>
+          <a:p>
+            <a:r>
+              <a:rPr lang="ru-RU" sz="2800" dirty="0">
+                <a:latin typeface="Times New Roman" panose="02020603050405020304" pitchFamily="18" charset="0"/>
+                <a:cs typeface="Times New Roman" pitchFamily="18" charset="0"/>
+              </a:rPr>
+              <a:t>Задание 4. Запись числа, его считывание и вывод в отдельном окне</a:t>
+            </a:r>
+          </a:p>
+        </p:txBody>
+      </p:sp>
+      <p:sp>
+        <p:nvSpPr>
+          <p:cNvPr id="3" name="Объект 2"/>
+          <p:cNvSpPr>
+            <a:spLocks noGrp="1"/>
+          </p:cNvSpPr>
+          <p:nvPr>
+            <p:ph idx="1"/>
+          </p:nvPr>
+        </p:nvSpPr>
+        <p:spPr>
+          <a:xfrm>
+            <a:off x="676275" y="2110227"/>
+            <a:ext cx="6296026" cy="3766185"/>
+          </a:xfrm>
+        </p:spPr>
+        <p:txBody>
+          <a:bodyPr>
+            <a:normAutofit/>
+          </a:bodyPr>
+          <a:lstStyle/>
+          <a:p>
+            <a:pPr marL="0" indent="0" algn="just">
+              <a:spcBef>
+                <a:spcPts val="0"/>
+              </a:spcBef>
+              <a:buNone/>
+            </a:pPr>
+            <a:r>
+              <a:rPr lang="ru-RU" sz="2000" dirty="0">
+                <a:latin typeface="Times New Roman" panose="02020603050405020304" pitchFamily="18" charset="0"/>
+                <a:cs typeface="Times New Roman" panose="02020603050405020304" pitchFamily="18" charset="0"/>
+              </a:rPr>
+              <a:t>Программный модуль, содержащий меню из двух кнопок "файл" и "помощь", в рабочей области расположено окно редактирования (текстовое поле в середине главного окна), которое позволяет вводить только числа без знаков препинания, букв, спец клавиш, пункт меню "файл" содержит только одну команду "показать число", эта команда вызывает окно с сообщением, в которое передаётся информация из окна редактирования.</a:t>
+            </a:r>
+          </a:p>
+          <a:p>
+            <a:pPr algn="just"/>
+            <a:endParaRPr lang="ru-RU" sz="2000" dirty="0">
+              <a:latin typeface="Times New Roman" panose="02020603050405020304" pitchFamily="18" charset="0"/>
+              <a:cs typeface="Times New Roman" panose="02020603050405020304" pitchFamily="18" charset="0"/>
+            </a:endParaRPr>
+          </a:p>
+        </p:txBody>
+      </p:sp>
+      <p:sp>
+        <p:nvSpPr>
+          <p:cNvPr id="4" name="Номер слайда 3"/>
+          <p:cNvSpPr>
+            <a:spLocks noGrp="1"/>
+          </p:cNvSpPr>
+          <p:nvPr>
+            <p:ph type="sldNum" sz="quarter" idx="12"/>
+          </p:nvPr>
+        </p:nvSpPr>
+        <p:spPr>
+          <a:xfrm>
+            <a:off x="11084766" y="6356350"/>
+            <a:ext cx="269033" cy="365125"/>
+          </a:xfrm>
+        </p:spPr>
+        <p:txBody>
+          <a:bodyPr/>
+          <a:lstStyle/>
+          <a:p>
+            <a:fld id="{FC627450-83D9-4009-B099-16FAB8836B44}" type="slidenum">
+              <a:rPr lang="ru-RU" smtClean="0">
+                <a:solidFill>
+                  <a:schemeClr val="tx1"/>
+                </a:solidFill>
+                <a:latin typeface="Times New Roman" panose="02020603050405020304" pitchFamily="18" charset="0"/>
+                <a:cs typeface="Times New Roman" panose="02020603050405020304" pitchFamily="18" charset="0"/>
+              </a:rPr>
+              <a:pPr/>
+              <a:t>8</a:t>
+            </a:fld>
+            <a:endParaRPr lang="ru-RU" dirty="0">
+              <a:solidFill>
+                <a:schemeClr val="tx1"/>
+              </a:solidFill>
+              <a:latin typeface="Times New Roman" panose="02020603050405020304" pitchFamily="18" charset="0"/>
+              <a:cs typeface="Times New Roman" panose="02020603050405020304" pitchFamily="18" charset="0"/>
+            </a:endParaRPr>
+          </a:p>
+        </p:txBody>
+      </p:sp>
+      <p:pic>
+        <p:nvPicPr>
+          <p:cNvPr id="6" name="Рисунок 5">
+            <a:extLst>
+              <a:ext uri="{FF2B5EF4-FFF2-40B4-BE49-F238E27FC236}">
+                <a16:creationId xmlns:a16="http://schemas.microsoft.com/office/drawing/2014/main" id="{E75B4FFC-1EF6-4305-B768-BFFA03632DC4}"/>
+              </a:ext>
+            </a:extLst>
+          </p:cNvPr>
+          <p:cNvPicPr>
+            <a:picLocks noChangeAspect="1"/>
+          </p:cNvPicPr>
+          <p:nvPr/>
+        </p:nvPicPr>
+        <p:blipFill>
+          <a:blip r:embed="rId2" cstate="print">
+            <a:extLst>
+              <a:ext uri="{28A0092B-C50C-407E-A947-70E740481C1C}">
+                <a14:useLocalDpi xmlns:a14="http://schemas.microsoft.com/office/drawing/2010/main" val="0"/>
+              </a:ext>
+            </a:extLst>
+          </a:blip>
+          <a:stretch>
+            <a:fillRect/>
+          </a:stretch>
+        </p:blipFill>
+        <p:spPr>
+          <a:xfrm>
+            <a:off x="7752302" y="2220054"/>
+            <a:ext cx="3875195" cy="2417892"/>
+          </a:xfrm>
+          <a:prstGeom prst="rect">
+            <a:avLst/>
+          </a:prstGeom>
+        </p:spPr>
+      </p:pic>
+    </p:spTree>
+    <p:extLst>
+      <p:ext uri="{BB962C8B-B14F-4D97-AF65-F5344CB8AC3E}">
+        <p14:creationId xmlns:p14="http://schemas.microsoft.com/office/powerpoint/2010/main" val="4050328915"/>
+      </p:ext>
+    </p:extLst>
+  </p:cSld>
+  <p:clrMapOvr>
+    <a:masterClrMapping/>
+  </p:clrMapOvr>
+</p:sld>
+</file>
+
+<file path=ppt/slides/slide9.xml><?xml version="1.0" encoding="utf-8"?>
+<p:sld xmlns:a="http://schemas.openxmlformats.org/drawingml/2006/main" xmlns:r="http://schemas.openxmlformats.org/officeDocument/2006/relationships" xmlns:p="http://schemas.openxmlformats.org/presentationml/2006/main">
+  <p:cSld>
+    <p:spTree>
+      <p:nvGrpSpPr>
+        <p:cNvPr id="1" name=""/>
+        <p:cNvGrpSpPr/>
+        <p:nvPr/>
+      </p:nvGrpSpPr>
+      <p:grpSpPr>
+        <a:xfrm>
+          <a:off x="0" y="0"/>
+          <a:ext cx="0" cy="0"/>
+          <a:chOff x="0" y="0"/>
+          <a:chExt cx="0" cy="0"/>
+        </a:xfrm>
+      </p:grpSpPr>
+      <p:sp>
+        <p:nvSpPr>
+          <p:cNvPr id="2" name="Заголовок 1"/>
+          <p:cNvSpPr>
+            <a:spLocks noGrp="1"/>
+          </p:cNvSpPr>
+          <p:nvPr>
+            <p:ph type="title"/>
+          </p:nvPr>
+        </p:nvSpPr>
+        <p:spPr/>
+        <p:txBody>
+          <a:bodyPr>
+            <a:normAutofit/>
+          </a:bodyPr>
+          <a:lstStyle/>
+          <a:p>
+            <a:r>
+              <a:rPr lang="ru-RU" sz="2800" dirty="0">
+                <a:latin typeface="Times New Roman" panose="02020603050405020304" pitchFamily="18" charset="0"/>
+                <a:cs typeface="Times New Roman" pitchFamily="18" charset="0"/>
+              </a:rPr>
+              <a:t>Задание 4. Запись числа, его считывание и вывод в отдельном окне</a:t>
+            </a:r>
+          </a:p>
+        </p:txBody>
+      </p:sp>
+      <p:sp>
+        <p:nvSpPr>
+          <p:cNvPr id="3" name="Объект 2"/>
+          <p:cNvSpPr>
+            <a:spLocks noGrp="1"/>
+          </p:cNvSpPr>
+          <p:nvPr>
+            <p:ph idx="1"/>
+          </p:nvPr>
+        </p:nvSpPr>
+        <p:spPr>
+          <a:xfrm>
+            <a:off x="609600" y="1600200"/>
+            <a:ext cx="6957526" cy="4709160"/>
+          </a:xfrm>
+        </p:spPr>
+        <p:txBody>
+          <a:bodyPr>
+            <a:normAutofit/>
+          </a:bodyPr>
+          <a:lstStyle/>
+          <a:p>
+            <a:pPr>
+              <a:lnSpc>
+                <a:spcPct val="100000"/>
+              </a:lnSpc>
+              <a:spcBef>
+                <a:spcPts val="0"/>
+              </a:spcBef>
+              <a:buNone/>
+            </a:pPr>
+            <a:r>
+              <a:rPr lang="en-US" sz="2000" dirty="0">
+                <a:latin typeface="Times New Roman" pitchFamily="18" charset="0"/>
+                <a:cs typeface="Times New Roman" pitchFamily="18" charset="0"/>
+              </a:rPr>
+              <a:t> case WM_COMMAND:</a:t>
+            </a:r>
+          </a:p>
+          <a:p>
+            <a:pPr>
+              <a:lnSpc>
+                <a:spcPct val="100000"/>
+              </a:lnSpc>
+              <a:spcBef>
+                <a:spcPts val="0"/>
+              </a:spcBef>
+              <a:buNone/>
+            </a:pPr>
+            <a:r>
+              <a:rPr lang="en-US" sz="2000" dirty="0">
+                <a:latin typeface="Times New Roman" pitchFamily="18" charset="0"/>
+                <a:cs typeface="Times New Roman" pitchFamily="18" charset="0"/>
+              </a:rPr>
+              <a:t>    {</a:t>
+            </a:r>
+          </a:p>
+          <a:p>
+            <a:pPr>
+              <a:lnSpc>
+                <a:spcPct val="100000"/>
+              </a:lnSpc>
+              <a:spcBef>
+                <a:spcPts val="0"/>
+              </a:spcBef>
+              <a:buNone/>
+            </a:pPr>
+            <a:r>
+              <a:rPr lang="en-US" sz="2000" dirty="0">
+                <a:latin typeface="Times New Roman" pitchFamily="18" charset="0"/>
+                <a:cs typeface="Times New Roman" pitchFamily="18" charset="0"/>
+              </a:rPr>
+              <a:t>        if ((menu)</a:t>
+            </a:r>
+            <a:r>
+              <a:rPr lang="en-US" sz="2000" dirty="0" err="1">
+                <a:latin typeface="Times New Roman" panose="02020603050405020304" pitchFamily="18" charset="0"/>
+                <a:cs typeface="Times New Roman" pitchFamily="18" charset="0"/>
+              </a:rPr>
+              <a:t>wParam</a:t>
+            </a:r>
+            <a:r>
+              <a:rPr lang="en-US" sz="2000" dirty="0">
+                <a:latin typeface="Times New Roman" pitchFamily="18" charset="0"/>
+                <a:cs typeface="Times New Roman" pitchFamily="18" charset="0"/>
+              </a:rPr>
+              <a:t> == menu::file)</a:t>
+            </a:r>
+          </a:p>
+          <a:p>
+            <a:pPr>
+              <a:lnSpc>
+                <a:spcPct val="100000"/>
+              </a:lnSpc>
+              <a:spcBef>
+                <a:spcPts val="0"/>
+              </a:spcBef>
+              <a:buNone/>
+            </a:pPr>
+            <a:r>
+              <a:rPr lang="en-US" sz="2000" dirty="0">
+                <a:latin typeface="Times New Roman" pitchFamily="18" charset="0"/>
+                <a:cs typeface="Times New Roman" pitchFamily="18" charset="0"/>
+              </a:rPr>
+              <a:t>        {</a:t>
+            </a:r>
+          </a:p>
+          <a:p>
+            <a:pPr>
+              <a:lnSpc>
+                <a:spcPct val="100000"/>
+              </a:lnSpc>
+              <a:spcBef>
+                <a:spcPts val="0"/>
+              </a:spcBef>
+              <a:buNone/>
+            </a:pPr>
+            <a:r>
+              <a:rPr lang="en-US" sz="2000" dirty="0">
+                <a:latin typeface="Times New Roman" pitchFamily="18" charset="0"/>
+                <a:cs typeface="Times New Roman" pitchFamily="18" charset="0"/>
+              </a:rPr>
+              <a:t>            TCHAR command[1024];</a:t>
+            </a:r>
+          </a:p>
+          <a:p>
+            <a:pPr>
+              <a:lnSpc>
+                <a:spcPct val="100000"/>
+              </a:lnSpc>
+              <a:spcBef>
+                <a:spcPts val="0"/>
+              </a:spcBef>
+              <a:buNone/>
+            </a:pPr>
+            <a:r>
+              <a:rPr lang="en-US" sz="2000" dirty="0">
+                <a:latin typeface="Times New Roman" pitchFamily="18" charset="0"/>
+                <a:cs typeface="Times New Roman" pitchFamily="18" charset="0"/>
+              </a:rPr>
+              <a:t>            </a:t>
+            </a:r>
+            <a:r>
+              <a:rPr lang="en-US" sz="2000" dirty="0" err="1">
+                <a:latin typeface="Times New Roman" panose="02020603050405020304" pitchFamily="18" charset="0"/>
+                <a:cs typeface="Times New Roman" pitchFamily="18" charset="0"/>
+              </a:rPr>
+              <a:t>GetWindowText</a:t>
+            </a:r>
+            <a:r>
+              <a:rPr lang="en-US" sz="2000" dirty="0">
+                <a:latin typeface="Times New Roman" pitchFamily="18" charset="0"/>
+                <a:cs typeface="Times New Roman" pitchFamily="18" charset="0"/>
+              </a:rPr>
+              <a:t>(edit, command, 1024);</a:t>
+            </a:r>
+          </a:p>
+          <a:p>
+            <a:pPr>
+              <a:lnSpc>
+                <a:spcPct val="100000"/>
+              </a:lnSpc>
+              <a:spcBef>
+                <a:spcPts val="0"/>
+              </a:spcBef>
+              <a:buNone/>
+            </a:pPr>
+            <a:r>
+              <a:rPr lang="en-US" sz="2000" dirty="0">
+                <a:latin typeface="Times New Roman" pitchFamily="18" charset="0"/>
+                <a:cs typeface="Times New Roman" pitchFamily="18" charset="0"/>
+              </a:rPr>
+              <a:t>            </a:t>
+            </a:r>
+            <a:r>
+              <a:rPr lang="en-US" sz="2000" dirty="0" err="1">
+                <a:latin typeface="Times New Roman" panose="02020603050405020304" pitchFamily="18" charset="0"/>
+                <a:cs typeface="Times New Roman" pitchFamily="18" charset="0"/>
+              </a:rPr>
+              <a:t>MessageBox</a:t>
+            </a:r>
+            <a:r>
+              <a:rPr lang="en-US" sz="2000" dirty="0">
+                <a:latin typeface="Times New Roman" panose="02020603050405020304" pitchFamily="18" charset="0"/>
+                <a:cs typeface="Times New Roman" pitchFamily="18" charset="0"/>
+              </a:rPr>
+              <a:t>(</a:t>
+            </a:r>
+            <a:r>
+              <a:rPr lang="en-US" sz="2000" dirty="0" err="1">
+                <a:latin typeface="Times New Roman" panose="02020603050405020304" pitchFamily="18" charset="0"/>
+                <a:cs typeface="Times New Roman" pitchFamily="18" charset="0"/>
+              </a:rPr>
+              <a:t>hwndA</a:t>
+            </a:r>
+            <a:r>
+              <a:rPr lang="en-US" sz="2000" dirty="0">
+                <a:latin typeface="Times New Roman" panose="02020603050405020304" pitchFamily="18" charset="0"/>
+                <a:cs typeface="Times New Roman" pitchFamily="18" charset="0"/>
+              </a:rPr>
+              <a:t>, command, </a:t>
+            </a:r>
+            <a:r>
+              <a:rPr lang="en-US" sz="2000" dirty="0" err="1">
+                <a:latin typeface="Times New Roman" panose="02020603050405020304" pitchFamily="18" charset="0"/>
+                <a:cs typeface="Times New Roman" pitchFamily="18" charset="0"/>
+              </a:rPr>
+              <a:t>L"Number</a:t>
+            </a:r>
+            <a:r>
+              <a:rPr lang="en-US" sz="2000" dirty="0">
+                <a:latin typeface="Times New Roman" pitchFamily="18" charset="0"/>
+                <a:cs typeface="Times New Roman" pitchFamily="18" charset="0"/>
+              </a:rPr>
+              <a:t>", MB_OK | MB_ICONINFORMATION);</a:t>
+            </a:r>
+          </a:p>
+          <a:p>
+            <a:pPr>
+              <a:lnSpc>
+                <a:spcPct val="100000"/>
+              </a:lnSpc>
+              <a:spcBef>
+                <a:spcPts val="0"/>
+              </a:spcBef>
+              <a:buNone/>
+            </a:pPr>
+            <a:r>
+              <a:rPr lang="en-US" sz="2000" dirty="0">
+                <a:latin typeface="Times New Roman" pitchFamily="18" charset="0"/>
+                <a:cs typeface="Times New Roman" pitchFamily="18" charset="0"/>
+              </a:rPr>
+              <a:t>        }</a:t>
+            </a:r>
+          </a:p>
+          <a:p>
+            <a:pPr>
+              <a:lnSpc>
+                <a:spcPct val="100000"/>
+              </a:lnSpc>
+              <a:spcBef>
+                <a:spcPts val="0"/>
+              </a:spcBef>
+              <a:buNone/>
+            </a:pPr>
+            <a:r>
+              <a:rPr lang="en-US" sz="2000" dirty="0">
+                <a:latin typeface="Times New Roman" pitchFamily="18" charset="0"/>
+                <a:cs typeface="Times New Roman" pitchFamily="18" charset="0"/>
+              </a:rPr>
+              <a:t>            break;</a:t>
+            </a:r>
+          </a:p>
+          <a:p>
+            <a:pPr>
+              <a:lnSpc>
+                <a:spcPct val="100000"/>
+              </a:lnSpc>
+              <a:spcBef>
+                <a:spcPts val="0"/>
+              </a:spcBef>
+              <a:buNone/>
+            </a:pPr>
+            <a:r>
+              <a:rPr lang="en-US" sz="2000" dirty="0">
+                <a:latin typeface="Times New Roman" pitchFamily="18" charset="0"/>
+                <a:cs typeface="Times New Roman" pitchFamily="18" charset="0"/>
+              </a:rPr>
+              <a:t>    }</a:t>
+            </a:r>
+            <a:endParaRPr lang="ru-RU" sz="2000" dirty="0">
+              <a:latin typeface="Times New Roman" panose="02020603050405020304" pitchFamily="18" charset="0"/>
+              <a:cs typeface="Times New Roman" pitchFamily="18" charset="0"/>
+            </a:endParaRPr>
+          </a:p>
+        </p:txBody>
+      </p:sp>
+      <p:sp>
+        <p:nvSpPr>
+          <p:cNvPr id="4" name="Номер слайда 3"/>
+          <p:cNvSpPr>
+            <a:spLocks noGrp="1"/>
+          </p:cNvSpPr>
+          <p:nvPr>
+            <p:ph type="sldNum" sz="quarter" idx="12"/>
+          </p:nvPr>
+        </p:nvSpPr>
+        <p:spPr>
+          <a:xfrm>
+            <a:off x="11066106" y="6356350"/>
+            <a:ext cx="287694" cy="365125"/>
+          </a:xfrm>
+        </p:spPr>
+        <p:txBody>
+          <a:bodyPr/>
+          <a:lstStyle/>
+          <a:p>
+            <a:fld id="{FC627450-83D9-4009-B099-16FAB8836B44}" type="slidenum">
+              <a:rPr lang="ru-RU" smtClean="0">
+                <a:solidFill>
+                  <a:schemeClr val="tx1"/>
+                </a:solidFill>
+                <a:latin typeface="Times New Roman" panose="02020603050405020304" pitchFamily="18" charset="0"/>
+                <a:cs typeface="Times New Roman" panose="02020603050405020304" pitchFamily="18" charset="0"/>
+              </a:rPr>
+              <a:pPr/>
+              <a:t>9</a:t>
+            </a:fld>
+            <a:endParaRPr lang="ru-RU" dirty="0">
+              <a:solidFill>
+                <a:schemeClr val="tx1"/>
+              </a:solidFill>
+              <a:latin typeface="Times New Roman" panose="02020603050405020304" pitchFamily="18" charset="0"/>
+              <a:cs typeface="Times New Roman" panose="02020603050405020304" pitchFamily="18" charset="0"/>
+            </a:endParaRPr>
+          </a:p>
+        </p:txBody>
+      </p:sp>
+      <p:pic>
+        <p:nvPicPr>
+          <p:cNvPr id="8" name="Рисунок 7">
+            <a:extLst>
+              <a:ext uri="{FF2B5EF4-FFF2-40B4-BE49-F238E27FC236}">
+                <a16:creationId xmlns:a16="http://schemas.microsoft.com/office/drawing/2014/main" id="{18DC7EEE-B7F7-4C2D-A16C-E68AE0FE8F8E}"/>
+              </a:ext>
+            </a:extLst>
+          </p:cNvPr>
+          <p:cNvPicPr>
+            <a:picLocks noChangeAspect="1"/>
+          </p:cNvPicPr>
+          <p:nvPr/>
+        </p:nvPicPr>
+        <p:blipFill>
+          <a:blip r:embed="rId2">
+            <a:extLst>
+              <a:ext uri="{28A0092B-C50C-407E-A947-70E740481C1C}">
+                <a14:useLocalDpi xmlns:a14="http://schemas.microsoft.com/office/drawing/2010/main" val="0"/>
+              </a:ext>
+            </a:extLst>
+          </a:blip>
+          <a:stretch>
+            <a:fillRect/>
+          </a:stretch>
+        </p:blipFill>
+        <p:spPr>
+          <a:xfrm>
+            <a:off x="7567126" y="2138997"/>
+            <a:ext cx="4135016" cy="2580005"/>
+          </a:xfrm>
+          <a:prstGeom prst="rect">
+            <a:avLst/>
+          </a:prstGeom>
+        </p:spPr>
+      </p:pic>
+    </p:spTree>
+    <p:extLst>
+      <p:ext uri="{BB962C8B-B14F-4D97-AF65-F5344CB8AC3E}">
+        <p14:creationId xmlns:p14="http://schemas.microsoft.com/office/powerpoint/2010/main" val="2905012126"/>
       </p:ext>
     </p:extLst>
   </p:cSld>
@@ -4564,7 +9413,7 @@
         <a:srgbClr val="E7E6E6"/>
       </a:lt2>
       <a:accent1>
-        <a:srgbClr val="5B9BD5"/>
+        <a:srgbClr val="4472C4"/>
       </a:accent1>
       <a:accent2>
         <a:srgbClr val="ED7D31"/>
@@ -4576,7 +9425,7 @@
         <a:srgbClr val="FFC000"/>
       </a:accent4>
       <a:accent5>
-        <a:srgbClr val="4472C4"/>
+        <a:srgbClr val="5B9BD5"/>
       </a:accent5>
       <a:accent6>
         <a:srgbClr val="70AD47"/>
@@ -4623,6 +9472,23 @@
         <a:font script="Viet" typeface="Times New Roman"/>
         <a:font script="Uigh" typeface="Microsoft Uighur"/>
         <a:font script="Geor" typeface="Sylfaen"/>
+        <a:font script="Armn" typeface="Arial"/>
+        <a:font script="Bugi" typeface="Leelawadee UI"/>
+        <a:font script="Bopo" typeface="Microsoft JhengHei"/>
+        <a:font script="Java" typeface="Javanese Text"/>
+        <a:font script="Lisu" typeface="Segoe UI"/>
+        <a:font script="Mymr" typeface="Myanmar Text"/>
+        <a:font script="Nkoo" typeface="Ebrima"/>
+        <a:font script="Olck" typeface="Nirmala UI"/>
+        <a:font script="Osma" typeface="Ebrima"/>
+        <a:font script="Phag" typeface="Phagspa"/>
+        <a:font script="Syrn" typeface="Estrangelo Edessa"/>
+        <a:font script="Syrj" typeface="Estrangelo Edessa"/>
+        <a:font script="Syre" typeface="Estrangelo Edessa"/>
+        <a:font script="Sora" typeface="Nirmala UI"/>
+        <a:font script="Tale" typeface="Microsoft Tai Le"/>
+        <a:font script="Talu" typeface="Microsoft New Tai Lue"/>
+        <a:font script="Tfng" typeface="Ebrima"/>
       </a:majorFont>
       <a:minorFont>
         <a:latin typeface="Calibri" panose="020F0502020204030204"/>
@@ -4658,6 +9524,23 @@
         <a:font script="Viet" typeface="Arial"/>
         <a:font script="Uigh" typeface="Microsoft Uighur"/>
         <a:font script="Geor" typeface="Sylfaen"/>
+        <a:font script="Armn" typeface="Arial"/>
+        <a:font script="Bugi" typeface="Leelawadee UI"/>
+        <a:font script="Bopo" typeface="Microsoft JhengHei"/>
+        <a:font script="Java" typeface="Javanese Text"/>
+        <a:font script="Lisu" typeface="Segoe UI"/>
+        <a:font script="Mymr" typeface="Myanmar Text"/>
+        <a:font script="Nkoo" typeface="Ebrima"/>
+        <a:font script="Olck" typeface="Nirmala UI"/>
+        <a:font script="Osma" typeface="Ebrima"/>
+        <a:font script="Phag" typeface="Phagspa"/>
+        <a:font script="Syrn" typeface="Estrangelo Edessa"/>
+        <a:font script="Syrj" typeface="Estrangelo Edessa"/>
+        <a:font script="Syre" typeface="Estrangelo Edessa"/>
+        <a:font script="Sora" typeface="Nirmala UI"/>
+        <a:font script="Tale" typeface="Microsoft Tai Le"/>
+        <a:font script="Talu" typeface="Microsoft New Tai Lue"/>
+        <a:font script="Tfng" typeface="Ebrima"/>
       </a:minorFont>
     </a:fontScheme>
     <a:fmtScheme name="Стандартная">
@@ -4851,7 +9734,7 @@
     </a:clrScheme>
     <a:fontScheme name="Стандартная">
       <a:majorFont>
-        <a:latin typeface="Calibri Light" panose="020F0302020204030204"/>
+        <a:latin typeface="Calibri Light"/>
         <a:ea typeface=""/>
         <a:cs typeface=""/>
         <a:font script="Jpan" typeface="游ゴシック Light"/>
@@ -4886,7 +9769,7 @@
         <a:font script="Geor" typeface="Sylfaen"/>
       </a:majorFont>
       <a:minorFont>
-        <a:latin typeface="Calibri" panose="020F0502020204030204"/>
+        <a:latin typeface="Calibri"/>
         <a:ea typeface=""/>
         <a:cs typeface=""/>
         <a:font script="Jpan" typeface="游ゴシック"/>
